--- a/other/PosterLearning.pptx
+++ b/other/PosterLearning.pptx
@@ -348,7 +348,7 @@
           <a:p>
             <a:fld id="{EBA22CC5-6453-4E18-B390-C4D13987D0B4}" type="datetimeFigureOut">
               <a:rPr lang="it-IT" smtClean="0"/>
-              <a:t>03/08/2022</a:t>
+              <a:t>13/08/2022</a:t>
             </a:fld>
             <a:endParaRPr lang="it-IT"/>
           </a:p>
@@ -1593,7 +1593,7 @@
           <a:p>
             <a:fld id="{2519B8F2-8C91-4013-8C25-D5F42D05E6CC}" type="datetimeFigureOut">
               <a:rPr lang="it-IT" smtClean="0"/>
-              <a:t>03/08/2022</a:t>
+              <a:t>13/08/2022</a:t>
             </a:fld>
             <a:endParaRPr lang="it-IT"/>
           </a:p>
@@ -1844,7 +1844,7 @@
           <a:p>
             <a:fld id="{2519B8F2-8C91-4013-8C25-D5F42D05E6CC}" type="datetimeFigureOut">
               <a:rPr lang="it-IT" smtClean="0"/>
-              <a:t>03/08/2022</a:t>
+              <a:t>13/08/2022</a:t>
             </a:fld>
             <a:endParaRPr lang="it-IT"/>
           </a:p>
@@ -2158,7 +2158,7 @@
           <a:p>
             <a:fld id="{2519B8F2-8C91-4013-8C25-D5F42D05E6CC}" type="datetimeFigureOut">
               <a:rPr lang="it-IT" smtClean="0"/>
-              <a:t>03/08/2022</a:t>
+              <a:t>13/08/2022</a:t>
             </a:fld>
             <a:endParaRPr lang="it-IT"/>
           </a:p>
@@ -2491,7 +2491,7 @@
           <a:p>
             <a:fld id="{2519B8F2-8C91-4013-8C25-D5F42D05E6CC}" type="datetimeFigureOut">
               <a:rPr lang="it-IT" smtClean="0"/>
-              <a:t>03/08/2022</a:t>
+              <a:t>13/08/2022</a:t>
             </a:fld>
             <a:endParaRPr lang="it-IT"/>
           </a:p>
@@ -2805,7 +2805,7 @@
           <a:p>
             <a:fld id="{2519B8F2-8C91-4013-8C25-D5F42D05E6CC}" type="datetimeFigureOut">
               <a:rPr lang="it-IT" smtClean="0"/>
-              <a:t>03/08/2022</a:t>
+              <a:t>13/08/2022</a:t>
             </a:fld>
             <a:endParaRPr lang="it-IT"/>
           </a:p>
@@ -3198,7 +3198,7 @@
           <a:p>
             <a:fld id="{2519B8F2-8C91-4013-8C25-D5F42D05E6CC}" type="datetimeFigureOut">
               <a:rPr lang="it-IT" smtClean="0"/>
-              <a:t>03/08/2022</a:t>
+              <a:t>13/08/2022</a:t>
             </a:fld>
             <a:endParaRPr lang="it-IT"/>
           </a:p>
@@ -3368,7 +3368,7 @@
           <a:p>
             <a:fld id="{2519B8F2-8C91-4013-8C25-D5F42D05E6CC}" type="datetimeFigureOut">
               <a:rPr lang="it-IT" smtClean="0"/>
-              <a:t>03/08/2022</a:t>
+              <a:t>13/08/2022</a:t>
             </a:fld>
             <a:endParaRPr lang="it-IT"/>
           </a:p>
@@ -3548,7 +3548,7 @@
           <a:p>
             <a:fld id="{2519B8F2-8C91-4013-8C25-D5F42D05E6CC}" type="datetimeFigureOut">
               <a:rPr lang="it-IT" smtClean="0"/>
-              <a:t>03/08/2022</a:t>
+              <a:t>13/08/2022</a:t>
             </a:fld>
             <a:endParaRPr lang="it-IT"/>
           </a:p>
@@ -3718,7 +3718,7 @@
           <a:p>
             <a:fld id="{2519B8F2-8C91-4013-8C25-D5F42D05E6CC}" type="datetimeFigureOut">
               <a:rPr lang="it-IT" smtClean="0"/>
-              <a:t>03/08/2022</a:t>
+              <a:t>13/08/2022</a:t>
             </a:fld>
             <a:endParaRPr lang="it-IT"/>
           </a:p>
@@ -3965,7 +3965,7 @@
           <a:p>
             <a:fld id="{2519B8F2-8C91-4013-8C25-D5F42D05E6CC}" type="datetimeFigureOut">
               <a:rPr lang="it-IT" smtClean="0"/>
-              <a:t>03/08/2022</a:t>
+              <a:t>13/08/2022</a:t>
             </a:fld>
             <a:endParaRPr lang="it-IT"/>
           </a:p>
@@ -4262,7 +4262,7 @@
           <a:p>
             <a:fld id="{2519B8F2-8C91-4013-8C25-D5F42D05E6CC}" type="datetimeFigureOut">
               <a:rPr lang="it-IT" smtClean="0"/>
-              <a:t>03/08/2022</a:t>
+              <a:t>13/08/2022</a:t>
             </a:fld>
             <a:endParaRPr lang="it-IT"/>
           </a:p>
@@ -4641,7 +4641,7 @@
           <a:p>
             <a:fld id="{2519B8F2-8C91-4013-8C25-D5F42D05E6CC}" type="datetimeFigureOut">
               <a:rPr lang="it-IT" smtClean="0"/>
-              <a:t>03/08/2022</a:t>
+              <a:t>13/08/2022</a:t>
             </a:fld>
             <a:endParaRPr lang="it-IT"/>
           </a:p>
@@ -4764,7 +4764,7 @@
           <a:p>
             <a:fld id="{2519B8F2-8C91-4013-8C25-D5F42D05E6CC}" type="datetimeFigureOut">
               <a:rPr lang="it-IT" smtClean="0"/>
-              <a:t>03/08/2022</a:t>
+              <a:t>13/08/2022</a:t>
             </a:fld>
             <a:endParaRPr lang="it-IT"/>
           </a:p>
@@ -4859,7 +4859,7 @@
           <a:p>
             <a:fld id="{2519B8F2-8C91-4013-8C25-D5F42D05E6CC}" type="datetimeFigureOut">
               <a:rPr lang="it-IT" smtClean="0"/>
-              <a:t>03/08/2022</a:t>
+              <a:t>13/08/2022</a:t>
             </a:fld>
             <a:endParaRPr lang="it-IT"/>
           </a:p>
@@ -5114,7 +5114,7 @@
           <a:p>
             <a:fld id="{2519B8F2-8C91-4013-8C25-D5F42D05E6CC}" type="datetimeFigureOut">
               <a:rPr lang="it-IT" smtClean="0"/>
-              <a:t>03/08/2022</a:t>
+              <a:t>13/08/2022</a:t>
             </a:fld>
             <a:endParaRPr lang="it-IT"/>
           </a:p>
@@ -5377,7 +5377,7 @@
           <a:p>
             <a:fld id="{2519B8F2-8C91-4013-8C25-D5F42D05E6CC}" type="datetimeFigureOut">
               <a:rPr lang="it-IT" smtClean="0"/>
-              <a:t>03/08/2022</a:t>
+              <a:t>13/08/2022</a:t>
             </a:fld>
             <a:endParaRPr lang="it-IT"/>
           </a:p>
@@ -6191,7 +6191,7 @@
           <a:p>
             <a:fld id="{2519B8F2-8C91-4013-8C25-D5F42D05E6CC}" type="datetimeFigureOut">
               <a:rPr lang="it-IT" smtClean="0"/>
-              <a:t>03/08/2022</a:t>
+              <a:t>13/08/2022</a:t>
             </a:fld>
             <a:endParaRPr lang="it-IT"/>
           </a:p>
@@ -28942,8 +28942,8 @@
         </p:nvGrpSpPr>
         <p:grpSpPr>
           <a:xfrm>
-            <a:off x="220182" y="39095222"/>
-            <a:ext cx="4625392" cy="3204866"/>
+            <a:off x="220182" y="39095211"/>
+            <a:ext cx="4625392" cy="3204865"/>
             <a:chOff x="7423216" y="36399019"/>
             <a:chExt cx="4620056" cy="3201169"/>
           </a:xfrm>
@@ -29131,7 +29131,7 @@
         </p:grpSp>
         <p:pic>
           <p:nvPicPr>
-            <p:cNvPr id="1032" name="Picture 8" descr="QR Codes As A Marketing Tool">
+            <p:cNvPr id="1032" name="Picture 8">
               <a:extLst>
                 <a:ext uri="{FF2B5EF4-FFF2-40B4-BE49-F238E27FC236}">
                   <a16:creationId xmlns:a16="http://schemas.microsoft.com/office/drawing/2014/main" id="{61D10A11-9F59-B0DA-9D57-8528FE3A2B9A}"/>
@@ -29143,7 +29143,7 @@
             </p:cNvPicPr>
             <p:nvPr/>
           </p:nvPicPr>
-          <p:blipFill>
+          <p:blipFill rotWithShape="1">
             <a:blip r:embed="rId18">
               <a:extLst>
                 <a:ext uri="{28A0092B-C50C-407E-A947-70E740481C1C}">
@@ -29151,15 +29151,13 @@
                 </a:ext>
               </a:extLst>
             </a:blip>
-            <a:srcRect/>
-            <a:stretch>
-              <a:fillRect/>
-            </a:stretch>
+            <a:srcRect l="6936" t="6043" r="7107" b="5883"/>
+            <a:stretch/>
           </p:blipFill>
           <p:spPr bwMode="auto">
             <a:xfrm>
-              <a:off x="9829930" y="37501162"/>
-              <a:ext cx="1990889" cy="1979178"/>
+              <a:off x="9842633" y="37471057"/>
+              <a:ext cx="1978436" cy="2027187"/>
             </a:xfrm>
             <a:prstGeom prst="rect">
               <a:avLst/>
@@ -30026,7 +30024,7 @@
           <p:nvPr/>
         </p:nvPicPr>
         <p:blipFill>
-          <a:blip r:embed="rId18">
+          <a:blip r:embed="rId25">
             <a:extLst>
               <a:ext uri="{28A0092B-C50C-407E-A947-70E740481C1C}">
                 <a14:useLocalDpi xmlns:a14="http://schemas.microsoft.com/office/drawing/2010/main" val="0"/>
@@ -30093,7 +30091,7 @@
             <p:nvPr/>
           </p:nvPicPr>
           <p:blipFill>
-            <a:blip r:embed="rId25">
+            <a:blip r:embed="rId26">
               <a:extLst>
                 <a:ext uri="{28A0092B-C50C-407E-A947-70E740481C1C}">
                   <a14:useLocalDpi xmlns:a14="http://schemas.microsoft.com/office/drawing/2010/main" val="0"/>
@@ -30129,7 +30127,7 @@
             <p:nvPr/>
           </p:nvPicPr>
           <p:blipFill>
-            <a:blip r:embed="rId25">
+            <a:blip r:embed="rId26">
               <a:extLst>
                 <a:ext uri="{28A0092B-C50C-407E-A947-70E740481C1C}">
                   <a14:useLocalDpi xmlns:a14="http://schemas.microsoft.com/office/drawing/2010/main" val="0"/>
@@ -30165,7 +30163,7 @@
             <p:nvPr/>
           </p:nvPicPr>
           <p:blipFill>
-            <a:blip r:embed="rId25">
+            <a:blip r:embed="rId26">
               <a:extLst>
                 <a:ext uri="{28A0092B-C50C-407E-A947-70E740481C1C}">
                   <a14:useLocalDpi xmlns:a14="http://schemas.microsoft.com/office/drawing/2010/main" val="0"/>

--- a/other/PosterLearning.pptx
+++ b/other/PosterLearning.pptx
@@ -348,7 +348,7 @@
           <a:p>
             <a:fld id="{EBA22CC5-6453-4E18-B390-C4D13987D0B4}" type="datetimeFigureOut">
               <a:rPr lang="it-IT" smtClean="0"/>
-              <a:t>13/08/2022</a:t>
+              <a:t>16/08/2022</a:t>
             </a:fld>
             <a:endParaRPr lang="it-IT"/>
           </a:p>
@@ -1593,7 +1593,7 @@
           <a:p>
             <a:fld id="{2519B8F2-8C91-4013-8C25-D5F42D05E6CC}" type="datetimeFigureOut">
               <a:rPr lang="it-IT" smtClean="0"/>
-              <a:t>13/08/2022</a:t>
+              <a:t>16/08/2022</a:t>
             </a:fld>
             <a:endParaRPr lang="it-IT"/>
           </a:p>
@@ -1844,7 +1844,7 @@
           <a:p>
             <a:fld id="{2519B8F2-8C91-4013-8C25-D5F42D05E6CC}" type="datetimeFigureOut">
               <a:rPr lang="it-IT" smtClean="0"/>
-              <a:t>13/08/2022</a:t>
+              <a:t>16/08/2022</a:t>
             </a:fld>
             <a:endParaRPr lang="it-IT"/>
           </a:p>
@@ -2158,7 +2158,7 @@
           <a:p>
             <a:fld id="{2519B8F2-8C91-4013-8C25-D5F42D05E6CC}" type="datetimeFigureOut">
               <a:rPr lang="it-IT" smtClean="0"/>
-              <a:t>13/08/2022</a:t>
+              <a:t>16/08/2022</a:t>
             </a:fld>
             <a:endParaRPr lang="it-IT"/>
           </a:p>
@@ -2491,7 +2491,7 @@
           <a:p>
             <a:fld id="{2519B8F2-8C91-4013-8C25-D5F42D05E6CC}" type="datetimeFigureOut">
               <a:rPr lang="it-IT" smtClean="0"/>
-              <a:t>13/08/2022</a:t>
+              <a:t>16/08/2022</a:t>
             </a:fld>
             <a:endParaRPr lang="it-IT"/>
           </a:p>
@@ -2805,7 +2805,7 @@
           <a:p>
             <a:fld id="{2519B8F2-8C91-4013-8C25-D5F42D05E6CC}" type="datetimeFigureOut">
               <a:rPr lang="it-IT" smtClean="0"/>
-              <a:t>13/08/2022</a:t>
+              <a:t>16/08/2022</a:t>
             </a:fld>
             <a:endParaRPr lang="it-IT"/>
           </a:p>
@@ -3198,7 +3198,7 @@
           <a:p>
             <a:fld id="{2519B8F2-8C91-4013-8C25-D5F42D05E6CC}" type="datetimeFigureOut">
               <a:rPr lang="it-IT" smtClean="0"/>
-              <a:t>13/08/2022</a:t>
+              <a:t>16/08/2022</a:t>
             </a:fld>
             <a:endParaRPr lang="it-IT"/>
           </a:p>
@@ -3368,7 +3368,7 @@
           <a:p>
             <a:fld id="{2519B8F2-8C91-4013-8C25-D5F42D05E6CC}" type="datetimeFigureOut">
               <a:rPr lang="it-IT" smtClean="0"/>
-              <a:t>13/08/2022</a:t>
+              <a:t>16/08/2022</a:t>
             </a:fld>
             <a:endParaRPr lang="it-IT"/>
           </a:p>
@@ -3548,7 +3548,7 @@
           <a:p>
             <a:fld id="{2519B8F2-8C91-4013-8C25-D5F42D05E6CC}" type="datetimeFigureOut">
               <a:rPr lang="it-IT" smtClean="0"/>
-              <a:t>13/08/2022</a:t>
+              <a:t>16/08/2022</a:t>
             </a:fld>
             <a:endParaRPr lang="it-IT"/>
           </a:p>
@@ -3718,7 +3718,7 @@
           <a:p>
             <a:fld id="{2519B8F2-8C91-4013-8C25-D5F42D05E6CC}" type="datetimeFigureOut">
               <a:rPr lang="it-IT" smtClean="0"/>
-              <a:t>13/08/2022</a:t>
+              <a:t>16/08/2022</a:t>
             </a:fld>
             <a:endParaRPr lang="it-IT"/>
           </a:p>
@@ -3965,7 +3965,7 @@
           <a:p>
             <a:fld id="{2519B8F2-8C91-4013-8C25-D5F42D05E6CC}" type="datetimeFigureOut">
               <a:rPr lang="it-IT" smtClean="0"/>
-              <a:t>13/08/2022</a:t>
+              <a:t>16/08/2022</a:t>
             </a:fld>
             <a:endParaRPr lang="it-IT"/>
           </a:p>
@@ -4262,7 +4262,7 @@
           <a:p>
             <a:fld id="{2519B8F2-8C91-4013-8C25-D5F42D05E6CC}" type="datetimeFigureOut">
               <a:rPr lang="it-IT" smtClean="0"/>
-              <a:t>13/08/2022</a:t>
+              <a:t>16/08/2022</a:t>
             </a:fld>
             <a:endParaRPr lang="it-IT"/>
           </a:p>
@@ -4641,7 +4641,7 @@
           <a:p>
             <a:fld id="{2519B8F2-8C91-4013-8C25-D5F42D05E6CC}" type="datetimeFigureOut">
               <a:rPr lang="it-IT" smtClean="0"/>
-              <a:t>13/08/2022</a:t>
+              <a:t>16/08/2022</a:t>
             </a:fld>
             <a:endParaRPr lang="it-IT"/>
           </a:p>
@@ -4764,7 +4764,7 @@
           <a:p>
             <a:fld id="{2519B8F2-8C91-4013-8C25-D5F42D05E6CC}" type="datetimeFigureOut">
               <a:rPr lang="it-IT" smtClean="0"/>
-              <a:t>13/08/2022</a:t>
+              <a:t>16/08/2022</a:t>
             </a:fld>
             <a:endParaRPr lang="it-IT"/>
           </a:p>
@@ -4859,7 +4859,7 @@
           <a:p>
             <a:fld id="{2519B8F2-8C91-4013-8C25-D5F42D05E6CC}" type="datetimeFigureOut">
               <a:rPr lang="it-IT" smtClean="0"/>
-              <a:t>13/08/2022</a:t>
+              <a:t>16/08/2022</a:t>
             </a:fld>
             <a:endParaRPr lang="it-IT"/>
           </a:p>
@@ -5114,7 +5114,7 @@
           <a:p>
             <a:fld id="{2519B8F2-8C91-4013-8C25-D5F42D05E6CC}" type="datetimeFigureOut">
               <a:rPr lang="it-IT" smtClean="0"/>
-              <a:t>13/08/2022</a:t>
+              <a:t>16/08/2022</a:t>
             </a:fld>
             <a:endParaRPr lang="it-IT"/>
           </a:p>
@@ -5377,7 +5377,7 @@
           <a:p>
             <a:fld id="{2519B8F2-8C91-4013-8C25-D5F42D05E6CC}" type="datetimeFigureOut">
               <a:rPr lang="it-IT" smtClean="0"/>
-              <a:t>13/08/2022</a:t>
+              <a:t>16/08/2022</a:t>
             </a:fld>
             <a:endParaRPr lang="it-IT"/>
           </a:p>
@@ -6191,7 +6191,7 @@
           <a:p>
             <a:fld id="{2519B8F2-8C91-4013-8C25-D5F42D05E6CC}" type="datetimeFigureOut">
               <a:rPr lang="it-IT" smtClean="0"/>
-              <a:t>13/08/2022</a:t>
+              <a:t>16/08/2022</a:t>
             </a:fld>
             <a:endParaRPr lang="it-IT"/>
           </a:p>
@@ -23699,10 +23699,10 @@
         </p:nvGrpSpPr>
         <p:grpSpPr>
           <a:xfrm>
-            <a:off x="10812847" y="31396142"/>
-            <a:ext cx="7278849" cy="4659541"/>
-            <a:chOff x="20859535" y="14478486"/>
-            <a:chExt cx="9939290" cy="2880901"/>
+            <a:off x="10812847" y="31396144"/>
+            <a:ext cx="7278849" cy="4981481"/>
+            <a:chOff x="20859535" y="14478487"/>
+            <a:chExt cx="9939290" cy="3079950"/>
           </a:xfrm>
         </p:grpSpPr>
         <p:grpSp>
@@ -23719,10 +23719,10 @@
           </p:nvGrpSpPr>
           <p:grpSpPr>
             <a:xfrm>
-              <a:off x="20859535" y="14478486"/>
-              <a:ext cx="9939290" cy="2880901"/>
+              <a:off x="20859535" y="14478487"/>
+              <a:ext cx="9939290" cy="2873493"/>
               <a:chOff x="2890044" y="16687800"/>
-              <a:chExt cx="13686696" cy="4089777"/>
+              <a:chExt cx="13686696" cy="4079260"/>
             </a:xfrm>
           </p:grpSpPr>
           <p:grpSp>
@@ -23740,9 +23740,9 @@
             <p:grpSpPr>
               <a:xfrm>
                 <a:off x="2890044" y="16687800"/>
-                <a:ext cx="13686696" cy="4089777"/>
+                <a:ext cx="13686696" cy="4079260"/>
                 <a:chOff x="2890044" y="16687800"/>
-                <a:chExt cx="13686696" cy="4089777"/>
+                <a:chExt cx="13686696" cy="4079260"/>
               </a:xfrm>
             </p:grpSpPr>
             <p:sp>
@@ -23807,7 +23807,7 @@
               </p:nvSpPr>
               <p:spPr>
                 <a:xfrm>
-                  <a:off x="2890044" y="17372193"/>
+                  <a:off x="2890044" y="17361676"/>
                   <a:ext cx="13686696" cy="3405384"/>
                 </a:xfrm>
                 <a:prstGeom prst="roundRect">
@@ -23917,7 +23917,7 @@
           <p:spPr>
             <a:xfrm>
               <a:off x="21015239" y="15062439"/>
-              <a:ext cx="9436986" cy="2191134"/>
+              <a:ext cx="9436986" cy="2495998"/>
             </a:xfrm>
             <a:prstGeom prst="rect">
               <a:avLst/>
@@ -24016,6 +24016,10 @@
                 <a:rPr lang="it-IT" sz="3204" dirty="0"/>
                 <a:t>state 2 := &lt;XML&gt;Text&lt;/XML&gt;</a:t>
               </a:r>
+              <a:br>
+                <a:rPr lang="it-IT" sz="3204" dirty="0"/>
+              </a:br>
+              <a:endParaRPr lang="it-IT" sz="3204" dirty="0"/>
             </a:p>
           </p:txBody>
         </p:sp>
@@ -25560,215 +25564,226 @@
               <a:lstStyle/>
               <a:p>
                 <a:r>
-                  <a:rPr lang="it-IT" sz="3204" dirty="0"/>
-                  <a:t>For </a:t>
-                </a:r>
-                <a:r>
                   <a:rPr lang="it-IT" sz="3204" dirty="0">
-                    <a:latin typeface="Cambria Math" panose="02040503050406030204" pitchFamily="18" charset="0"/>
+                    <a:latin typeface="+mj-lt"/>
                     <a:ea typeface="Cambria Math" panose="02040503050406030204" pitchFamily="18" charset="0"/>
                   </a:rPr>
-                  <a:t>∀ N</a:t>
-                </a:r>
-                <a:r>
-                  <a:rPr lang="it-IT" sz="3204" dirty="0"/>
-                  <a:t>on-</a:t>
-                </a:r>
-                <a:r>
-                  <a:rPr lang="it-IT" sz="3204" dirty="0" err="1"/>
-                  <a:t>Deterministic</a:t>
-                </a:r>
-                <a:r>
-                  <a:rPr lang="it-IT" sz="3204" dirty="0"/>
-                  <a:t> VPA V</a:t>
-                </a:r>
-                <a:r>
-                  <a:rPr lang="it-IT" sz="3204" baseline="-25000" dirty="0"/>
-                  <a:t>1</a:t>
-                </a:r>
-                <a:r>
-                  <a:rPr lang="it-IT" sz="3204" dirty="0"/>
-                  <a:t>, </a:t>
-                </a:r>
-                <a:r>
-                  <a:rPr lang="it-IT" sz="3204" dirty="0" err="1"/>
-                  <a:t>there</a:t>
-                </a:r>
-                <a:r>
-                  <a:rPr lang="it-IT" sz="3204" dirty="0"/>
-                  <a:t> </a:t>
-                </a:r>
-                <a:r>
-                  <a:rPr lang="it-IT" sz="3204" dirty="0">
-                    <a:latin typeface="Cambria Math" panose="02040503050406030204" pitchFamily="18" charset="0"/>
-                    <a:ea typeface="Cambria Math" panose="02040503050406030204" pitchFamily="18" charset="0"/>
-                  </a:rPr>
-                  <a:t>∃ a </a:t>
+                  <a:t>For ∀ Non-</a:t>
                 </a:r>
                 <a:r>
                   <a:rPr lang="it-IT" sz="3204" dirty="0" err="1">
-                    <a:latin typeface="Cambria Math" panose="02040503050406030204" pitchFamily="18" charset="0"/>
+                    <a:latin typeface="+mj-lt"/>
                     <a:ea typeface="Cambria Math" panose="02040503050406030204" pitchFamily="18" charset="0"/>
                   </a:rPr>
                   <a:t>Deterministic</a:t>
                 </a:r>
                 <a:r>
                   <a:rPr lang="it-IT" sz="3204" dirty="0">
-                    <a:latin typeface="Cambria Math" panose="02040503050406030204" pitchFamily="18" charset="0"/>
+                    <a:latin typeface="+mj-lt"/>
                     <a:ea typeface="Cambria Math" panose="02040503050406030204" pitchFamily="18" charset="0"/>
                   </a:rPr>
                   <a:t> VPA V</a:t>
                 </a:r>
                 <a:r>
                   <a:rPr lang="it-IT" sz="3204" baseline="-25000" dirty="0">
-                    <a:latin typeface="Cambria Math" panose="02040503050406030204" pitchFamily="18" charset="0"/>
+                    <a:latin typeface="+mj-lt"/>
+                    <a:ea typeface="Cambria Math" panose="02040503050406030204" pitchFamily="18" charset="0"/>
+                  </a:rPr>
+                  <a:t>1</a:t>
+                </a:r>
+                <a:r>
+                  <a:rPr lang="it-IT" sz="3204" dirty="0">
+                    <a:latin typeface="+mj-lt"/>
+                    <a:ea typeface="Cambria Math" panose="02040503050406030204" pitchFamily="18" charset="0"/>
+                  </a:rPr>
+                  <a:t>, </a:t>
+                </a:r>
+                <a:r>
+                  <a:rPr lang="it-IT" sz="3204" dirty="0" err="1">
+                    <a:latin typeface="+mj-lt"/>
+                    <a:ea typeface="Cambria Math" panose="02040503050406030204" pitchFamily="18" charset="0"/>
+                  </a:rPr>
+                  <a:t>there</a:t>
+                </a:r>
+                <a:r>
+                  <a:rPr lang="it-IT" sz="3204" dirty="0">
+                    <a:latin typeface="+mj-lt"/>
+                    <a:ea typeface="Cambria Math" panose="02040503050406030204" pitchFamily="18" charset="0"/>
+                  </a:rPr>
+                  <a:t> ∃ a </a:t>
+                </a:r>
+                <a:r>
+                  <a:rPr lang="it-IT" sz="3204" dirty="0" err="1">
+                    <a:latin typeface="+mj-lt"/>
+                    <a:ea typeface="Cambria Math" panose="02040503050406030204" pitchFamily="18" charset="0"/>
+                  </a:rPr>
+                  <a:t>Deterministic</a:t>
+                </a:r>
+                <a:r>
+                  <a:rPr lang="it-IT" sz="3204" dirty="0">
+                    <a:latin typeface="+mj-lt"/>
+                    <a:ea typeface="Cambria Math" panose="02040503050406030204" pitchFamily="18" charset="0"/>
+                  </a:rPr>
+                  <a:t> VPA V</a:t>
+                </a:r>
+                <a:r>
+                  <a:rPr lang="it-IT" sz="3204" baseline="-25000" dirty="0">
+                    <a:latin typeface="+mj-lt"/>
                     <a:ea typeface="Cambria Math" panose="02040503050406030204" pitchFamily="18" charset="0"/>
                   </a:rPr>
                   <a:t>2 </a:t>
                 </a:r>
                 <a:r>
                   <a:rPr lang="it-IT" sz="3204" dirty="0" err="1">
-                    <a:latin typeface="Cambria Math" panose="02040503050406030204" pitchFamily="18" charset="0"/>
+                    <a:latin typeface="+mj-lt"/>
                     <a:ea typeface="Cambria Math" panose="02040503050406030204" pitchFamily="18" charset="0"/>
                   </a:rPr>
                   <a:t>such</a:t>
                 </a:r>
                 <a:r>
                   <a:rPr lang="it-IT" sz="3204" dirty="0">
-                    <a:latin typeface="Cambria Math" panose="02040503050406030204" pitchFamily="18" charset="0"/>
+                    <a:latin typeface="+mj-lt"/>
                     <a:ea typeface="Cambria Math" panose="02040503050406030204" pitchFamily="18" charset="0"/>
                   </a:rPr>
                   <a:t> </a:t>
                 </a:r>
                 <a:r>
                   <a:rPr lang="it-IT" sz="3204" dirty="0" err="1">
-                    <a:latin typeface="Cambria Math" panose="02040503050406030204" pitchFamily="18" charset="0"/>
+                    <a:latin typeface="+mj-lt"/>
                     <a:ea typeface="Cambria Math" panose="02040503050406030204" pitchFamily="18" charset="0"/>
                   </a:rPr>
                   <a:t>that</a:t>
                 </a:r>
                 <a:r>
                   <a:rPr lang="it-IT" sz="3204" dirty="0">
-                    <a:latin typeface="Cambria Math" panose="02040503050406030204" pitchFamily="18" charset="0"/>
+                    <a:latin typeface="+mj-lt"/>
                     <a:ea typeface="Cambria Math" panose="02040503050406030204" pitchFamily="18" charset="0"/>
                   </a:rPr>
-                  <a:t> L(</a:t>
-                </a:r>
-                <a:r>
-                  <a:rPr lang="it-IT" sz="3204" dirty="0"/>
-                  <a:t>V</a:t>
-                </a:r>
-                <a:r>
-                  <a:rPr lang="it-IT" sz="3204" baseline="-25000" dirty="0"/>
+                  <a:t> L(V</a:t>
+                </a:r>
+                <a:r>
+                  <a:rPr lang="it-IT" sz="3204" baseline="-25000" dirty="0">
+                    <a:latin typeface="+mj-lt"/>
+                    <a:ea typeface="Cambria Math" panose="02040503050406030204" pitchFamily="18" charset="0"/>
+                  </a:rPr>
                   <a:t>1</a:t>
                 </a:r>
                 <a:r>
-                  <a:rPr lang="it-IT" sz="3204" dirty="0"/>
+                  <a:rPr lang="it-IT" sz="3204" dirty="0">
+                    <a:latin typeface="+mj-lt"/>
+                    <a:ea typeface="Cambria Math" panose="02040503050406030204" pitchFamily="18" charset="0"/>
+                  </a:rPr>
                   <a:t>) = L(V</a:t>
                 </a:r>
                 <a:r>
-                  <a:rPr lang="it-IT" sz="3204" baseline="-25000" dirty="0"/>
+                  <a:rPr lang="it-IT" sz="3204" baseline="-25000" dirty="0">
+                    <a:latin typeface="+mj-lt"/>
+                    <a:ea typeface="Cambria Math" panose="02040503050406030204" pitchFamily="18" charset="0"/>
+                  </a:rPr>
                   <a:t>2</a:t>
                 </a:r>
                 <a:r>
-                  <a:rPr lang="it-IT" sz="3204" dirty="0"/>
+                  <a:rPr lang="it-IT" sz="3204" dirty="0">
+                    <a:latin typeface="+mj-lt"/>
+                    <a:ea typeface="Cambria Math" panose="02040503050406030204" pitchFamily="18" charset="0"/>
+                  </a:rPr>
                   <a:t>) </a:t>
                 </a:r>
               </a:p>
               <a:p>
                 <a:r>
                   <a:rPr lang="it-IT" sz="3204" dirty="0">
-                    <a:latin typeface="Cambria Math" panose="02040503050406030204" pitchFamily="18" charset="0"/>
+                    <a:latin typeface="+mj-lt"/>
                     <a:ea typeface="Cambria Math" panose="02040503050406030204" pitchFamily="18" charset="0"/>
                   </a:rPr>
                   <a:t>→ </a:t>
                 </a:r>
                 <a:r>
                   <a:rPr lang="it-IT" sz="3204" dirty="0" err="1">
-                    <a:latin typeface="Cambria Math" panose="02040503050406030204" pitchFamily="18" charset="0"/>
+                    <a:latin typeface="+mj-lt"/>
                     <a:ea typeface="Cambria Math" panose="02040503050406030204" pitchFamily="18" charset="0"/>
                   </a:rPr>
                   <a:t>Every</a:t>
                 </a:r>
                 <a:r>
                   <a:rPr lang="it-IT" sz="3204" dirty="0">
-                    <a:latin typeface="Cambria Math" panose="02040503050406030204" pitchFamily="18" charset="0"/>
+                    <a:latin typeface="+mj-lt"/>
                     <a:ea typeface="Cambria Math" panose="02040503050406030204" pitchFamily="18" charset="0"/>
                   </a:rPr>
                   <a:t> </a:t>
                 </a:r>
                 <a:r>
                   <a:rPr lang="it-IT" sz="3204" dirty="0" err="1">
-                    <a:latin typeface="Cambria Math" panose="02040503050406030204" pitchFamily="18" charset="0"/>
+                    <a:latin typeface="+mj-lt"/>
                     <a:ea typeface="Cambria Math" panose="02040503050406030204" pitchFamily="18" charset="0"/>
                   </a:rPr>
                   <a:t>binary</a:t>
                 </a:r>
                 <a:r>
                   <a:rPr lang="it-IT" sz="3204" dirty="0">
-                    <a:latin typeface="Cambria Math" panose="02040503050406030204" pitchFamily="18" charset="0"/>
+                    <a:latin typeface="+mj-lt"/>
                     <a:ea typeface="Cambria Math" panose="02040503050406030204" pitchFamily="18" charset="0"/>
                   </a:rPr>
                   <a:t> </a:t>
                 </a:r>
                 <a:r>
                   <a:rPr lang="it-IT" sz="3204" dirty="0" err="1">
-                    <a:latin typeface="Cambria Math" panose="02040503050406030204" pitchFamily="18" charset="0"/>
+                    <a:latin typeface="+mj-lt"/>
                     <a:ea typeface="Cambria Math" panose="02040503050406030204" pitchFamily="18" charset="0"/>
                   </a:rPr>
                   <a:t>operation</a:t>
                 </a:r>
                 <a:r>
                   <a:rPr lang="it-IT" sz="3204" dirty="0">
-                    <a:latin typeface="Cambria Math" panose="02040503050406030204" pitchFamily="18" charset="0"/>
+                    <a:latin typeface="+mj-lt"/>
                     <a:ea typeface="Cambria Math" panose="02040503050406030204" pitchFamily="18" charset="0"/>
                   </a:rPr>
                   <a:t> </a:t>
                 </a:r>
                 <a:br>
                   <a:rPr lang="it-IT" sz="3204" dirty="0">
-                    <a:latin typeface="Cambria Math" panose="02040503050406030204" pitchFamily="18" charset="0"/>
+                    <a:latin typeface="+mj-lt"/>
                     <a:ea typeface="Cambria Math" panose="02040503050406030204" pitchFamily="18" charset="0"/>
                   </a:rPr>
                 </a:br>
                 <a:r>
                   <a:rPr lang="it-IT" sz="3204" dirty="0" err="1">
-                    <a:latin typeface="Cambria Math" panose="02040503050406030204" pitchFamily="18" charset="0"/>
+                    <a:latin typeface="+mj-lt"/>
                     <a:ea typeface="Cambria Math" panose="02040503050406030204" pitchFamily="18" charset="0"/>
                   </a:rPr>
                   <a:t>between</a:t>
                 </a:r>
                 <a:r>
                   <a:rPr lang="it-IT" sz="3204" dirty="0">
-                    <a:latin typeface="Cambria Math" panose="02040503050406030204" pitchFamily="18" charset="0"/>
+                    <a:latin typeface="+mj-lt"/>
                     <a:ea typeface="Cambria Math" panose="02040503050406030204" pitchFamily="18" charset="0"/>
                   </a:rPr>
                   <a:t> 2 VPA </a:t>
                 </a:r>
                 <a:r>
                   <a:rPr lang="it-IT" sz="3204" dirty="0" err="1">
-                    <a:latin typeface="Cambria Math" panose="02040503050406030204" pitchFamily="18" charset="0"/>
+                    <a:latin typeface="+mj-lt"/>
                     <a:ea typeface="Cambria Math" panose="02040503050406030204" pitchFamily="18" charset="0"/>
                   </a:rPr>
                   <a:t>is</a:t>
                 </a:r>
                 <a:r>
                   <a:rPr lang="it-IT" sz="3204" dirty="0">
-                    <a:latin typeface="Cambria Math" panose="02040503050406030204" pitchFamily="18" charset="0"/>
+                    <a:latin typeface="+mj-lt"/>
                     <a:ea typeface="Cambria Math" panose="02040503050406030204" pitchFamily="18" charset="0"/>
                   </a:rPr>
                   <a:t> </a:t>
                 </a:r>
                 <a:r>
                   <a:rPr lang="it-IT" sz="3204" dirty="0" err="1">
-                    <a:latin typeface="Cambria Math" panose="02040503050406030204" pitchFamily="18" charset="0"/>
+                    <a:latin typeface="+mj-lt"/>
                     <a:ea typeface="Cambria Math" panose="02040503050406030204" pitchFamily="18" charset="0"/>
                   </a:rPr>
                   <a:t>decidable</a:t>
                 </a:r>
                 <a:r>
                   <a:rPr lang="it-IT" sz="3204" dirty="0">
-                    <a:latin typeface="Cambria Math" panose="02040503050406030204" pitchFamily="18" charset="0"/>
+                    <a:latin typeface="+mj-lt"/>
                     <a:ea typeface="Cambria Math" panose="02040503050406030204" pitchFamily="18" charset="0"/>
                   </a:rPr>
                   <a:t> !</a:t>
@@ -26067,7 +26082,7 @@
             <p:spPr>
               <a:xfrm>
                 <a:off x="15557087" y="9376506"/>
-                <a:ext cx="7545101" cy="2062103"/>
+                <a:ext cx="7545101" cy="2285540"/>
               </a:xfrm>
               <a:prstGeom prst="rect">
                 <a:avLst/>
@@ -26081,87 +26096,147 @@
               <a:lstStyle/>
               <a:p>
                 <a:r>
-                  <a:rPr lang="it-IT" sz="3200" dirty="0"/>
+                  <a:rPr lang="it-IT" sz="3200" dirty="0">
+                    <a:latin typeface="+mj-lt"/>
+                    <a:ea typeface="Cambria Math" panose="02040503050406030204" pitchFamily="18" charset="0"/>
+                  </a:rPr>
                   <a:t>VPA := </a:t>
                 </a:r>
                 <a:r>
-                  <a:rPr lang="it-IT" sz="3200" dirty="0" err="1"/>
+                  <a:rPr lang="it-IT" sz="3200" dirty="0" err="1">
+                    <a:latin typeface="+mj-lt"/>
+                    <a:ea typeface="Cambria Math" panose="02040503050406030204" pitchFamily="18" charset="0"/>
+                  </a:rPr>
                   <a:t>Visibly</a:t>
                 </a:r>
                 <a:r>
-                  <a:rPr lang="it-IT" sz="3200" dirty="0"/>
+                  <a:rPr lang="it-IT" sz="3200" dirty="0">
+                    <a:latin typeface="+mj-lt"/>
+                    <a:ea typeface="Cambria Math" panose="02040503050406030204" pitchFamily="18" charset="0"/>
+                  </a:rPr>
                   <a:t> </a:t>
                 </a:r>
                 <a:r>
-                  <a:rPr lang="it-IT" sz="3200" dirty="0" err="1"/>
+                  <a:rPr lang="it-IT" sz="3200" dirty="0" err="1">
+                    <a:latin typeface="+mj-lt"/>
+                    <a:ea typeface="Cambria Math" panose="02040503050406030204" pitchFamily="18" charset="0"/>
+                  </a:rPr>
                   <a:t>pushdown</a:t>
                 </a:r>
                 <a:r>
-                  <a:rPr lang="it-IT" sz="3200" dirty="0"/>
+                  <a:rPr lang="it-IT" sz="3200" dirty="0">
+                    <a:latin typeface="+mj-lt"/>
+                    <a:ea typeface="Cambria Math" panose="02040503050406030204" pitchFamily="18" charset="0"/>
+                  </a:rPr>
                   <a:t> </a:t>
                 </a:r>
                 <a:r>
-                  <a:rPr lang="it-IT" sz="3200" dirty="0" err="1"/>
+                  <a:rPr lang="it-IT" sz="3200" dirty="0" err="1">
+                    <a:latin typeface="+mj-lt"/>
+                    <a:ea typeface="Cambria Math" panose="02040503050406030204" pitchFamily="18" charset="0"/>
+                  </a:rPr>
                   <a:t>automata</a:t>
                 </a:r>
                 <a:r>
-                  <a:rPr lang="it-IT" sz="3200" dirty="0"/>
+                  <a:rPr lang="it-IT" sz="3200" dirty="0">
+                    <a:latin typeface="+mj-lt"/>
+                    <a:ea typeface="Cambria Math" panose="02040503050406030204" pitchFamily="18" charset="0"/>
+                  </a:rPr>
                   <a:t>.</a:t>
                 </a:r>
               </a:p>
               <a:p>
                 <a:r>
-                  <a:rPr lang="it-IT" sz="3200" dirty="0" err="1"/>
+                  <a:rPr lang="it-IT" sz="3200" dirty="0" err="1">
+                    <a:latin typeface="+mj-lt"/>
+                    <a:ea typeface="Cambria Math" panose="02040503050406030204" pitchFamily="18" charset="0"/>
+                  </a:rPr>
                   <a:t>They</a:t>
                 </a:r>
                 <a:r>
-                  <a:rPr lang="it-IT" sz="3200" dirty="0"/>
+                  <a:rPr lang="it-IT" sz="3200" dirty="0">
+                    <a:latin typeface="+mj-lt"/>
+                    <a:ea typeface="Cambria Math" panose="02040503050406030204" pitchFamily="18" charset="0"/>
+                  </a:rPr>
                   <a:t> can </a:t>
                 </a:r>
                 <a:r>
-                  <a:rPr lang="it-IT" sz="3200" dirty="0" err="1"/>
+                  <a:rPr lang="it-IT" sz="3200" dirty="0" err="1">
+                    <a:latin typeface="+mj-lt"/>
+                    <a:ea typeface="Cambria Math" panose="02040503050406030204" pitchFamily="18" charset="0"/>
+                  </a:rPr>
                   <a:t>recognize</a:t>
                 </a:r>
                 <a:r>
-                  <a:rPr lang="it-IT" sz="3200" dirty="0"/>
+                  <a:rPr lang="it-IT" sz="3200" dirty="0">
+                    <a:latin typeface="+mj-lt"/>
+                    <a:ea typeface="Cambria Math" panose="02040503050406030204" pitchFamily="18" charset="0"/>
+                  </a:rPr>
                   <a:t> </a:t>
                 </a:r>
                 <a:r>
-                  <a:rPr lang="it-IT" sz="3200" dirty="0" err="1"/>
+                  <a:rPr lang="it-IT" sz="3200" dirty="0" err="1">
+                    <a:latin typeface="+mj-lt"/>
+                    <a:ea typeface="Cambria Math" panose="02040503050406030204" pitchFamily="18" charset="0"/>
+                  </a:rPr>
                   <a:t>context</a:t>
                 </a:r>
                 <a:r>
-                  <a:rPr lang="it-IT" sz="3200" dirty="0"/>
+                  <a:rPr lang="it-IT" sz="3200" dirty="0">
+                    <a:latin typeface="+mj-lt"/>
+                    <a:ea typeface="Cambria Math" panose="02040503050406030204" pitchFamily="18" charset="0"/>
+                  </a:rPr>
                   <a:t> free </a:t>
                 </a:r>
                 <a:r>
-                  <a:rPr lang="it-IT" sz="3200" dirty="0" err="1"/>
+                  <a:rPr lang="it-IT" sz="3200" dirty="0" err="1">
+                    <a:latin typeface="+mj-lt"/>
+                    <a:ea typeface="Cambria Math" panose="02040503050406030204" pitchFamily="18" charset="0"/>
+                  </a:rPr>
                   <a:t>languagages</a:t>
                 </a:r>
                 <a:r>
-                  <a:rPr lang="it-IT" sz="3200" dirty="0"/>
+                  <a:rPr lang="it-IT" sz="3200" dirty="0">
+                    <a:latin typeface="+mj-lt"/>
+                    <a:ea typeface="Cambria Math" panose="02040503050406030204" pitchFamily="18" charset="0"/>
+                  </a:rPr>
                   <a:t>.</a:t>
                 </a:r>
               </a:p>
               <a:p>
                 <a:r>
-                  <a:rPr lang="it-IT" sz="3200" dirty="0"/>
+                  <a:rPr lang="it-IT" sz="3200" dirty="0">
+                    <a:latin typeface="+mj-lt"/>
+                    <a:ea typeface="Cambria Math" panose="02040503050406030204" pitchFamily="18" charset="0"/>
+                  </a:rPr>
                   <a:t>The </a:t>
                 </a:r>
                 <a:r>
-                  <a:rPr lang="it-IT" sz="3200" dirty="0" err="1"/>
+                  <a:rPr lang="it-IT" sz="3200" dirty="0" err="1">
+                    <a:latin typeface="+mj-lt"/>
+                    <a:ea typeface="Cambria Math" panose="02040503050406030204" pitchFamily="18" charset="0"/>
+                  </a:rPr>
                   <a:t>alphabet</a:t>
                 </a:r>
                 <a:r>
-                  <a:rPr lang="it-IT" sz="3200" dirty="0"/>
+                  <a:rPr lang="it-IT" sz="3200" dirty="0">
+                    <a:latin typeface="+mj-lt"/>
+                    <a:ea typeface="Cambria Math" panose="02040503050406030204" pitchFamily="18" charset="0"/>
+                  </a:rPr>
                   <a:t> </a:t>
                 </a:r>
                 <a:r>
-                  <a:rPr lang="it-IT" sz="3200" dirty="0" err="1"/>
+                  <a:rPr lang="it-IT" sz="3200" dirty="0" err="1">
+                    <a:latin typeface="+mj-lt"/>
+                    <a:ea typeface="Cambria Math" panose="02040503050406030204" pitchFamily="18" charset="0"/>
+                  </a:rPr>
                   <a:t>is</a:t>
                 </a:r>
                 <a:r>
-                  <a:rPr lang="it-IT" sz="3200" dirty="0"/>
+                  <a:rPr lang="it-IT" sz="3200" dirty="0">
+                    <a:latin typeface="+mj-lt"/>
+                    <a:ea typeface="Cambria Math" panose="02040503050406030204" pitchFamily="18" charset="0"/>
+                  </a:rPr>
                   <a:t> :</a:t>
                 </a:r>
               </a:p>
@@ -26343,45 +26418,89 @@
               <a:lstStyle/>
               <a:p>
                 <a:r>
-                  <a:rPr lang="it-IT" sz="2800" dirty="0"/>
-                  <a:t>XML (eXtensible Markup Language) </a:t>
-                </a:r>
-                <a:r>
-                  <a:rPr lang="it-IT" sz="2800" dirty="0" err="1"/>
+                  <a:rPr lang="it-IT" sz="2800" dirty="0">
+                    <a:latin typeface="Cambria Math" panose="02040503050406030204" pitchFamily="18" charset="0"/>
+                    <a:ea typeface="Cambria Math" panose="02040503050406030204" pitchFamily="18" charset="0"/>
+                  </a:rPr>
+                  <a:t>XML (</a:t>
+                </a:r>
+                <a:r>
+                  <a:rPr lang="it-IT" sz="2800" dirty="0">
+                    <a:latin typeface="+mj-lt"/>
+                    <a:ea typeface="Cambria Math" panose="02040503050406030204" pitchFamily="18" charset="0"/>
+                  </a:rPr>
+                  <a:t>eXtensible</a:t>
+                </a:r>
+                <a:r>
+                  <a:rPr lang="it-IT" sz="2800" dirty="0">
+                    <a:latin typeface="Cambria Math" panose="02040503050406030204" pitchFamily="18" charset="0"/>
+                    <a:ea typeface="Cambria Math" panose="02040503050406030204" pitchFamily="18" charset="0"/>
+                  </a:rPr>
+                  <a:t> Markup Language) </a:t>
+                </a:r>
+                <a:r>
+                  <a:rPr lang="it-IT" sz="2800" dirty="0" err="1">
+                    <a:latin typeface="Cambria Math" panose="02040503050406030204" pitchFamily="18" charset="0"/>
+                    <a:ea typeface="Cambria Math" panose="02040503050406030204" pitchFamily="18" charset="0"/>
+                  </a:rPr>
                   <a:t>is</a:t>
                 </a:r>
                 <a:r>
-                  <a:rPr lang="it-IT" sz="2800" dirty="0"/>
+                  <a:rPr lang="it-IT" sz="2800" dirty="0">
+                    <a:latin typeface="Cambria Math" panose="02040503050406030204" pitchFamily="18" charset="0"/>
+                    <a:ea typeface="Cambria Math" panose="02040503050406030204" pitchFamily="18" charset="0"/>
+                  </a:rPr>
                   <a:t> a standard format for data </a:t>
                 </a:r>
                 <a:r>
-                  <a:rPr lang="it-IT" sz="2800" dirty="0" err="1"/>
+                  <a:rPr lang="it-IT" sz="2800" dirty="0" err="1">
+                    <a:latin typeface="Cambria Math" panose="02040503050406030204" pitchFamily="18" charset="0"/>
+                    <a:ea typeface="Cambria Math" panose="02040503050406030204" pitchFamily="18" charset="0"/>
+                  </a:rPr>
                   <a:t>exchange</a:t>
                 </a:r>
                 <a:r>
-                  <a:rPr lang="it-IT" sz="2800" dirty="0"/>
+                  <a:rPr lang="it-IT" sz="2800" dirty="0">
+                    <a:latin typeface="Cambria Math" panose="02040503050406030204" pitchFamily="18" charset="0"/>
+                    <a:ea typeface="Cambria Math" panose="02040503050406030204" pitchFamily="18" charset="0"/>
+                  </a:rPr>
                   <a:t>. </a:t>
                 </a:r>
               </a:p>
               <a:p>
                 <a:r>
-                  <a:rPr lang="it-IT" sz="2800" b="1" dirty="0"/>
+                  <a:rPr lang="it-IT" sz="2800" b="1" dirty="0">
+                    <a:latin typeface="Cambria Math" panose="02040503050406030204" pitchFamily="18" charset="0"/>
+                    <a:ea typeface="Cambria Math" panose="02040503050406030204" pitchFamily="18" charset="0"/>
+                  </a:rPr>
                   <a:t>XML </a:t>
                 </a:r>
                 <a:r>
-                  <a:rPr lang="it-IT" sz="2800" dirty="0" err="1"/>
+                  <a:rPr lang="it-IT" sz="2800" dirty="0" err="1">
+                    <a:latin typeface="Cambria Math" panose="02040503050406030204" pitchFamily="18" charset="0"/>
+                    <a:ea typeface="Cambria Math" panose="02040503050406030204" pitchFamily="18" charset="0"/>
+                  </a:rPr>
                   <a:t>representable</a:t>
                 </a:r>
                 <a:r>
-                  <a:rPr lang="it-IT" sz="2800" dirty="0"/>
+                  <a:rPr lang="it-IT" sz="2800" dirty="0">
+                    <a:latin typeface="Cambria Math" panose="02040503050406030204" pitchFamily="18" charset="0"/>
+                    <a:ea typeface="Cambria Math" panose="02040503050406030204" pitchFamily="18" charset="0"/>
+                  </a:rPr>
                   <a:t> w/</a:t>
                 </a:r>
                 <a:r>
-                  <a:rPr lang="it-IT" sz="2800" b="1" dirty="0"/>
+                  <a:rPr lang="it-IT" sz="2800" b="1" dirty="0">
+                    <a:latin typeface="Cambria Math" panose="02040503050406030204" pitchFamily="18" charset="0"/>
+                    <a:ea typeface="Cambria Math" panose="02040503050406030204" pitchFamily="18" charset="0"/>
+                  </a:rPr>
                   <a:t>VPA</a:t>
                 </a:r>
                 <a:r>
-                  <a:rPr lang="it-IT" sz="2800" dirty="0"/>
+                  <a:rPr lang="it-IT" sz="2800" dirty="0">
+                    <a:latin typeface="Cambria Math" panose="02040503050406030204" pitchFamily="18" charset="0"/>
+                    <a:ea typeface="Cambria Math" panose="02040503050406030204" pitchFamily="18" charset="0"/>
+                  </a:rPr>
                   <a:t>!</a:t>
                 </a:r>
               </a:p>
@@ -26665,7 +26784,7 @@
           <p:spPr>
             <a:xfrm>
               <a:off x="300825" y="14755591"/>
-              <a:ext cx="5127055" cy="1384995"/>
+              <a:ext cx="5127055" cy="1815580"/>
             </a:xfrm>
             <a:prstGeom prst="rect">
               <a:avLst/>
@@ -26684,7 +26803,7 @@
               </a:r>
               <a:r>
                 <a:rPr lang="it-IT" sz="2803" dirty="0" err="1"/>
-                <a:t>automataon</a:t>
+                <a:t>automata</a:t>
               </a:r>
               <a:r>
                 <a:rPr lang="it-IT" sz="2803" dirty="0"/>
@@ -26712,7 +26831,15 @@
               </a:r>
               <a:r>
                 <a:rPr lang="it-IT" sz="2803" dirty="0"/>
-                <a:t> </a:t>
+                <a:t> (or </a:t>
+              </a:r>
+              <a:r>
+                <a:rPr lang="it-IT" sz="2803" dirty="0" err="1"/>
+                <a:t>canonical</a:t>
+              </a:r>
+              <a:r>
+                <a:rPr lang="it-IT" sz="2803" dirty="0"/>
+                <a:t>) </a:t>
               </a:r>
               <a:r>
                 <a:rPr lang="it-IT" sz="2803" dirty="0" err="1"/>
@@ -26802,7 +26929,7 @@
         </p:nvGrpSpPr>
         <p:grpSpPr>
           <a:xfrm>
-            <a:off x="956671" y="21122085"/>
+            <a:off x="1062038" y="20780368"/>
             <a:ext cx="4869085" cy="4195003"/>
             <a:chOff x="201694" y="13262336"/>
             <a:chExt cx="6866391" cy="4680895"/>
@@ -27444,7 +27571,15 @@
                 </a:r>
                 <a:r>
                   <a:rPr lang="it-IT" sz="3204" dirty="0"/>
-                  <a:t> Language (VPL), </a:t>
+                  <a:t> </a:t>
+                </a:r>
+                <a:r>
+                  <a:rPr lang="it-IT" sz="3204" dirty="0" err="1"/>
+                  <a:t>Languages</a:t>
+                </a:r>
+                <a:r>
+                  <a:rPr lang="it-IT" sz="3204" dirty="0"/>
+                  <a:t> (VPL), </a:t>
                 </a:r>
                 <a:r>
                   <a:rPr lang="it-IT" sz="3204" dirty="0" err="1"/>
@@ -27648,9 +27783,9 @@
         </p:nvGrpSpPr>
         <p:grpSpPr>
           <a:xfrm>
-            <a:off x="305189" y="32095463"/>
+            <a:off x="349922" y="32113030"/>
             <a:ext cx="8845727" cy="3092027"/>
-            <a:chOff x="300569" y="30099165"/>
+            <a:chOff x="345250" y="30116712"/>
             <a:chExt cx="8835523" cy="3088460"/>
           </a:xfrm>
         </p:grpSpPr>
@@ -27668,7 +27803,7 @@
           </p:nvSpPr>
           <p:spPr>
             <a:xfrm>
-              <a:off x="300569" y="30099165"/>
+              <a:off x="345250" y="30116712"/>
               <a:ext cx="8835523" cy="3088460"/>
             </a:xfrm>
             <a:prstGeom prst="wedgeEllipseCallout">
@@ -27734,8 +27869,8 @@
             </a:stretch>
           </p:blipFill>
           <p:spPr>
-            <a:xfrm>
-              <a:off x="809434" y="31199730"/>
+            <a:xfrm rot="19027585">
+              <a:off x="748544" y="31001073"/>
               <a:ext cx="2713177" cy="1011693"/>
             </a:xfrm>
             <a:prstGeom prst="rect">
@@ -27757,8 +27892,8 @@
           </p:nvSpPr>
           <p:spPr>
             <a:xfrm>
-              <a:off x="3572546" y="30580629"/>
-              <a:ext cx="5401573" cy="2554545"/>
+              <a:off x="3368224" y="30279640"/>
+              <a:ext cx="5339611" cy="2554800"/>
             </a:xfrm>
             <a:prstGeom prst="rect">
               <a:avLst/>
@@ -27776,6 +27911,7 @@
                   <a:solidFill>
                     <a:schemeClr val="bg1"/>
                   </a:solidFill>
+                  <a:latin typeface="+mj-lt"/>
                 </a:rPr>
                 <a:t>It</a:t>
               </a:r>
@@ -27784,6 +27920,7 @@
                   <a:solidFill>
                     <a:schemeClr val="bg1"/>
                   </a:solidFill>
+                  <a:latin typeface="+mj-lt"/>
                 </a:rPr>
                 <a:t> </a:t>
               </a:r>
@@ -27792,6 +27929,7 @@
                   <a:solidFill>
                     <a:schemeClr val="bg1"/>
                   </a:solidFill>
+                  <a:latin typeface="+mj-lt"/>
                 </a:rPr>
                 <a:t>is</a:t>
               </a:r>
@@ -27800,6 +27938,7 @@
                   <a:solidFill>
                     <a:schemeClr val="bg1"/>
                   </a:solidFill>
+                  <a:latin typeface="+mj-lt"/>
                 </a:rPr>
                 <a:t> a </a:t>
               </a:r>
@@ -27808,6 +27947,7 @@
                   <a:solidFill>
                     <a:schemeClr val="bg1"/>
                   </a:solidFill>
+                  <a:latin typeface="+mj-lt"/>
                 </a:rPr>
                 <a:t>couple</a:t>
               </a:r>
@@ -27816,16 +27956,54 @@
                   <a:solidFill>
                     <a:schemeClr val="bg1"/>
                   </a:solidFill>
+                  <a:latin typeface="+mj-lt"/>
                 </a:rPr>
-                <a:t> of words </a:t>
-              </a:r>
-            </a:p>
-            <a:p>
+                <a:t> of words, </a:t>
+              </a:r>
+              <a:r>
+                <a:rPr lang="it-IT" sz="3204" dirty="0" err="1">
+                  <a:solidFill>
+                    <a:schemeClr val="bg1"/>
+                  </a:solidFill>
+                  <a:latin typeface="+mj-lt"/>
+                </a:rPr>
+                <a:t>called</a:t>
+              </a:r>
               <a:r>
                 <a:rPr lang="it-IT" sz="3204" dirty="0">
                   <a:solidFill>
                     <a:schemeClr val="bg1"/>
                   </a:solidFill>
+                  <a:latin typeface="+mj-lt"/>
+                </a:rPr>
+                <a:t> </a:t>
+              </a:r>
+              <a:r>
+                <a:rPr lang="it-IT" sz="3204" dirty="0" err="1">
+                  <a:solidFill>
+                    <a:schemeClr val="bg1"/>
+                  </a:solidFill>
+                  <a:latin typeface="+mj-lt"/>
+                </a:rPr>
+                <a:t>well-matched</a:t>
+              </a:r>
+              <a:r>
+                <a:rPr lang="it-IT" sz="3204" dirty="0">
+                  <a:solidFill>
+                    <a:schemeClr val="bg1"/>
+                  </a:solidFill>
+                  <a:latin typeface="+mj-lt"/>
+                </a:rPr>
+                <a:t> words, </a:t>
+              </a:r>
+            </a:p>
+            <a:p>
+              <a:r>
+                <a:rPr lang="it-IT" sz="3204" dirty="0">
+                  <a:solidFill>
+                    <a:schemeClr val="bg1"/>
+                  </a:solidFill>
+                  <a:latin typeface="+mj-lt"/>
                 </a:rPr>
                 <a:t>u</a:t>
               </a:r>
@@ -27834,6 +28012,7 @@
                   <a:solidFill>
                     <a:schemeClr val="bg1"/>
                   </a:solidFill>
+                  <a:latin typeface="+mj-lt"/>
                 </a:rPr>
                 <a:t>1</a:t>
               </a:r>
@@ -27842,6 +28021,7 @@
                   <a:solidFill>
                     <a:schemeClr val="bg1"/>
                   </a:solidFill>
+                  <a:latin typeface="+mj-lt"/>
                 </a:rPr>
                 <a:t>, u</a:t>
               </a:r>
@@ -27850,6 +28030,7 @@
                   <a:solidFill>
                     <a:schemeClr val="bg1"/>
                   </a:solidFill>
+                  <a:latin typeface="+mj-lt"/>
                 </a:rPr>
                 <a:t>2 </a:t>
               </a:r>
@@ -27858,6 +28039,7 @@
                   <a:solidFill>
                     <a:schemeClr val="bg1"/>
                   </a:solidFill>
+                  <a:latin typeface="+mj-lt"/>
                 </a:rPr>
                 <a:t>such</a:t>
               </a:r>
@@ -27866,6 +28048,7 @@
                   <a:solidFill>
                     <a:schemeClr val="bg1"/>
                   </a:solidFill>
+                  <a:latin typeface="+mj-lt"/>
                 </a:rPr>
                 <a:t> </a:t>
               </a:r>
@@ -27874,6 +28057,7 @@
                   <a:solidFill>
                     <a:schemeClr val="bg1"/>
                   </a:solidFill>
+                  <a:latin typeface="+mj-lt"/>
                 </a:rPr>
                 <a:t>that</a:t>
               </a:r>
@@ -27882,24 +28066,34 @@
                   <a:solidFill>
                     <a:schemeClr val="bg1"/>
                   </a:solidFill>
+                  <a:latin typeface="+mj-lt"/>
                 </a:rPr>
-                <a:t> in </a:t>
-              </a:r>
-            </a:p>
-            <a:p>
+                <a:t> </a:t>
+              </a:r>
+              <a:r>
+                <a:rPr lang="it-IT" sz="3204" dirty="0" err="1">
+                  <a:solidFill>
+                    <a:schemeClr val="bg1"/>
+                  </a:solidFill>
+                  <a:latin typeface="+mj-lt"/>
+                </a:rPr>
+                <a:t>every</a:t>
+              </a:r>
               <a:r>
                 <a:rPr lang="it-IT" sz="3204" dirty="0">
                   <a:solidFill>
                     <a:schemeClr val="bg1"/>
                   </a:solidFill>
+                  <a:latin typeface="+mj-lt"/>
                 </a:rPr>
-                <a:t>u = u</a:t>
+                <a:t> call symbol of u = u</a:t>
               </a:r>
               <a:r>
                 <a:rPr lang="it-IT" sz="3204" baseline="-25000" dirty="0">
                   <a:solidFill>
                     <a:schemeClr val="bg1"/>
                   </a:solidFill>
+                  <a:latin typeface="+mj-lt"/>
                 </a:rPr>
                 <a:t>1 </a:t>
               </a:r>
@@ -27908,7 +28102,7 @@
                   <a:solidFill>
                     <a:schemeClr val="bg1"/>
                   </a:solidFill>
-                  <a:latin typeface="Cambria Math" panose="02040503050406030204" pitchFamily="18" charset="0"/>
+                  <a:latin typeface="+mj-lt"/>
                   <a:ea typeface="Cambria Math" panose="02040503050406030204" pitchFamily="18" charset="0"/>
                 </a:rPr>
                 <a:t>∘</a:t>
@@ -27918,6 +28112,7 @@
                   <a:solidFill>
                     <a:schemeClr val="bg1"/>
                   </a:solidFill>
+                  <a:latin typeface="+mj-lt"/>
                 </a:rPr>
                 <a:t> u</a:t>
               </a:r>
@@ -27926,6 +28121,7 @@
                   <a:solidFill>
                     <a:schemeClr val="bg1"/>
                   </a:solidFill>
+                  <a:latin typeface="+mj-lt"/>
                 </a:rPr>
                 <a:t>2</a:t>
               </a:r>
@@ -27934,6 +28130,7 @@
                   <a:solidFill>
                     <a:schemeClr val="bg1"/>
                   </a:solidFill>
+                  <a:latin typeface="+mj-lt"/>
                 </a:rPr>
                 <a:t> </a:t>
               </a:r>
@@ -27942,64 +28139,52 @@
                   <a:solidFill>
                     <a:schemeClr val="bg1"/>
                   </a:solidFill>
+                  <a:latin typeface="+mj-lt"/>
                 </a:rPr>
-                <a:t>each</a:t>
+                <a:t>has</a:t>
               </a:r>
               <a:r>
                 <a:rPr lang="it-IT" sz="3204" dirty="0">
                   <a:solidFill>
                     <a:schemeClr val="bg1"/>
                   </a:solidFill>
+                  <a:latin typeface="+mj-lt"/>
                 </a:rPr>
-                <a:t> call symbol </a:t>
+                <a:t> a </a:t>
               </a:r>
               <a:r>
                 <a:rPr lang="it-IT" sz="3204" dirty="0" err="1">
                   <a:solidFill>
                     <a:schemeClr val="bg1"/>
                   </a:solidFill>
+                  <a:latin typeface="+mj-lt"/>
                 </a:rPr>
-                <a:t>has</a:t>
+                <a:t>corresponding</a:t>
               </a:r>
               <a:r>
                 <a:rPr lang="it-IT" sz="3204" dirty="0">
                   <a:solidFill>
                     <a:schemeClr val="bg1"/>
                   </a:solidFill>
+                  <a:latin typeface="+mj-lt"/>
                 </a:rPr>
-                <a:t> a </a:t>
+                <a:t> </a:t>
               </a:r>
               <a:r>
                 <a:rPr lang="it-IT" sz="3204" dirty="0" err="1">
                   <a:solidFill>
                     <a:schemeClr val="bg1"/>
                   </a:solidFill>
+                  <a:latin typeface="+mj-lt"/>
                 </a:rPr>
-                <a:t>corresponding</a:t>
+                <a:t>ret</a:t>
               </a:r>
               <a:r>
                 <a:rPr lang="it-IT" sz="3204" dirty="0">
                   <a:solidFill>
                     <a:schemeClr val="bg1"/>
                   </a:solidFill>
-                </a:rPr>
-                <a:t> </a:t>
-              </a:r>
-            </a:p>
-            <a:p>
-              <a:r>
-                <a:rPr lang="it-IT" sz="3204" dirty="0" err="1">
-                  <a:solidFill>
-                    <a:schemeClr val="bg1"/>
-                  </a:solidFill>
-                </a:rPr>
-                <a:t>ret</a:t>
-              </a:r>
-              <a:r>
-                <a:rPr lang="it-IT" sz="3204" dirty="0">
-                  <a:solidFill>
-                    <a:schemeClr val="bg1"/>
-                  </a:solidFill>
+                  <a:latin typeface="+mj-lt"/>
                 </a:rPr>
                 <a:t> symbol</a:t>
               </a:r>
@@ -28021,7 +28206,7 @@
         </p:nvGrpSpPr>
         <p:grpSpPr>
           <a:xfrm>
-            <a:off x="11668751" y="25355228"/>
+            <a:off x="11672482" y="25355067"/>
             <a:ext cx="7206126" cy="4381027"/>
             <a:chOff x="20859535" y="14478483"/>
             <a:chExt cx="9939290" cy="3687193"/>
@@ -28243,8 +28428,8 @@
           </p:nvSpPr>
           <p:spPr>
             <a:xfrm>
-              <a:off x="21004802" y="15521465"/>
-              <a:ext cx="9481287" cy="2554545"/>
+              <a:off x="21004803" y="15521465"/>
+              <a:ext cx="9481287" cy="2152674"/>
             </a:xfrm>
             <a:prstGeom prst="rect">
               <a:avLst/>
@@ -28259,7 +28444,15 @@
             <a:p>
               <a:r>
                 <a:rPr lang="it-IT" sz="3204" dirty="0"/>
-                <a:t>From WM, </a:t>
+                <a:t>Thanks to </a:t>
+              </a:r>
+              <a:r>
+                <a:rPr lang="it-IT" sz="3204" dirty="0" err="1"/>
+                <a:t>Well-Matched</a:t>
+              </a:r>
+              <a:r>
+                <a:rPr lang="it-IT" sz="3204" dirty="0"/>
+                <a:t> words, </a:t>
               </a:r>
               <a:r>
                 <a:rPr lang="it-IT" sz="3204" dirty="0" err="1"/>
@@ -28267,11 +28460,11 @@
               </a:r>
               <a:r>
                 <a:rPr lang="it-IT" sz="3204" dirty="0"/>
-                <a:t> can build a </a:t>
+                <a:t> can build the </a:t>
               </a:r>
               <a:r>
                 <a:rPr lang="it-IT" sz="3204" dirty="0" err="1"/>
-                <a:t>particular</a:t>
+                <a:t>Discrimination</a:t>
               </a:r>
               <a:r>
                 <a:rPr lang="it-IT" sz="3204" dirty="0"/>
@@ -28279,7 +28472,25 @@
               </a:r>
               <a:r>
                 <a:rPr lang="it-IT" sz="3204" dirty="0" err="1"/>
-                <a:t>binary</a:t>
+                <a:t>tree</a:t>
+              </a:r>
+              <a:r>
+                <a:rPr lang="it-IT" sz="3204" dirty="0"/>
+                <a:t> :</a:t>
+              </a:r>
+            </a:p>
+            <a:p>
+              <a:pPr marL="457200" indent="-457200">
+                <a:buFont typeface="Arial" panose="020B0604020202020204" pitchFamily="34" charset="0"/>
+                <a:buChar char="•"/>
+              </a:pPr>
+              <a:r>
+                <a:rPr lang="it-IT" sz="3204" dirty="0"/>
+                <a:t>Inner </a:t>
+              </a:r>
+              <a:r>
+                <a:rPr lang="it-IT" sz="3204" dirty="0" err="1"/>
+                <a:t>Nodes</a:t>
               </a:r>
               <a:r>
                 <a:rPr lang="it-IT" sz="3204" dirty="0"/>
@@ -28287,89 +28498,53 @@
               </a:r>
               <a:r>
                 <a:rPr lang="it-IT" sz="3204" dirty="0" err="1"/>
-                <a:t>tree</a:t>
+                <a:t>contain</a:t>
               </a:r>
               <a:r>
                 <a:rPr lang="it-IT" sz="3204" dirty="0"/>
-                <a:t> </a:t>
+                <a:t> a </a:t>
               </a:r>
               <a:r>
                 <a:rPr lang="it-IT" sz="3204" dirty="0" err="1"/>
-                <a:t>called</a:t>
+                <a:t>couple</a:t>
               </a:r>
               <a:r>
                 <a:rPr lang="it-IT" sz="3204" dirty="0"/>
-                <a:t> </a:t>
+                <a:t> (u</a:t>
+              </a:r>
+              <a:r>
+                <a:rPr lang="it-IT" sz="3204" baseline="-25000" dirty="0"/>
+                <a:t>1</a:t>
+              </a:r>
+              <a:r>
+                <a:rPr lang="it-IT" sz="3204" dirty="0"/>
+                <a:t>, u</a:t>
+              </a:r>
+              <a:r>
+                <a:rPr lang="it-IT" sz="3204" baseline="-25000" dirty="0"/>
+                <a:t>2</a:t>
+              </a:r>
+              <a:r>
+                <a:rPr lang="it-IT" sz="3204" dirty="0"/>
+                <a:t>) </a:t>
               </a:r>
               <a:r>
                 <a:rPr lang="it-IT" sz="3204" dirty="0" err="1"/>
-                <a:t>Discrimination</a:t>
+                <a:t>forming</a:t>
               </a:r>
               <a:r>
                 <a:rPr lang="it-IT" sz="3204" dirty="0"/>
-                <a:t> </a:t>
-              </a:r>
-              <a:r>
-                <a:rPr lang="it-IT" sz="3204" dirty="0" err="1"/>
-                <a:t>tree</a:t>
-              </a:r>
-              <a:r>
-                <a:rPr lang="it-IT" sz="3204" dirty="0"/>
-                <a:t>.</a:t>
+                <a:t> a WM</a:t>
               </a:r>
             </a:p>
             <a:p>
+              <a:pPr marL="457200" indent="-457200">
+                <a:buFont typeface="Arial" panose="020B0604020202020204" pitchFamily="34" charset="0"/>
+                <a:buChar char="•"/>
+              </a:pPr>
               <a:r>
                 <a:rPr lang="it-IT" sz="3204" dirty="0"/>
-                <a:t>Inner </a:t>
-              </a:r>
-              <a:r>
-                <a:rPr lang="it-IT" sz="3204" dirty="0" err="1"/>
-                <a:t>Nodes</a:t>
-              </a:r>
-              <a:r>
-                <a:rPr lang="it-IT" sz="3204" dirty="0"/>
-                <a:t> </a:t>
-              </a:r>
-              <a:r>
-                <a:rPr lang="it-IT" sz="3204" dirty="0" err="1"/>
-                <a:t>contain</a:t>
-              </a:r>
-              <a:r>
-                <a:rPr lang="it-IT" sz="3204" dirty="0"/>
-                <a:t> a </a:t>
-              </a:r>
-              <a:r>
-                <a:rPr lang="it-IT" sz="3204" dirty="0" err="1"/>
-                <a:t>couple</a:t>
-              </a:r>
-              <a:r>
-                <a:rPr lang="it-IT" sz="3204" dirty="0"/>
-                <a:t> (u</a:t>
-              </a:r>
-              <a:r>
-                <a:rPr lang="it-IT" sz="3204" baseline="-25000" dirty="0"/>
-                <a:t>1</a:t>
-              </a:r>
-              <a:r>
-                <a:rPr lang="it-IT" sz="3204" dirty="0"/>
-                <a:t>, u</a:t>
-              </a:r>
-              <a:r>
-                <a:rPr lang="it-IT" sz="3204" baseline="-25000" dirty="0"/>
-                <a:t>2</a:t>
-              </a:r>
-              <a:r>
-                <a:rPr lang="it-IT" sz="3204" dirty="0"/>
-                <a:t>) and </a:t>
-              </a:r>
-              <a:r>
-                <a:rPr lang="it-IT" sz="3204" dirty="0" err="1"/>
-                <a:t>leaves</a:t>
-              </a:r>
-              <a:r>
-                <a:rPr lang="it-IT" sz="3204" dirty="0"/>
-                <a:t> are </a:t>
+                <a:t>Leaves are </a:t>
               </a:r>
               <a:r>
                 <a:rPr lang="it-IT" sz="3204" dirty="0" err="1"/>
@@ -28405,10 +28580,10 @@
         </p:nvGrpSpPr>
         <p:grpSpPr>
           <a:xfrm>
-            <a:off x="19677403" y="24887770"/>
-            <a:ext cx="5600997" cy="2934125"/>
-            <a:chOff x="20859535" y="14478487"/>
-            <a:chExt cx="9939290" cy="2930740"/>
+            <a:off x="19672768" y="25347081"/>
+            <a:ext cx="5600997" cy="2428057"/>
+            <a:chOff x="20859535" y="14478488"/>
+            <a:chExt cx="9939290" cy="2425256"/>
           </a:xfrm>
         </p:grpSpPr>
         <p:grpSp>
@@ -28425,10 +28600,10 @@
           </p:nvGrpSpPr>
           <p:grpSpPr>
             <a:xfrm>
-              <a:off x="20859535" y="14478487"/>
-              <a:ext cx="9939290" cy="2930740"/>
+              <a:off x="20859535" y="14478488"/>
+              <a:ext cx="9939290" cy="2425256"/>
               <a:chOff x="2890044" y="16687800"/>
-              <a:chExt cx="13686696" cy="4160529"/>
+              <a:chExt cx="13686696" cy="3442935"/>
             </a:xfrm>
           </p:grpSpPr>
           <p:grpSp>
@@ -28446,9 +28621,9 @@
             <p:grpSpPr>
               <a:xfrm>
                 <a:off x="2890044" y="16687800"/>
-                <a:ext cx="13686696" cy="4160529"/>
+                <a:ext cx="13686696" cy="3442935"/>
                 <a:chOff x="2890044" y="16687800"/>
-                <a:chExt cx="13686696" cy="4160529"/>
+                <a:chExt cx="13686696" cy="3442935"/>
               </a:xfrm>
             </p:grpSpPr>
             <p:sp>
@@ -28513,8 +28688,8 @@
               </p:nvSpPr>
               <p:spPr>
                 <a:xfrm>
-                  <a:off x="2890044" y="17818432"/>
-                  <a:ext cx="13686696" cy="3029897"/>
+                  <a:off x="2890044" y="17818433"/>
+                  <a:ext cx="13686696" cy="2312302"/>
                 </a:xfrm>
                 <a:prstGeom prst="roundRect">
                   <a:avLst>
@@ -28620,7 +28795,7 @@
           <p:spPr>
             <a:xfrm>
               <a:off x="20953979" y="15280900"/>
-              <a:ext cx="9635227" cy="2062103"/>
+              <a:ext cx="9635227" cy="1569771"/>
             </a:xfrm>
             <a:prstGeom prst="rect">
               <a:avLst/>
@@ -28643,7 +28818,7 @@
               </a:r>
               <a:r>
                 <a:rPr lang="it-IT" sz="3204" dirty="0"/>
-                <a:t> the VPA </a:t>
+                <a:t> the </a:t>
               </a:r>
               <a:r>
                 <a:rPr lang="it-IT" sz="3204" dirty="0" err="1"/>
@@ -28651,7 +28826,7 @@
               </a:r>
               <a:r>
                 <a:rPr lang="it-IT" sz="3204" dirty="0"/>
-                <a:t> and </a:t>
+                <a:t> of the VPA and </a:t>
               </a:r>
               <a:r>
                 <a:rPr lang="it-IT" sz="3204" dirty="0" err="1"/>
@@ -28659,31 +28834,7 @@
               </a:r>
               <a:r>
                 <a:rPr lang="it-IT" sz="3204" dirty="0"/>
-                <a:t> Membership </a:t>
-              </a:r>
-              <a:r>
-                <a:rPr lang="it-IT" sz="3204" dirty="0" err="1"/>
-                <a:t>questions</a:t>
-              </a:r>
-              <a:r>
-                <a:rPr lang="it-IT" sz="3204" dirty="0"/>
-                <a:t>, </a:t>
-              </a:r>
-              <a:r>
-                <a:rPr lang="it-IT" sz="3204" dirty="0" err="1"/>
-                <a:t>we</a:t>
-              </a:r>
-              <a:r>
-                <a:rPr lang="it-IT" sz="3204" dirty="0"/>
-                <a:t> build the </a:t>
-              </a:r>
-              <a:r>
-                <a:rPr lang="it-IT" sz="3204" dirty="0" err="1"/>
-                <a:t>corresponding</a:t>
-              </a:r>
-              <a:r>
-                <a:rPr lang="it-IT" sz="3204" dirty="0"/>
-                <a:t> VPA</a:t>
+                <a:t> Membership queries</a:t>
               </a:r>
             </a:p>
           </p:txBody>
@@ -29538,15 +29689,15 @@
           </p:spPr>
           <p:style>
             <a:lnRef idx="2">
-              <a:schemeClr val="accent2">
+              <a:schemeClr val="accent5">
                 <a:shade val="50000"/>
               </a:schemeClr>
             </a:lnRef>
             <a:fillRef idx="1">
-              <a:schemeClr val="accent2"/>
+              <a:schemeClr val="accent5"/>
             </a:fillRef>
             <a:effectRef idx="0">
-              <a:schemeClr val="accent2"/>
+              <a:schemeClr val="accent5"/>
             </a:effectRef>
             <a:fontRef idx="minor">
               <a:schemeClr val="lt1"/>
@@ -30009,53 +30160,6 @@
           </a:prstGeom>
         </p:spPr>
       </p:pic>
-      <p:pic>
-        <p:nvPicPr>
-          <p:cNvPr id="302" name="Picture 8" descr="QR Codes As A Marketing Tool">
-            <a:extLst>
-              <a:ext uri="{FF2B5EF4-FFF2-40B4-BE49-F238E27FC236}">
-                <a16:creationId xmlns:a16="http://schemas.microsoft.com/office/drawing/2014/main" id="{EE519B93-6148-4EC8-475D-8FBB32D174FF}"/>
-              </a:ext>
-            </a:extLst>
-          </p:cNvPr>
-          <p:cNvPicPr>
-            <a:picLocks noChangeAspect="1" noChangeArrowheads="1"/>
-          </p:cNvPicPr>
-          <p:nvPr/>
-        </p:nvPicPr>
-        <p:blipFill>
-          <a:blip r:embed="rId25">
-            <a:extLst>
-              <a:ext uri="{28A0092B-C50C-407E-A947-70E740481C1C}">
-                <a14:useLocalDpi xmlns:a14="http://schemas.microsoft.com/office/drawing/2010/main" val="0"/>
-              </a:ext>
-            </a:extLst>
-          </a:blip>
-          <a:srcRect/>
-          <a:stretch>
-            <a:fillRect/>
-          </a:stretch>
-        </p:blipFill>
-        <p:spPr bwMode="auto">
-          <a:xfrm>
-            <a:off x="5005794" y="38731758"/>
-            <a:ext cx="1993188" cy="1981464"/>
-          </a:xfrm>
-          <a:prstGeom prst="rect">
-            <a:avLst/>
-          </a:prstGeom>
-          <a:noFill/>
-          <a:extLst>
-            <a:ext uri="{909E8E84-426E-40DD-AFC4-6F175D3DCCD1}">
-              <a14:hiddenFill xmlns:a14="http://schemas.microsoft.com/office/drawing/2010/main">
-                <a:solidFill>
-                  <a:srgbClr val="FFFFFF"/>
-                </a:solidFill>
-              </a14:hiddenFill>
-            </a:ext>
-          </a:extLst>
-        </p:spPr>
-      </p:pic>
       <p:grpSp>
         <p:nvGrpSpPr>
           <p:cNvPr id="143" name="Gruppo 142">
@@ -30091,7 +30195,7 @@
             <p:nvPr/>
           </p:nvPicPr>
           <p:blipFill>
-            <a:blip r:embed="rId26">
+            <a:blip r:embed="rId25">
               <a:extLst>
                 <a:ext uri="{28A0092B-C50C-407E-A947-70E740481C1C}">
                   <a14:useLocalDpi xmlns:a14="http://schemas.microsoft.com/office/drawing/2010/main" val="0"/>
@@ -30127,7 +30231,7 @@
             <p:nvPr/>
           </p:nvPicPr>
           <p:blipFill>
-            <a:blip r:embed="rId26">
+            <a:blip r:embed="rId25">
               <a:extLst>
                 <a:ext uri="{28A0092B-C50C-407E-A947-70E740481C1C}">
                   <a14:useLocalDpi xmlns:a14="http://schemas.microsoft.com/office/drawing/2010/main" val="0"/>
@@ -30163,7 +30267,7 @@
             <p:nvPr/>
           </p:nvPicPr>
           <p:blipFill>
-            <a:blip r:embed="rId26">
+            <a:blip r:embed="rId25">
               <a:extLst>
                 <a:ext uri="{28A0092B-C50C-407E-A947-70E740481C1C}">
                   <a14:useLocalDpi xmlns:a14="http://schemas.microsoft.com/office/drawing/2010/main" val="0"/>
@@ -30199,7 +30303,7 @@
         </p:nvSpPr>
         <p:spPr>
           <a:xfrm>
-            <a:off x="17475196" y="40030523"/>
+            <a:off x="17852878" y="39711179"/>
             <a:ext cx="3000635" cy="1053672"/>
           </a:xfrm>
           <a:prstGeom prst="wedgeRoundRectCallout">
@@ -30831,52 +30935,6 @@
       </p:sp>
       <p:sp>
         <p:nvSpPr>
-          <p:cNvPr id="5" name="Freccia in giù 4">
-            <a:extLst>
-              <a:ext uri="{FF2B5EF4-FFF2-40B4-BE49-F238E27FC236}">
-                <a16:creationId xmlns:a16="http://schemas.microsoft.com/office/drawing/2014/main" id="{A90DCF59-48D0-5CF1-41BF-67BC965D4F7D}"/>
-              </a:ext>
-            </a:extLst>
-          </p:cNvPr>
-          <p:cNvSpPr/>
-          <p:nvPr/>
-        </p:nvSpPr>
-        <p:spPr>
-          <a:xfrm>
-            <a:off x="16908106" y="29997528"/>
-            <a:ext cx="644742" cy="1036931"/>
-          </a:xfrm>
-          <a:prstGeom prst="downArrow">
-            <a:avLst/>
-          </a:prstGeom>
-        </p:spPr>
-        <p:style>
-          <a:lnRef idx="2">
-            <a:schemeClr val="accent1">
-              <a:shade val="50000"/>
-            </a:schemeClr>
-          </a:lnRef>
-          <a:fillRef idx="1">
-            <a:schemeClr val="accent1"/>
-          </a:fillRef>
-          <a:effectRef idx="0">
-            <a:schemeClr val="accent1"/>
-          </a:effectRef>
-          <a:fontRef idx="minor">
-            <a:schemeClr val="lt1"/>
-          </a:fontRef>
-        </p:style>
-        <p:txBody>
-          <a:bodyPr rtlCol="0" anchor="ctr"/>
-          <a:lstStyle/>
-          <a:p>
-            <a:pPr algn="ctr"/>
-            <a:endParaRPr lang="it-IT"/>
-          </a:p>
-        </p:txBody>
-      </p:sp>
-      <p:sp>
-        <p:nvSpPr>
           <p:cNvPr id="165" name="Freccia curva 164">
             <a:extLst>
               <a:ext uri="{FF2B5EF4-FFF2-40B4-BE49-F238E27FC236}">
@@ -31054,7 +31112,7 @@
         </p:nvSpPr>
         <p:spPr>
           <a:xfrm>
-            <a:off x="16908106" y="29997529"/>
+            <a:off x="14892465" y="29958263"/>
             <a:ext cx="644742" cy="1036931"/>
           </a:xfrm>
           <a:prstGeom prst="downArrow">
@@ -31132,6 +31190,104 @@
           </a:p>
         </p:txBody>
       </p:sp>
+      <p:sp>
+        <p:nvSpPr>
+          <p:cNvPr id="157" name="Fumetto: rettangolo con angoli arrotondati 156">
+            <a:extLst>
+              <a:ext uri="{FF2B5EF4-FFF2-40B4-BE49-F238E27FC236}">
+                <a16:creationId xmlns:a16="http://schemas.microsoft.com/office/drawing/2014/main" id="{1AC2322A-359F-16D8-42B5-049377DB7F71}"/>
+              </a:ext>
+            </a:extLst>
+          </p:cNvPr>
+          <p:cNvSpPr/>
+          <p:nvPr/>
+        </p:nvSpPr>
+        <p:spPr>
+          <a:xfrm>
+            <a:off x="14624498" y="40099680"/>
+            <a:ext cx="3000635" cy="1053672"/>
+          </a:xfrm>
+          <a:prstGeom prst="wedgeRoundRectCallout">
+            <a:avLst>
+              <a:gd name="adj1" fmla="val -18008"/>
+              <a:gd name="adj2" fmla="val -79509"/>
+              <a:gd name="adj3" fmla="val 16667"/>
+            </a:avLst>
+          </a:prstGeom>
+        </p:spPr>
+        <p:style>
+          <a:lnRef idx="2">
+            <a:schemeClr val="accent6"/>
+          </a:lnRef>
+          <a:fillRef idx="1">
+            <a:schemeClr val="lt1"/>
+          </a:fillRef>
+          <a:effectRef idx="0">
+            <a:schemeClr val="accent6"/>
+          </a:effectRef>
+          <a:fontRef idx="minor">
+            <a:schemeClr val="dk1"/>
+          </a:fontRef>
+        </p:style>
+        <p:txBody>
+          <a:bodyPr rtlCol="0" anchor="ctr"/>
+          <a:lstStyle/>
+          <a:p>
+            <a:pPr algn="ctr"/>
+            <a:r>
+              <a:rPr lang="it-IT" sz="2800" dirty="0" err="1"/>
+              <a:t>This</a:t>
+            </a:r>
+            <a:r>
+              <a:rPr lang="it-IT" sz="2800" dirty="0"/>
+              <a:t> </a:t>
+            </a:r>
+            <a:r>
+              <a:rPr lang="it-IT" sz="2800" dirty="0" err="1"/>
+              <a:t>is</a:t>
+            </a:r>
+            <a:r>
+              <a:rPr lang="it-IT" sz="2800" dirty="0"/>
+              <a:t> the bottom state</a:t>
+            </a:r>
+          </a:p>
+        </p:txBody>
+      </p:sp>
+      <p:pic>
+        <p:nvPicPr>
+          <p:cNvPr id="7" name="Immagine 6">
+            <a:extLst>
+              <a:ext uri="{FF2B5EF4-FFF2-40B4-BE49-F238E27FC236}">
+                <a16:creationId xmlns:a16="http://schemas.microsoft.com/office/drawing/2014/main" id="{80CC29F6-E293-25F8-D0EF-6C373DD6670D}"/>
+              </a:ext>
+            </a:extLst>
+          </p:cNvPr>
+          <p:cNvPicPr>
+            <a:picLocks noChangeAspect="1"/>
+          </p:cNvPicPr>
+          <p:nvPr/>
+        </p:nvPicPr>
+        <p:blipFill rotWithShape="1">
+          <a:blip r:embed="rId26">
+            <a:extLst>
+              <a:ext uri="{28A0092B-C50C-407E-A947-70E740481C1C}">
+                <a14:useLocalDpi xmlns:a14="http://schemas.microsoft.com/office/drawing/2010/main" val="0"/>
+              </a:ext>
+            </a:extLst>
+          </a:blip>
+          <a:srcRect l="7983" t="7437" r="7794" b="7910"/>
+          <a:stretch/>
+        </p:blipFill>
+        <p:spPr>
+          <a:xfrm>
+            <a:off x="4930689" y="38534565"/>
+            <a:ext cx="2322562" cy="2334478"/>
+          </a:xfrm>
+          <a:prstGeom prst="rect">
+            <a:avLst/>
+          </a:prstGeom>
+        </p:spPr>
+      </p:pic>
     </p:spTree>
     <p:extLst>
       <p:ext uri="{BB962C8B-B14F-4D97-AF65-F5344CB8AC3E}">

--- a/other/PosterLearning.pptx
+++ b/other/PosterLearning.pptx
@@ -348,7 +348,7 @@
           <a:p>
             <a:fld id="{EBA22CC5-6453-4E18-B390-C4D13987D0B4}" type="datetimeFigureOut">
               <a:rPr lang="it-IT" smtClean="0"/>
-              <a:t>16/08/2022</a:t>
+              <a:t>30/08/2022</a:t>
             </a:fld>
             <a:endParaRPr lang="it-IT"/>
           </a:p>
@@ -1593,7 +1593,7 @@
           <a:p>
             <a:fld id="{2519B8F2-8C91-4013-8C25-D5F42D05E6CC}" type="datetimeFigureOut">
               <a:rPr lang="it-IT" smtClean="0"/>
-              <a:t>16/08/2022</a:t>
+              <a:t>30/08/2022</a:t>
             </a:fld>
             <a:endParaRPr lang="it-IT"/>
           </a:p>
@@ -1844,7 +1844,7 @@
           <a:p>
             <a:fld id="{2519B8F2-8C91-4013-8C25-D5F42D05E6CC}" type="datetimeFigureOut">
               <a:rPr lang="it-IT" smtClean="0"/>
-              <a:t>16/08/2022</a:t>
+              <a:t>30/08/2022</a:t>
             </a:fld>
             <a:endParaRPr lang="it-IT"/>
           </a:p>
@@ -2158,7 +2158,7 @@
           <a:p>
             <a:fld id="{2519B8F2-8C91-4013-8C25-D5F42D05E6CC}" type="datetimeFigureOut">
               <a:rPr lang="it-IT" smtClean="0"/>
-              <a:t>16/08/2022</a:t>
+              <a:t>30/08/2022</a:t>
             </a:fld>
             <a:endParaRPr lang="it-IT"/>
           </a:p>
@@ -2491,7 +2491,7 @@
           <a:p>
             <a:fld id="{2519B8F2-8C91-4013-8C25-D5F42D05E6CC}" type="datetimeFigureOut">
               <a:rPr lang="it-IT" smtClean="0"/>
-              <a:t>16/08/2022</a:t>
+              <a:t>30/08/2022</a:t>
             </a:fld>
             <a:endParaRPr lang="it-IT"/>
           </a:p>
@@ -2805,7 +2805,7 @@
           <a:p>
             <a:fld id="{2519B8F2-8C91-4013-8C25-D5F42D05E6CC}" type="datetimeFigureOut">
               <a:rPr lang="it-IT" smtClean="0"/>
-              <a:t>16/08/2022</a:t>
+              <a:t>30/08/2022</a:t>
             </a:fld>
             <a:endParaRPr lang="it-IT"/>
           </a:p>
@@ -3198,7 +3198,7 @@
           <a:p>
             <a:fld id="{2519B8F2-8C91-4013-8C25-D5F42D05E6CC}" type="datetimeFigureOut">
               <a:rPr lang="it-IT" smtClean="0"/>
-              <a:t>16/08/2022</a:t>
+              <a:t>30/08/2022</a:t>
             </a:fld>
             <a:endParaRPr lang="it-IT"/>
           </a:p>
@@ -3368,7 +3368,7 @@
           <a:p>
             <a:fld id="{2519B8F2-8C91-4013-8C25-D5F42D05E6CC}" type="datetimeFigureOut">
               <a:rPr lang="it-IT" smtClean="0"/>
-              <a:t>16/08/2022</a:t>
+              <a:t>30/08/2022</a:t>
             </a:fld>
             <a:endParaRPr lang="it-IT"/>
           </a:p>
@@ -3548,7 +3548,7 @@
           <a:p>
             <a:fld id="{2519B8F2-8C91-4013-8C25-D5F42D05E6CC}" type="datetimeFigureOut">
               <a:rPr lang="it-IT" smtClean="0"/>
-              <a:t>16/08/2022</a:t>
+              <a:t>30/08/2022</a:t>
             </a:fld>
             <a:endParaRPr lang="it-IT"/>
           </a:p>
@@ -3718,7 +3718,7 @@
           <a:p>
             <a:fld id="{2519B8F2-8C91-4013-8C25-D5F42D05E6CC}" type="datetimeFigureOut">
               <a:rPr lang="it-IT" smtClean="0"/>
-              <a:t>16/08/2022</a:t>
+              <a:t>30/08/2022</a:t>
             </a:fld>
             <a:endParaRPr lang="it-IT"/>
           </a:p>
@@ -3965,7 +3965,7 @@
           <a:p>
             <a:fld id="{2519B8F2-8C91-4013-8C25-D5F42D05E6CC}" type="datetimeFigureOut">
               <a:rPr lang="it-IT" smtClean="0"/>
-              <a:t>16/08/2022</a:t>
+              <a:t>30/08/2022</a:t>
             </a:fld>
             <a:endParaRPr lang="it-IT"/>
           </a:p>
@@ -4262,7 +4262,7 @@
           <a:p>
             <a:fld id="{2519B8F2-8C91-4013-8C25-D5F42D05E6CC}" type="datetimeFigureOut">
               <a:rPr lang="it-IT" smtClean="0"/>
-              <a:t>16/08/2022</a:t>
+              <a:t>30/08/2022</a:t>
             </a:fld>
             <a:endParaRPr lang="it-IT"/>
           </a:p>
@@ -4641,7 +4641,7 @@
           <a:p>
             <a:fld id="{2519B8F2-8C91-4013-8C25-D5F42D05E6CC}" type="datetimeFigureOut">
               <a:rPr lang="it-IT" smtClean="0"/>
-              <a:t>16/08/2022</a:t>
+              <a:t>30/08/2022</a:t>
             </a:fld>
             <a:endParaRPr lang="it-IT"/>
           </a:p>
@@ -4764,7 +4764,7 @@
           <a:p>
             <a:fld id="{2519B8F2-8C91-4013-8C25-D5F42D05E6CC}" type="datetimeFigureOut">
               <a:rPr lang="it-IT" smtClean="0"/>
-              <a:t>16/08/2022</a:t>
+              <a:t>30/08/2022</a:t>
             </a:fld>
             <a:endParaRPr lang="it-IT"/>
           </a:p>
@@ -4859,7 +4859,7 @@
           <a:p>
             <a:fld id="{2519B8F2-8C91-4013-8C25-D5F42D05E6CC}" type="datetimeFigureOut">
               <a:rPr lang="it-IT" smtClean="0"/>
-              <a:t>16/08/2022</a:t>
+              <a:t>30/08/2022</a:t>
             </a:fld>
             <a:endParaRPr lang="it-IT"/>
           </a:p>
@@ -5114,7 +5114,7 @@
           <a:p>
             <a:fld id="{2519B8F2-8C91-4013-8C25-D5F42D05E6CC}" type="datetimeFigureOut">
               <a:rPr lang="it-IT" smtClean="0"/>
-              <a:t>16/08/2022</a:t>
+              <a:t>30/08/2022</a:t>
             </a:fld>
             <a:endParaRPr lang="it-IT"/>
           </a:p>
@@ -5377,7 +5377,7 @@
           <a:p>
             <a:fld id="{2519B8F2-8C91-4013-8C25-D5F42D05E6CC}" type="datetimeFigureOut">
               <a:rPr lang="it-IT" smtClean="0"/>
-              <a:t>16/08/2022</a:t>
+              <a:t>30/08/2022</a:t>
             </a:fld>
             <a:endParaRPr lang="it-IT"/>
           </a:p>
@@ -6191,7 +6191,7 @@
           <a:p>
             <a:fld id="{2519B8F2-8C91-4013-8C25-D5F42D05E6CC}" type="datetimeFigureOut">
               <a:rPr lang="it-IT" smtClean="0"/>
-              <a:t>16/08/2022</a:t>
+              <a:t>30/08/2022</a:t>
             </a:fld>
             <a:endParaRPr lang="it-IT"/>
           </a:p>
@@ -28842,245 +28842,6 @@
       </p:grpSp>
       <p:grpSp>
         <p:nvGrpSpPr>
-          <p:cNvPr id="233" name="Gruppo 232">
-            <a:extLst>
-              <a:ext uri="{FF2B5EF4-FFF2-40B4-BE49-F238E27FC236}">
-                <a16:creationId xmlns:a16="http://schemas.microsoft.com/office/drawing/2014/main" id="{C4FEE673-2C8C-38D8-F06D-8D6E0CB1918B}"/>
-              </a:ext>
-            </a:extLst>
-          </p:cNvPr>
-          <p:cNvGrpSpPr/>
-          <p:nvPr/>
-        </p:nvGrpSpPr>
-        <p:grpSpPr>
-          <a:xfrm>
-            <a:off x="245978" y="37458705"/>
-            <a:ext cx="7111934" cy="3649116"/>
-            <a:chOff x="20859535" y="14478483"/>
-            <a:chExt cx="9939290" cy="3696319"/>
-          </a:xfrm>
-        </p:grpSpPr>
-        <p:grpSp>
-          <p:nvGrpSpPr>
-            <p:cNvPr id="234" name="Gruppo 233">
-              <a:extLst>
-                <a:ext uri="{FF2B5EF4-FFF2-40B4-BE49-F238E27FC236}">
-                  <a16:creationId xmlns:a16="http://schemas.microsoft.com/office/drawing/2014/main" id="{47D4F0A3-38F1-F9CB-015C-8DA408799836}"/>
-                </a:ext>
-              </a:extLst>
-            </p:cNvPr>
-            <p:cNvGrpSpPr/>
-            <p:nvPr/>
-          </p:nvGrpSpPr>
-          <p:grpSpPr>
-            <a:xfrm>
-              <a:off x="20859535" y="14478483"/>
-              <a:ext cx="9939290" cy="3696319"/>
-              <a:chOff x="2890044" y="16687798"/>
-              <a:chExt cx="13686696" cy="5247359"/>
-            </a:xfrm>
-          </p:grpSpPr>
-          <p:grpSp>
-            <p:nvGrpSpPr>
-              <p:cNvPr id="236" name="Gruppo 235">
-                <a:extLst>
-                  <a:ext uri="{FF2B5EF4-FFF2-40B4-BE49-F238E27FC236}">
-                    <a16:creationId xmlns:a16="http://schemas.microsoft.com/office/drawing/2014/main" id="{E03A4507-14D2-FE47-6889-B0A1E3B5FF48}"/>
-                  </a:ext>
-                </a:extLst>
-              </p:cNvPr>
-              <p:cNvGrpSpPr/>
-              <p:nvPr/>
-            </p:nvGrpSpPr>
-            <p:grpSpPr>
-              <a:xfrm>
-                <a:off x="2890044" y="16687798"/>
-                <a:ext cx="13686696" cy="5247359"/>
-                <a:chOff x="2890044" y="16687798"/>
-                <a:chExt cx="13686696" cy="5247359"/>
-              </a:xfrm>
-            </p:grpSpPr>
-            <p:sp>
-              <p:nvSpPr>
-                <p:cNvPr id="238" name="Rettangolo con angoli arrotondati 237">
-                  <a:extLst>
-                    <a:ext uri="{FF2B5EF4-FFF2-40B4-BE49-F238E27FC236}">
-                      <a16:creationId xmlns:a16="http://schemas.microsoft.com/office/drawing/2014/main" id="{696D4D72-62B3-2233-FC20-5E4C8D17C3EB}"/>
-                    </a:ext>
-                  </a:extLst>
-                </p:cNvPr>
-                <p:cNvSpPr/>
-                <p:nvPr/>
-              </p:nvSpPr>
-              <p:spPr>
-                <a:xfrm>
-                  <a:off x="2890044" y="16687798"/>
-                  <a:ext cx="13686696" cy="5234404"/>
-                </a:xfrm>
-                <a:prstGeom prst="roundRect">
-                  <a:avLst>
-                    <a:gd name="adj" fmla="val 5443"/>
-                  </a:avLst>
-                </a:prstGeom>
-              </p:spPr>
-              <p:style>
-                <a:lnRef idx="2">
-                  <a:schemeClr val="accent6">
-                    <a:shade val="50000"/>
-                  </a:schemeClr>
-                </a:lnRef>
-                <a:fillRef idx="1">
-                  <a:schemeClr val="accent6"/>
-                </a:fillRef>
-                <a:effectRef idx="0">
-                  <a:schemeClr val="accent6"/>
-                </a:effectRef>
-                <a:fontRef idx="minor">
-                  <a:schemeClr val="lt1"/>
-                </a:fontRef>
-              </p:style>
-              <p:txBody>
-                <a:bodyPr rtlCol="0" anchor="ctr"/>
-                <a:lstStyle/>
-                <a:p>
-                  <a:pPr algn="ctr"/>
-                  <a:endParaRPr lang="it-IT" sz="1885" dirty="0"/>
-                </a:p>
-              </p:txBody>
-            </p:sp>
-            <p:sp>
-              <p:nvSpPr>
-                <p:cNvPr id="239" name="Rettangolo con angoli arrotondati 238">
-                  <a:extLst>
-                    <a:ext uri="{FF2B5EF4-FFF2-40B4-BE49-F238E27FC236}">
-                      <a16:creationId xmlns:a16="http://schemas.microsoft.com/office/drawing/2014/main" id="{03BF3B4C-C8AA-49A7-EF9D-FC4570A20921}"/>
-                    </a:ext>
-                  </a:extLst>
-                </p:cNvPr>
-                <p:cNvSpPr/>
-                <p:nvPr/>
-              </p:nvSpPr>
-              <p:spPr>
-                <a:xfrm>
-                  <a:off x="2890044" y="17945098"/>
-                  <a:ext cx="13686696" cy="3990059"/>
-                </a:xfrm>
-                <a:prstGeom prst="roundRect">
-                  <a:avLst>
-                    <a:gd name="adj" fmla="val 5443"/>
-                  </a:avLst>
-                </a:prstGeom>
-                <a:ln>
-                  <a:solidFill>
-                    <a:schemeClr val="accent6"/>
-                  </a:solidFill>
-                </a:ln>
-              </p:spPr>
-              <p:style>
-                <a:lnRef idx="2">
-                  <a:schemeClr val="accent6"/>
-                </a:lnRef>
-                <a:fillRef idx="1">
-                  <a:schemeClr val="lt1"/>
-                </a:fillRef>
-                <a:effectRef idx="0">
-                  <a:schemeClr val="accent6"/>
-                </a:effectRef>
-                <a:fontRef idx="minor">
-                  <a:schemeClr val="dk1"/>
-                </a:fontRef>
-              </p:style>
-              <p:txBody>
-                <a:bodyPr rtlCol="0" anchor="ctr"/>
-                <a:lstStyle/>
-                <a:p>
-                  <a:pPr algn="ctr"/>
-                  <a:endParaRPr lang="it-IT" sz="3204" dirty="0"/>
-                </a:p>
-              </p:txBody>
-            </p:sp>
-          </p:grpSp>
-          <p:sp>
-            <p:nvSpPr>
-              <p:cNvPr id="237" name="CasellaDiTesto 236">
-                <a:extLst>
-                  <a:ext uri="{FF2B5EF4-FFF2-40B4-BE49-F238E27FC236}">
-                    <a16:creationId xmlns:a16="http://schemas.microsoft.com/office/drawing/2014/main" id="{D5D50A89-098E-68ED-9655-61FB6EA99EEB}"/>
-                  </a:ext>
-                </a:extLst>
-              </p:cNvPr>
-              <p:cNvSpPr txBox="1"/>
-              <p:nvPr/>
-            </p:nvSpPr>
-            <p:spPr>
-              <a:xfrm>
-                <a:off x="3960369" y="16700753"/>
-                <a:ext cx="11911451" cy="1310775"/>
-              </a:xfrm>
-              <a:prstGeom prst="rect">
-                <a:avLst/>
-              </a:prstGeom>
-              <a:noFill/>
-            </p:spPr>
-            <p:txBody>
-              <a:bodyPr wrap="square" rtlCol="0">
-                <a:spAutoFit/>
-              </a:bodyPr>
-              <a:lstStyle/>
-              <a:p>
-                <a:pPr algn="ctr"/>
-                <a:r>
-                  <a:rPr lang="it-IT" sz="5406" dirty="0" err="1">
-                    <a:solidFill>
-                      <a:schemeClr val="bg1"/>
-                    </a:solidFill>
-                  </a:rPr>
-                  <a:t>References</a:t>
-                </a:r>
-                <a:endParaRPr lang="it-IT" sz="5406" dirty="0">
-                  <a:solidFill>
-                    <a:schemeClr val="bg1"/>
-                  </a:solidFill>
-                </a:endParaRPr>
-              </a:p>
-            </p:txBody>
-          </p:sp>
-        </p:grpSp>
-        <p:sp>
-          <p:nvSpPr>
-            <p:cNvPr id="235" name="CasellaDiTesto 234">
-              <a:extLst>
-                <a:ext uri="{FF2B5EF4-FFF2-40B4-BE49-F238E27FC236}">
-                  <a16:creationId xmlns:a16="http://schemas.microsoft.com/office/drawing/2014/main" id="{5DD53E07-00C2-10D6-30CD-0D30C38AF041}"/>
-                </a:ext>
-              </a:extLst>
-            </p:cNvPr>
-            <p:cNvSpPr txBox="1"/>
-            <p:nvPr/>
-          </p:nvSpPr>
-          <p:spPr>
-            <a:xfrm>
-              <a:off x="21004802" y="15521465"/>
-              <a:ext cx="9481287" cy="592990"/>
-            </a:xfrm>
-            <a:prstGeom prst="rect">
-              <a:avLst/>
-            </a:prstGeom>
-            <a:noFill/>
-          </p:spPr>
-          <p:txBody>
-            <a:bodyPr wrap="square" rtlCol="0">
-              <a:spAutoFit/>
-            </a:bodyPr>
-            <a:lstStyle/>
-            <a:p>
-              <a:endParaRPr lang="it-IT" sz="3204" dirty="0"/>
-            </a:p>
-          </p:txBody>
-        </p:sp>
-      </p:grpSp>
-      <p:grpSp>
-        <p:nvGrpSpPr>
           <p:cNvPr id="57" name="Gruppo 56">
             <a:extLst>
               <a:ext uri="{FF2B5EF4-FFF2-40B4-BE49-F238E27FC236}">
@@ -29093,7 +28854,7 @@
         </p:nvGrpSpPr>
         <p:grpSpPr>
           <a:xfrm>
-            <a:off x="220182" y="39095211"/>
+            <a:off x="140627" y="39417763"/>
             <a:ext cx="4625392" cy="3204865"/>
             <a:chOff x="7423216" y="36399019"/>
             <a:chExt cx="4620056" cy="3201169"/>
@@ -29282,51 +29043,6 @@
         </p:grpSp>
         <p:pic>
           <p:nvPicPr>
-            <p:cNvPr id="1032" name="Picture 8">
-              <a:extLst>
-                <a:ext uri="{FF2B5EF4-FFF2-40B4-BE49-F238E27FC236}">
-                  <a16:creationId xmlns:a16="http://schemas.microsoft.com/office/drawing/2014/main" id="{61D10A11-9F59-B0DA-9D57-8528FE3A2B9A}"/>
-                </a:ext>
-              </a:extLst>
-            </p:cNvPr>
-            <p:cNvPicPr>
-              <a:picLocks noChangeAspect="1" noChangeArrowheads="1"/>
-            </p:cNvPicPr>
-            <p:nvPr/>
-          </p:nvPicPr>
-          <p:blipFill rotWithShape="1">
-            <a:blip r:embed="rId18">
-              <a:extLst>
-                <a:ext uri="{28A0092B-C50C-407E-A947-70E740481C1C}">
-                  <a14:useLocalDpi xmlns:a14="http://schemas.microsoft.com/office/drawing/2010/main" val="0"/>
-                </a:ext>
-              </a:extLst>
-            </a:blip>
-            <a:srcRect l="6936" t="6043" r="7107" b="5883"/>
-            <a:stretch/>
-          </p:blipFill>
-          <p:spPr bwMode="auto">
-            <a:xfrm>
-              <a:off x="9842633" y="37471057"/>
-              <a:ext cx="1978436" cy="2027187"/>
-            </a:xfrm>
-            <a:prstGeom prst="rect">
-              <a:avLst/>
-            </a:prstGeom>
-            <a:noFill/>
-            <a:extLst>
-              <a:ext uri="{909E8E84-426E-40DD-AFC4-6F175D3DCCD1}">
-                <a14:hiddenFill xmlns:a14="http://schemas.microsoft.com/office/drawing/2010/main">
-                  <a:solidFill>
-                    <a:srgbClr val="FFFFFF"/>
-                  </a:solidFill>
-                </a14:hiddenFill>
-              </a:ext>
-            </a:extLst>
-          </p:spPr>
-        </p:pic>
-        <p:pic>
-          <p:nvPicPr>
             <p:cNvPr id="1034" name="Picture 10" descr="Démo - Icônes ordinateur gratuites">
               <a:extLst>
                 <a:ext uri="{FF2B5EF4-FFF2-40B4-BE49-F238E27FC236}">
@@ -29340,7 +29056,7 @@
             <p:nvPr/>
           </p:nvPicPr>
           <p:blipFill>
-            <a:blip r:embed="rId19">
+            <a:blip r:embed="rId18">
               <a:extLst>
                 <a:ext uri="{28A0092B-C50C-407E-A947-70E740481C1C}">
                   <a14:useLocalDpi xmlns:a14="http://schemas.microsoft.com/office/drawing/2010/main" val="0"/>
@@ -29550,13 +29266,13 @@
                 <p:nvPr/>
               </p:nvPicPr>
               <p:blipFill>
-                <a:blip r:embed="rId20">
+                <a:blip r:embed="rId19">
                   <a:extLst>
                     <a:ext uri="{28A0092B-C50C-407E-A947-70E740481C1C}">
                       <a14:useLocalDpi xmlns:a14="http://schemas.microsoft.com/office/drawing/2010/main" val="0"/>
                     </a:ext>
                     <a:ext uri="{96DAC541-7B7A-43D3-8B79-37D633B846F1}">
-                      <asvg:svgBlip xmlns:asvg="http://schemas.microsoft.com/office/drawing/2016/SVG/main" r:embed="rId21"/>
+                      <asvg:svgBlip xmlns:asvg="http://schemas.microsoft.com/office/drawing/2016/SVG/main" r:embed="rId20"/>
                     </a:ext>
                   </a:extLst>
                 </a:blip>
@@ -29751,7 +29467,7 @@
           <p:nvPr/>
         </p:nvPicPr>
         <p:blipFill>
-          <a:blip r:embed="rId22">
+          <a:blip r:embed="rId21">
             <a:extLst>
               <a:ext uri="{28A0092B-C50C-407E-A947-70E740481C1C}">
                 <a14:useLocalDpi xmlns:a14="http://schemas.microsoft.com/office/drawing/2010/main" val="0"/>
@@ -30136,13 +29852,13 @@
           <p:nvPr/>
         </p:nvPicPr>
         <p:blipFill>
-          <a:blip r:embed="rId23">
+          <a:blip r:embed="rId22">
             <a:extLst>
               <a:ext uri="{28A0092B-C50C-407E-A947-70E740481C1C}">
                 <a14:useLocalDpi xmlns:a14="http://schemas.microsoft.com/office/drawing/2010/main" val="0"/>
               </a:ext>
               <a:ext uri="{96DAC541-7B7A-43D3-8B79-37D633B846F1}">
-                <asvg:svgBlip xmlns:asvg="http://schemas.microsoft.com/office/drawing/2016/SVG/main" r:embed="rId24"/>
+                <asvg:svgBlip xmlns:asvg="http://schemas.microsoft.com/office/drawing/2016/SVG/main" r:embed="rId23"/>
               </a:ext>
             </a:extLst>
           </a:blip>
@@ -30195,7 +29911,7 @@
             <p:nvPr/>
           </p:nvPicPr>
           <p:blipFill>
-            <a:blip r:embed="rId25">
+            <a:blip r:embed="rId24">
               <a:extLst>
                 <a:ext uri="{28A0092B-C50C-407E-A947-70E740481C1C}">
                   <a14:useLocalDpi xmlns:a14="http://schemas.microsoft.com/office/drawing/2010/main" val="0"/>
@@ -30231,7 +29947,7 @@
             <p:nvPr/>
           </p:nvPicPr>
           <p:blipFill>
-            <a:blip r:embed="rId25">
+            <a:blip r:embed="rId24">
               <a:extLst>
                 <a:ext uri="{28A0092B-C50C-407E-A947-70E740481C1C}">
                   <a14:useLocalDpi xmlns:a14="http://schemas.microsoft.com/office/drawing/2010/main" val="0"/>
@@ -30267,7 +29983,7 @@
             <p:nvPr/>
           </p:nvPicPr>
           <p:blipFill>
-            <a:blip r:embed="rId25">
+            <a:blip r:embed="rId24">
               <a:extLst>
                 <a:ext uri="{28A0092B-C50C-407E-A947-70E740481C1C}">
                   <a14:useLocalDpi xmlns:a14="http://schemas.microsoft.com/office/drawing/2010/main" val="0"/>
@@ -31253,12 +30969,280 @@
           </a:p>
         </p:txBody>
       </p:sp>
+      <p:grpSp>
+        <p:nvGrpSpPr>
+          <p:cNvPr id="177" name="Gruppo 176">
+            <a:extLst>
+              <a:ext uri="{FF2B5EF4-FFF2-40B4-BE49-F238E27FC236}">
+                <a16:creationId xmlns:a16="http://schemas.microsoft.com/office/drawing/2014/main" id="{FD3E93AF-7015-788B-C1BA-D2E858CF7B1F}"/>
+              </a:ext>
+            </a:extLst>
+          </p:cNvPr>
+          <p:cNvGrpSpPr/>
+          <p:nvPr/>
+        </p:nvGrpSpPr>
+        <p:grpSpPr>
+          <a:xfrm>
+            <a:off x="25495471" y="39447260"/>
+            <a:ext cx="4625392" cy="3204865"/>
+            <a:chOff x="2890044" y="16687798"/>
+            <a:chExt cx="13686696" cy="4148909"/>
+          </a:xfrm>
+        </p:grpSpPr>
+        <p:grpSp>
+          <p:nvGrpSpPr>
+            <p:cNvPr id="180" name="Gruppo 179">
+              <a:extLst>
+                <a:ext uri="{FF2B5EF4-FFF2-40B4-BE49-F238E27FC236}">
+                  <a16:creationId xmlns:a16="http://schemas.microsoft.com/office/drawing/2014/main" id="{8DAFEDBF-C6E4-96C8-5190-33F22D713F15}"/>
+                </a:ext>
+              </a:extLst>
+            </p:cNvPr>
+            <p:cNvGrpSpPr/>
+            <p:nvPr/>
+          </p:nvGrpSpPr>
+          <p:grpSpPr>
+            <a:xfrm>
+              <a:off x="2890044" y="16687798"/>
+              <a:ext cx="13686696" cy="4148909"/>
+              <a:chOff x="2890044" y="16687798"/>
+              <a:chExt cx="13686696" cy="4148909"/>
+            </a:xfrm>
+          </p:grpSpPr>
+          <p:sp>
+            <p:nvSpPr>
+              <p:cNvPr id="182" name="Rettangolo con angoli arrotondati 181">
+                <a:extLst>
+                  <a:ext uri="{FF2B5EF4-FFF2-40B4-BE49-F238E27FC236}">
+                    <a16:creationId xmlns:a16="http://schemas.microsoft.com/office/drawing/2014/main" id="{97DF34B8-7162-1058-35B0-7E092A2A4AA0}"/>
+                  </a:ext>
+                </a:extLst>
+              </p:cNvPr>
+              <p:cNvSpPr/>
+              <p:nvPr/>
+            </p:nvSpPr>
+            <p:spPr>
+              <a:xfrm>
+                <a:off x="2890044" y="16687798"/>
+                <a:ext cx="13686696" cy="4148908"/>
+              </a:xfrm>
+              <a:prstGeom prst="roundRect">
+                <a:avLst>
+                  <a:gd name="adj" fmla="val 5443"/>
+                </a:avLst>
+              </a:prstGeom>
+            </p:spPr>
+            <p:style>
+              <a:lnRef idx="2">
+                <a:schemeClr val="accent6">
+                  <a:shade val="50000"/>
+                </a:schemeClr>
+              </a:lnRef>
+              <a:fillRef idx="1">
+                <a:schemeClr val="accent6"/>
+              </a:fillRef>
+              <a:effectRef idx="0">
+                <a:schemeClr val="accent6"/>
+              </a:effectRef>
+              <a:fontRef idx="minor">
+                <a:schemeClr val="lt1"/>
+              </a:fontRef>
+            </p:style>
+            <p:txBody>
+              <a:bodyPr rtlCol="0" anchor="ctr"/>
+              <a:lstStyle/>
+              <a:p>
+                <a:pPr algn="ctr"/>
+                <a:endParaRPr lang="it-IT" sz="1885" dirty="0"/>
+              </a:p>
+            </p:txBody>
+          </p:sp>
+          <p:sp>
+            <p:nvSpPr>
+              <p:cNvPr id="183" name="Rettangolo con angoli arrotondati 182">
+                <a:extLst>
+                  <a:ext uri="{FF2B5EF4-FFF2-40B4-BE49-F238E27FC236}">
+                    <a16:creationId xmlns:a16="http://schemas.microsoft.com/office/drawing/2014/main" id="{3C2ACF8B-3B2B-A927-B61E-EC07CB239A6E}"/>
+                  </a:ext>
+                </a:extLst>
+              </p:cNvPr>
+              <p:cNvSpPr/>
+              <p:nvPr/>
+            </p:nvSpPr>
+            <p:spPr>
+              <a:xfrm>
+                <a:off x="2890044" y="17945101"/>
+                <a:ext cx="13686696" cy="2891606"/>
+              </a:xfrm>
+              <a:prstGeom prst="roundRect">
+                <a:avLst>
+                  <a:gd name="adj" fmla="val 5443"/>
+                </a:avLst>
+              </a:prstGeom>
+              <a:ln>
+                <a:solidFill>
+                  <a:schemeClr val="accent6"/>
+                </a:solidFill>
+              </a:ln>
+            </p:spPr>
+            <p:style>
+              <a:lnRef idx="2">
+                <a:schemeClr val="accent6"/>
+              </a:lnRef>
+              <a:fillRef idx="1">
+                <a:schemeClr val="lt1"/>
+              </a:fillRef>
+              <a:effectRef idx="0">
+                <a:schemeClr val="accent6"/>
+              </a:effectRef>
+              <a:fontRef idx="minor">
+                <a:schemeClr val="dk1"/>
+              </a:fontRef>
+            </p:style>
+            <p:txBody>
+              <a:bodyPr rtlCol="0" anchor="ctr"/>
+              <a:lstStyle/>
+              <a:p>
+                <a:pPr algn="ctr"/>
+                <a:endParaRPr lang="it-IT" sz="3204" dirty="0"/>
+              </a:p>
+            </p:txBody>
+          </p:sp>
+        </p:grpSp>
+        <p:sp>
+          <p:nvSpPr>
+            <p:cNvPr id="181" name="CasellaDiTesto 180">
+              <a:extLst>
+                <a:ext uri="{FF2B5EF4-FFF2-40B4-BE49-F238E27FC236}">
+                  <a16:creationId xmlns:a16="http://schemas.microsoft.com/office/drawing/2014/main" id="{3079BE58-CDD3-DC51-59BF-31758D9D24E7}"/>
+                </a:ext>
+              </a:extLst>
+            </p:cNvPr>
+            <p:cNvSpPr txBox="1"/>
+            <p:nvPr/>
+          </p:nvSpPr>
+          <p:spPr>
+            <a:xfrm>
+              <a:off x="3960369" y="16700753"/>
+              <a:ext cx="11911452" cy="1197854"/>
+            </a:xfrm>
+            <a:prstGeom prst="rect">
+              <a:avLst/>
+            </a:prstGeom>
+            <a:noFill/>
+          </p:spPr>
+          <p:txBody>
+            <a:bodyPr wrap="square" rtlCol="0">
+              <a:spAutoFit/>
+            </a:bodyPr>
+            <a:lstStyle/>
+            <a:p>
+              <a:pPr algn="ctr"/>
+              <a:r>
+                <a:rPr lang="it-IT" sz="5406" dirty="0" err="1">
+                  <a:solidFill>
+                    <a:schemeClr val="bg1"/>
+                  </a:solidFill>
+                </a:rPr>
+                <a:t>References</a:t>
+              </a:r>
+              <a:endParaRPr lang="it-IT" sz="5406" dirty="0">
+                <a:solidFill>
+                  <a:schemeClr val="bg1"/>
+                </a:solidFill>
+              </a:endParaRPr>
+            </a:p>
+          </p:txBody>
+        </p:sp>
+      </p:grpSp>
       <p:pic>
         <p:nvPicPr>
           <p:cNvPr id="7" name="Immagine 6">
             <a:extLst>
               <a:ext uri="{FF2B5EF4-FFF2-40B4-BE49-F238E27FC236}">
                 <a16:creationId xmlns:a16="http://schemas.microsoft.com/office/drawing/2014/main" id="{80CC29F6-E293-25F8-D0EF-6C373DD6670D}"/>
+              </a:ext>
+            </a:extLst>
+          </p:cNvPr>
+          <p:cNvPicPr>
+            <a:picLocks noChangeAspect="1"/>
+          </p:cNvPicPr>
+          <p:nvPr/>
+        </p:nvPicPr>
+        <p:blipFill rotWithShape="1">
+          <a:blip r:embed="rId25">
+            <a:extLst>
+              <a:ext uri="{28A0092B-C50C-407E-A947-70E740481C1C}">
+                <a14:useLocalDpi xmlns:a14="http://schemas.microsoft.com/office/drawing/2010/main" val="0"/>
+              </a:ext>
+            </a:extLst>
+          </a:blip>
+          <a:srcRect l="7983" t="7437" r="7794" b="7910"/>
+          <a:stretch/>
+        </p:blipFill>
+        <p:spPr>
+          <a:xfrm>
+            <a:off x="27920550" y="40540041"/>
+            <a:ext cx="1981930" cy="1992098"/>
+          </a:xfrm>
+          <a:prstGeom prst="rect">
+            <a:avLst/>
+          </a:prstGeom>
+        </p:spPr>
+      </p:pic>
+      <p:sp>
+        <p:nvSpPr>
+          <p:cNvPr id="6" name="CasellaDiTesto 5">
+            <a:extLst>
+              <a:ext uri="{FF2B5EF4-FFF2-40B4-BE49-F238E27FC236}">
+                <a16:creationId xmlns:a16="http://schemas.microsoft.com/office/drawing/2014/main" id="{33A40B87-81D2-8856-3386-65CC03EF140B}"/>
+              </a:ext>
+            </a:extLst>
+          </p:cNvPr>
+          <p:cNvSpPr txBox="1"/>
+          <p:nvPr/>
+        </p:nvSpPr>
+        <p:spPr>
+          <a:xfrm>
+            <a:off x="25465161" y="40937413"/>
+            <a:ext cx="2485700" cy="1200329"/>
+          </a:xfrm>
+          <a:prstGeom prst="rect">
+            <a:avLst/>
+          </a:prstGeom>
+          <a:noFill/>
+        </p:spPr>
+        <p:txBody>
+          <a:bodyPr wrap="square" rtlCol="0">
+            <a:spAutoFit/>
+          </a:bodyPr>
+          <a:lstStyle/>
+          <a:p>
+            <a:pPr algn="ctr"/>
+            <a:r>
+              <a:rPr lang="it-IT" sz="7200" dirty="0">
+                <a:latin typeface="Baguet Script" panose="020B0604020202020204" pitchFamily="2" charset="0"/>
+              </a:rPr>
+              <a:t>.</a:t>
+            </a:r>
+            <a:r>
+              <a:rPr lang="it-IT" sz="7200" dirty="0" err="1">
+                <a:latin typeface="Baguet Script" panose="020B0604020202020204" pitchFamily="2" charset="0"/>
+              </a:rPr>
+              <a:t>bib</a:t>
+            </a:r>
+            <a:endParaRPr lang="it-IT" sz="7200" dirty="0">
+              <a:latin typeface="Baguet Script" panose="020B0604020202020204" pitchFamily="2" charset="0"/>
+            </a:endParaRPr>
+          </a:p>
+        </p:txBody>
+      </p:sp>
+      <p:pic>
+        <p:nvPicPr>
+          <p:cNvPr id="12" name="Immagine 11">
+            <a:extLst>
+              <a:ext uri="{FF2B5EF4-FFF2-40B4-BE49-F238E27FC236}">
+                <a16:creationId xmlns:a16="http://schemas.microsoft.com/office/drawing/2014/main" id="{3A732F28-9931-45E4-7797-9C7362463568}"/>
               </a:ext>
             </a:extLst>
           </p:cNvPr>
@@ -31275,13 +31259,13 @@
               </a:ext>
             </a:extLst>
           </a:blip>
-          <a:srcRect l="7983" t="7437" r="7794" b="7910"/>
+          <a:srcRect l="7897" t="8362" r="6084" b="5815"/>
           <a:stretch/>
         </p:blipFill>
         <p:spPr>
           <a:xfrm>
-            <a:off x="4930689" y="38534565"/>
-            <a:ext cx="2322562" cy="2334478"/>
+            <a:off x="2538436" y="40540041"/>
+            <a:ext cx="2011592" cy="2007007"/>
           </a:xfrm>
           <a:prstGeom prst="rect">
             <a:avLst/>

--- a/other/PosterLearning.pptx
+++ b/other/PosterLearning.pptx
@@ -348,7 +348,7 @@
           <a:p>
             <a:fld id="{EBA22CC5-6453-4E18-B390-C4D13987D0B4}" type="datetimeFigureOut">
               <a:rPr lang="it-IT" smtClean="0"/>
-              <a:t>30/08/2022</a:t>
+              <a:t>10/09/2022</a:t>
             </a:fld>
             <a:endParaRPr lang="it-IT"/>
           </a:p>
@@ -1593,7 +1593,7 @@
           <a:p>
             <a:fld id="{2519B8F2-8C91-4013-8C25-D5F42D05E6CC}" type="datetimeFigureOut">
               <a:rPr lang="it-IT" smtClean="0"/>
-              <a:t>30/08/2022</a:t>
+              <a:t>10/09/2022</a:t>
             </a:fld>
             <a:endParaRPr lang="it-IT"/>
           </a:p>
@@ -1844,7 +1844,7 @@
           <a:p>
             <a:fld id="{2519B8F2-8C91-4013-8C25-D5F42D05E6CC}" type="datetimeFigureOut">
               <a:rPr lang="it-IT" smtClean="0"/>
-              <a:t>30/08/2022</a:t>
+              <a:t>10/09/2022</a:t>
             </a:fld>
             <a:endParaRPr lang="it-IT"/>
           </a:p>
@@ -2158,7 +2158,7 @@
           <a:p>
             <a:fld id="{2519B8F2-8C91-4013-8C25-D5F42D05E6CC}" type="datetimeFigureOut">
               <a:rPr lang="it-IT" smtClean="0"/>
-              <a:t>30/08/2022</a:t>
+              <a:t>10/09/2022</a:t>
             </a:fld>
             <a:endParaRPr lang="it-IT"/>
           </a:p>
@@ -2491,7 +2491,7 @@
           <a:p>
             <a:fld id="{2519B8F2-8C91-4013-8C25-D5F42D05E6CC}" type="datetimeFigureOut">
               <a:rPr lang="it-IT" smtClean="0"/>
-              <a:t>30/08/2022</a:t>
+              <a:t>10/09/2022</a:t>
             </a:fld>
             <a:endParaRPr lang="it-IT"/>
           </a:p>
@@ -2805,7 +2805,7 @@
           <a:p>
             <a:fld id="{2519B8F2-8C91-4013-8C25-D5F42D05E6CC}" type="datetimeFigureOut">
               <a:rPr lang="it-IT" smtClean="0"/>
-              <a:t>30/08/2022</a:t>
+              <a:t>10/09/2022</a:t>
             </a:fld>
             <a:endParaRPr lang="it-IT"/>
           </a:p>
@@ -3198,7 +3198,7 @@
           <a:p>
             <a:fld id="{2519B8F2-8C91-4013-8C25-D5F42D05E6CC}" type="datetimeFigureOut">
               <a:rPr lang="it-IT" smtClean="0"/>
-              <a:t>30/08/2022</a:t>
+              <a:t>10/09/2022</a:t>
             </a:fld>
             <a:endParaRPr lang="it-IT"/>
           </a:p>
@@ -3368,7 +3368,7 @@
           <a:p>
             <a:fld id="{2519B8F2-8C91-4013-8C25-D5F42D05E6CC}" type="datetimeFigureOut">
               <a:rPr lang="it-IT" smtClean="0"/>
-              <a:t>30/08/2022</a:t>
+              <a:t>10/09/2022</a:t>
             </a:fld>
             <a:endParaRPr lang="it-IT"/>
           </a:p>
@@ -3548,7 +3548,7 @@
           <a:p>
             <a:fld id="{2519B8F2-8C91-4013-8C25-D5F42D05E6CC}" type="datetimeFigureOut">
               <a:rPr lang="it-IT" smtClean="0"/>
-              <a:t>30/08/2022</a:t>
+              <a:t>10/09/2022</a:t>
             </a:fld>
             <a:endParaRPr lang="it-IT"/>
           </a:p>
@@ -3718,7 +3718,7 @@
           <a:p>
             <a:fld id="{2519B8F2-8C91-4013-8C25-D5F42D05E6CC}" type="datetimeFigureOut">
               <a:rPr lang="it-IT" smtClean="0"/>
-              <a:t>30/08/2022</a:t>
+              <a:t>10/09/2022</a:t>
             </a:fld>
             <a:endParaRPr lang="it-IT"/>
           </a:p>
@@ -3965,7 +3965,7 @@
           <a:p>
             <a:fld id="{2519B8F2-8C91-4013-8C25-D5F42D05E6CC}" type="datetimeFigureOut">
               <a:rPr lang="it-IT" smtClean="0"/>
-              <a:t>30/08/2022</a:t>
+              <a:t>10/09/2022</a:t>
             </a:fld>
             <a:endParaRPr lang="it-IT"/>
           </a:p>
@@ -4262,7 +4262,7 @@
           <a:p>
             <a:fld id="{2519B8F2-8C91-4013-8C25-D5F42D05E6CC}" type="datetimeFigureOut">
               <a:rPr lang="it-IT" smtClean="0"/>
-              <a:t>30/08/2022</a:t>
+              <a:t>10/09/2022</a:t>
             </a:fld>
             <a:endParaRPr lang="it-IT"/>
           </a:p>
@@ -4641,7 +4641,7 @@
           <a:p>
             <a:fld id="{2519B8F2-8C91-4013-8C25-D5F42D05E6CC}" type="datetimeFigureOut">
               <a:rPr lang="it-IT" smtClean="0"/>
-              <a:t>30/08/2022</a:t>
+              <a:t>10/09/2022</a:t>
             </a:fld>
             <a:endParaRPr lang="it-IT"/>
           </a:p>
@@ -4764,7 +4764,7 @@
           <a:p>
             <a:fld id="{2519B8F2-8C91-4013-8C25-D5F42D05E6CC}" type="datetimeFigureOut">
               <a:rPr lang="it-IT" smtClean="0"/>
-              <a:t>30/08/2022</a:t>
+              <a:t>10/09/2022</a:t>
             </a:fld>
             <a:endParaRPr lang="it-IT"/>
           </a:p>
@@ -4859,7 +4859,7 @@
           <a:p>
             <a:fld id="{2519B8F2-8C91-4013-8C25-D5F42D05E6CC}" type="datetimeFigureOut">
               <a:rPr lang="it-IT" smtClean="0"/>
-              <a:t>30/08/2022</a:t>
+              <a:t>10/09/2022</a:t>
             </a:fld>
             <a:endParaRPr lang="it-IT"/>
           </a:p>
@@ -5114,7 +5114,7 @@
           <a:p>
             <a:fld id="{2519B8F2-8C91-4013-8C25-D5F42D05E6CC}" type="datetimeFigureOut">
               <a:rPr lang="it-IT" smtClean="0"/>
-              <a:t>30/08/2022</a:t>
+              <a:t>10/09/2022</a:t>
             </a:fld>
             <a:endParaRPr lang="it-IT"/>
           </a:p>
@@ -5377,7 +5377,7 @@
           <a:p>
             <a:fld id="{2519B8F2-8C91-4013-8C25-D5F42D05E6CC}" type="datetimeFigureOut">
               <a:rPr lang="it-IT" smtClean="0"/>
-              <a:t>30/08/2022</a:t>
+              <a:t>10/09/2022</a:t>
             </a:fld>
             <a:endParaRPr lang="it-IT"/>
           </a:p>
@@ -6191,7 +6191,7 @@
           <a:p>
             <a:fld id="{2519B8F2-8C91-4013-8C25-D5F42D05E6CC}" type="datetimeFigureOut">
               <a:rPr lang="it-IT" smtClean="0"/>
-              <a:t>30/08/2022</a:t>
+              <a:t>10/09/2022</a:t>
             </a:fld>
             <a:endParaRPr lang="it-IT"/>
           </a:p>
@@ -23699,10 +23699,10 @@
         </p:nvGrpSpPr>
         <p:grpSpPr>
           <a:xfrm>
-            <a:off x="10812847" y="31396144"/>
-            <a:ext cx="7278849" cy="4981481"/>
+            <a:off x="10812847" y="30481735"/>
+            <a:ext cx="7278849" cy="4647559"/>
             <a:chOff x="20859535" y="14478487"/>
-            <a:chExt cx="9939290" cy="3079950"/>
+            <a:chExt cx="9939290" cy="2873493"/>
           </a:xfrm>
         </p:grpSpPr>
         <p:grpSp>
@@ -23917,7 +23917,7 @@
           <p:spPr>
             <a:xfrm>
               <a:off x="21015239" y="15062439"/>
-              <a:ext cx="9436986" cy="2495998"/>
+              <a:ext cx="9436986" cy="2191134"/>
             </a:xfrm>
             <a:prstGeom prst="rect">
               <a:avLst/>
@@ -23956,15 +23956,15 @@
               </a:r>
               <a:r>
                 <a:rPr lang="it-IT" sz="3204" dirty="0"/>
-                <a:t> can build, </a:t>
+                <a:t> can </a:t>
               </a:r>
               <a:r>
                 <a:rPr lang="it-IT" sz="3204" dirty="0" err="1"/>
-                <a:t>through</a:t>
+                <a:t>buildthe</a:t>
               </a:r>
               <a:r>
                 <a:rPr lang="it-IT" sz="3204" dirty="0"/>
-                <a:t> membership queries the </a:t>
+                <a:t> </a:t>
               </a:r>
               <a:r>
                 <a:rPr lang="it-IT" sz="3204" dirty="0" err="1"/>
@@ -24000,26 +24000,49 @@
               </a:r>
             </a:p>
             <a:p>
-              <a:r>
-                <a:rPr lang="it-IT" sz="3204" dirty="0"/>
-                <a:t>state 0 := ɛ</a:t>
-              </a:r>
+              <a:endParaRPr lang="it-IT" sz="3204" dirty="0"/>
             </a:p>
             <a:p>
               <a:r>
                 <a:rPr lang="it-IT" sz="3204" dirty="0"/>
-                <a:t>state 1 := Text</a:t>
+                <a:t>state 0 := </a:t>
+              </a:r>
+              <a:r>
+                <a:rPr lang="it-IT" sz="3204" dirty="0" err="1"/>
+                <a:t>leaf</a:t>
+              </a:r>
+              <a:r>
+                <a:rPr lang="it-IT" sz="3204" dirty="0"/>
+                <a:t> ɛ</a:t>
               </a:r>
             </a:p>
             <a:p>
               <a:r>
                 <a:rPr lang="it-IT" sz="3204" dirty="0"/>
-                <a:t>state 2 := &lt;XML&gt;Text&lt;/XML&gt;</a:t>
-              </a:r>
-              <a:br>
+                <a:t>state 1 := </a:t>
+              </a:r>
+              <a:r>
+                <a:rPr lang="it-IT" sz="3204" dirty="0" err="1"/>
+                <a:t>leaf</a:t>
+              </a:r>
+              <a:r>
                 <a:rPr lang="it-IT" sz="3204" dirty="0"/>
-              </a:br>
-              <a:endParaRPr lang="it-IT" sz="3204" dirty="0"/>
+                <a:t> Text</a:t>
+              </a:r>
+            </a:p>
+            <a:p>
+              <a:r>
+                <a:rPr lang="it-IT" sz="3204" dirty="0"/>
+                <a:t>state 2 := </a:t>
+              </a:r>
+              <a:r>
+                <a:rPr lang="it-IT" sz="3204" dirty="0" err="1"/>
+                <a:t>leaf</a:t>
+              </a:r>
+              <a:r>
+                <a:rPr lang="it-IT" sz="3204" dirty="0"/>
+                <a:t> &lt;XML&gt;Text&lt;/XML&gt;</a:t>
+              </a:r>
             </a:p>
           </p:txBody>
         </p:sp>
@@ -24039,7 +24062,7 @@
         <p:spPr>
           <a:xfrm>
             <a:off x="2532878" y="2155057"/>
-            <a:ext cx="21037370" cy="2586734"/>
+            <a:ext cx="21037370" cy="3140732"/>
           </a:xfrm>
           <a:prstGeom prst="rect">
             <a:avLst/>
@@ -24083,7 +24106,15 @@
             <a:pPr algn="ctr"/>
             <a:r>
               <a:rPr lang="it-IT" sz="5400" dirty="0"/>
-              <a:t>Cinzia Di Giusto, Davide Fissore, Etienne </a:t>
+              <a:t>Cinzia Di Giusto, </a:t>
+            </a:r>
+            <a:r>
+              <a:rPr lang="it-IT" sz="5400" u="sng" dirty="0"/>
+              <a:t>Davide Fissore</a:t>
+            </a:r>
+            <a:r>
+              <a:rPr lang="it-IT" sz="5400" dirty="0"/>
+              <a:t>, Etienne </a:t>
             </a:r>
             <a:r>
               <a:rPr lang="it-IT" sz="5400" dirty="0" err="1"/>
@@ -24114,7 +24145,7 @@
               <a:t> d’</a:t>
             </a:r>
             <a:r>
-              <a:rPr lang="it-IT" sz="3600"/>
+              <a:rPr lang="it-IT" sz="3600" dirty="0" err="1"/>
               <a:t>Azur</a:t>
             </a:r>
             <a:r>
@@ -24130,6 +24161,21 @@
               <a:t>, France</a:t>
             </a:r>
           </a:p>
+          <a:p>
+            <a:pPr algn="ctr"/>
+            <a:r>
+              <a:rPr lang="it-IT" sz="3200" dirty="0"/>
+              <a:t>Stage d’</a:t>
+            </a:r>
+            <a:r>
+              <a:rPr lang="it-IT" sz="3200" dirty="0" err="1"/>
+              <a:t>été</a:t>
+            </a:r>
+            <a:r>
+              <a:rPr lang="it-IT" sz="3200" dirty="0"/>
+              <a:t> 2022</a:t>
+            </a:r>
+          </a:p>
         </p:txBody>
       </p:sp>
       <p:grpSp>
@@ -24141,13 +24187,15 @@
               </a:ext>
             </a:extLst>
           </p:cNvPr>
-          <p:cNvGrpSpPr/>
+          <p:cNvGrpSpPr>
+            <a:grpSpLocks noChangeAspect="1"/>
+          </p:cNvGrpSpPr>
           <p:nvPr/>
         </p:nvGrpSpPr>
         <p:grpSpPr>
           <a:xfrm>
-            <a:off x="7761632" y="38508163"/>
-            <a:ext cx="6387235" cy="3572285"/>
+            <a:off x="414543" y="36067878"/>
+            <a:ext cx="8018239" cy="4484481"/>
             <a:chOff x="3180768" y="119848"/>
             <a:chExt cx="5955325" cy="3322399"/>
           </a:xfrm>
@@ -24250,7 +24298,7 @@
         </p:nvSpPr>
         <p:spPr>
           <a:xfrm>
-            <a:off x="8988756" y="8009138"/>
+            <a:off x="8988756" y="7094731"/>
             <a:ext cx="6455688" cy="1671274"/>
           </a:xfrm>
           <a:prstGeom prst="wedgeEllipseCallout">
@@ -24362,7 +24410,7 @@
         </p:nvSpPr>
         <p:spPr>
           <a:xfrm>
-            <a:off x="5548055" y="14885717"/>
+            <a:off x="5548055" y="13971310"/>
             <a:ext cx="6187838" cy="1671274"/>
           </a:xfrm>
           <a:prstGeom prst="wedgeEllipseCallout">
@@ -24466,7 +24514,7 @@
         </p:nvGrpSpPr>
         <p:grpSpPr>
           <a:xfrm>
-            <a:off x="19677547" y="13117317"/>
+            <a:off x="19677547" y="12202910"/>
             <a:ext cx="10114399" cy="5487725"/>
             <a:chOff x="20696094" y="14478484"/>
             <a:chExt cx="10102731" cy="5481394"/>
@@ -24626,8 +24674,8 @@
             </p:nvSpPr>
             <p:spPr>
               <a:xfrm>
-                <a:off x="5351892" y="16829130"/>
-                <a:ext cx="8762999" cy="1310775"/>
+                <a:off x="5814393" y="16826627"/>
+                <a:ext cx="8762999" cy="1178337"/>
               </a:xfrm>
               <a:prstGeom prst="rect">
                 <a:avLst/>
@@ -24642,7 +24690,7 @@
               <a:p>
                 <a:pPr algn="ctr"/>
                 <a:r>
-                  <a:rPr lang="it-IT" sz="5406" dirty="0" err="1">
+                  <a:rPr lang="it-IT" sz="4800" dirty="0" err="1">
                     <a:solidFill>
                       <a:schemeClr val="bg1"/>
                     </a:solidFill>
@@ -24650,7 +24698,7 @@
                   <a:t>What</a:t>
                 </a:r>
                 <a:r>
-                  <a:rPr lang="it-IT" sz="5406" dirty="0">
+                  <a:rPr lang="it-IT" sz="4800" dirty="0">
                     <a:solidFill>
                       <a:schemeClr val="bg1"/>
                     </a:solidFill>
@@ -24658,7 +24706,7 @@
                   <a:t> </a:t>
                 </a:r>
                 <a:r>
-                  <a:rPr lang="it-IT" sz="5406" dirty="0" err="1">
+                  <a:rPr lang="it-IT" sz="4800" dirty="0" err="1">
                     <a:solidFill>
                       <a:schemeClr val="bg1"/>
                     </a:solidFill>
@@ -24666,7 +24714,7 @@
                   <a:t>is</a:t>
                 </a:r>
                 <a:r>
-                  <a:rPr lang="it-IT" sz="5406" dirty="0">
+                  <a:rPr lang="it-IT" sz="4800" dirty="0">
                     <a:solidFill>
                       <a:schemeClr val="bg1"/>
                     </a:solidFill>
@@ -24873,7 +24921,7 @@
         </p:nvGrpSpPr>
         <p:grpSpPr>
           <a:xfrm>
-            <a:off x="17654126" y="7527226"/>
+            <a:off x="17654126" y="6612819"/>
             <a:ext cx="9950769" cy="5487725"/>
             <a:chOff x="17066379" y="5845111"/>
             <a:chExt cx="9939290" cy="5481394"/>
@@ -25054,7 +25102,7 @@
               <p:spPr>
                 <a:xfrm>
                   <a:off x="5027215" y="16825558"/>
-                  <a:ext cx="9412354" cy="2490472"/>
+                  <a:ext cx="9412353" cy="2225746"/>
                 </a:xfrm>
                 <a:prstGeom prst="rect">
                   <a:avLst/>
@@ -25069,7 +25117,7 @@
                 <a:p>
                   <a:pPr algn="ctr"/>
                   <a:r>
-                    <a:rPr lang="it-IT" sz="5406" dirty="0">
+                    <a:rPr lang="it-IT" sz="4800" dirty="0">
                       <a:solidFill>
                         <a:schemeClr val="bg1"/>
                       </a:solidFill>
@@ -25077,7 +25125,7 @@
                     <a:t>And </a:t>
                   </a:r>
                   <a:r>
-                    <a:rPr lang="it-IT" sz="5406" dirty="0" err="1">
+                    <a:rPr lang="it-IT" sz="4800" dirty="0" err="1">
                       <a:solidFill>
                         <a:schemeClr val="bg1"/>
                       </a:solidFill>
@@ -25085,7 +25133,7 @@
                     <a:t>Communication</a:t>
                   </a:r>
                   <a:r>
-                    <a:rPr lang="it-IT" sz="5406" dirty="0">
+                    <a:rPr lang="it-IT" sz="4800" dirty="0">
                       <a:solidFill>
                         <a:schemeClr val="bg1"/>
                       </a:solidFill>
@@ -25388,7 +25436,7 @@
         </p:nvSpPr>
         <p:spPr>
           <a:xfrm rot="5400000" flipH="1">
-            <a:off x="21272134" y="18665917"/>
+            <a:off x="21272134" y="17751510"/>
             <a:ext cx="1026773" cy="1444522"/>
           </a:xfrm>
           <a:prstGeom prst="bentArrow">
@@ -25443,10 +25491,10 @@
         </p:nvGrpSpPr>
         <p:grpSpPr>
           <a:xfrm>
-            <a:off x="1672533" y="8151451"/>
-            <a:ext cx="6379089" cy="4686301"/>
-            <a:chOff x="2890044" y="16687800"/>
-            <a:chExt cx="12230100" cy="5526840"/>
+            <a:off x="1672533" y="7466671"/>
+            <a:ext cx="6379089" cy="4456673"/>
+            <a:chOff x="2890044" y="16958614"/>
+            <a:chExt cx="12230100" cy="5256026"/>
           </a:xfrm>
         </p:grpSpPr>
         <p:grpSp>
@@ -25463,10 +25511,10 @@
           </p:nvGrpSpPr>
           <p:grpSpPr>
             <a:xfrm>
-              <a:off x="2890044" y="16687800"/>
-              <a:ext cx="12230100" cy="5526840"/>
-              <a:chOff x="2890044" y="16687800"/>
-              <a:chExt cx="12230100" cy="5526840"/>
+              <a:off x="2890044" y="16958614"/>
+              <a:ext cx="12230100" cy="5256026"/>
+              <a:chOff x="2890044" y="16958614"/>
+              <a:chExt cx="12230100" cy="5256026"/>
             </a:xfrm>
           </p:grpSpPr>
           <p:sp>
@@ -25483,8 +25531,8 @@
             </p:nvSpPr>
             <p:spPr>
               <a:xfrm>
-                <a:off x="2890044" y="16687800"/>
-                <a:ext cx="12230100" cy="5502655"/>
+                <a:off x="2890044" y="16958614"/>
+                <a:ext cx="12230100" cy="5231839"/>
               </a:xfrm>
               <a:prstGeom prst="roundRect">
                 <a:avLst>
@@ -25806,8 +25854,8 @@
           </p:nvSpPr>
           <p:spPr>
             <a:xfrm>
-              <a:off x="4623596" y="16916400"/>
-              <a:ext cx="8763000" cy="1090197"/>
+              <a:off x="4623592" y="17021170"/>
+              <a:ext cx="8763000" cy="834853"/>
             </a:xfrm>
             <a:prstGeom prst="rect">
               <a:avLst/>
@@ -25822,7 +25870,7 @@
             <a:p>
               <a:pPr algn="ctr"/>
               <a:r>
-                <a:rPr lang="it-IT" sz="5406" dirty="0" err="1">
+                <a:rPr lang="it-IT" sz="4000" dirty="0" err="1">
                   <a:solidFill>
                     <a:schemeClr val="bg1"/>
                   </a:solidFill>
@@ -25830,7 +25878,7 @@
                 <a:t>Why</a:t>
               </a:r>
               <a:r>
-                <a:rPr lang="it-IT" sz="5406" dirty="0">
+                <a:rPr lang="it-IT" sz="4000" dirty="0">
                   <a:solidFill>
                     <a:schemeClr val="bg1"/>
                   </a:solidFill>
@@ -25855,10 +25903,10 @@
         </p:nvGrpSpPr>
         <p:grpSpPr>
           <a:xfrm>
-            <a:off x="7693853" y="10096406"/>
-            <a:ext cx="7254677" cy="4389486"/>
-            <a:chOff x="7490544" y="7404312"/>
-            <a:chExt cx="8006556" cy="4865104"/>
+            <a:off x="7693853" y="9375954"/>
+            <a:ext cx="7254677" cy="4195531"/>
+            <a:chOff x="7490544" y="7619283"/>
+            <a:chExt cx="8006556" cy="4650133"/>
           </a:xfrm>
         </p:grpSpPr>
         <p:grpSp>
@@ -25875,10 +25923,10 @@
           </p:nvGrpSpPr>
           <p:grpSpPr>
             <a:xfrm>
-              <a:off x="7490544" y="7404312"/>
-              <a:ext cx="8006556" cy="4865104"/>
-              <a:chOff x="15338535" y="7973102"/>
-              <a:chExt cx="8006556" cy="4865104"/>
+              <a:off x="7490544" y="7619283"/>
+              <a:ext cx="8006556" cy="4650133"/>
+              <a:chOff x="15338535" y="8188073"/>
+              <a:chExt cx="8006556" cy="4650133"/>
             </a:xfrm>
           </p:grpSpPr>
           <p:grpSp>
@@ -25895,10 +25943,10 @@
             </p:nvGrpSpPr>
             <p:grpSpPr>
               <a:xfrm>
-                <a:off x="15338535" y="7973102"/>
-                <a:ext cx="8006556" cy="4865104"/>
-                <a:chOff x="2890044" y="16687800"/>
-                <a:chExt cx="12230100" cy="5744340"/>
+                <a:off x="15338535" y="8188073"/>
+                <a:ext cx="8006556" cy="4650133"/>
+                <a:chOff x="2890044" y="16941621"/>
+                <a:chExt cx="12230100" cy="5490519"/>
               </a:xfrm>
             </p:grpSpPr>
             <p:grpSp>
@@ -25915,10 +25963,10 @@
               </p:nvGrpSpPr>
               <p:grpSpPr>
                 <a:xfrm>
-                  <a:off x="2890044" y="16687800"/>
-                  <a:ext cx="12230100" cy="5744340"/>
-                  <a:chOff x="2890044" y="16687800"/>
-                  <a:chExt cx="12230100" cy="5744340"/>
+                  <a:off x="2890044" y="16941621"/>
+                  <a:ext cx="12230100" cy="5490519"/>
+                  <a:chOff x="2890044" y="16941621"/>
+                  <a:chExt cx="12230100" cy="5490519"/>
                 </a:xfrm>
               </p:grpSpPr>
               <p:sp>
@@ -25935,8 +25983,8 @@
                 </p:nvSpPr>
                 <p:spPr>
                   <a:xfrm>
-                    <a:off x="2890044" y="16687800"/>
-                    <a:ext cx="12230100" cy="5744340"/>
+                    <a:off x="2890044" y="16941621"/>
+                    <a:ext cx="12230100" cy="5490519"/>
                   </a:xfrm>
                   <a:prstGeom prst="roundRect">
                     <a:avLst>
@@ -26035,8 +26083,8 @@
               </p:nvSpPr>
               <p:spPr>
                 <a:xfrm>
-                  <a:off x="4623595" y="16916400"/>
-                  <a:ext cx="8763000" cy="980045"/>
+                  <a:off x="4623596" y="17032205"/>
+                  <a:ext cx="8763000" cy="926381"/>
                 </a:xfrm>
                 <a:prstGeom prst="rect">
                   <a:avLst/>
@@ -26051,14 +26099,14 @@
                 <a:p>
                   <a:pPr algn="ctr"/>
                   <a:r>
-                    <a:rPr lang="it-IT" sz="4800" dirty="0" err="1">
+                    <a:rPr lang="it-IT" sz="4000" dirty="0" err="1">
                       <a:solidFill>
                         <a:schemeClr val="bg1"/>
                       </a:solidFill>
                     </a:rPr>
                     <a:t>VPAs</a:t>
                   </a:r>
-                  <a:endParaRPr lang="it-IT" sz="4800" dirty="0">
+                  <a:endParaRPr lang="it-IT" sz="4000" dirty="0">
                     <a:solidFill>
                       <a:schemeClr val="bg1"/>
                     </a:solidFill>
@@ -26297,10 +26345,10 @@
         </p:nvGrpSpPr>
         <p:grpSpPr>
           <a:xfrm>
-            <a:off x="11650333" y="14371962"/>
-            <a:ext cx="4840723" cy="3114135"/>
-            <a:chOff x="2890044" y="16687800"/>
-            <a:chExt cx="12230100" cy="3672689"/>
+            <a:off x="12031909" y="13689261"/>
+            <a:ext cx="4840723" cy="2823485"/>
+            <a:chOff x="2890044" y="17030582"/>
+            <a:chExt cx="12230100" cy="3329907"/>
           </a:xfrm>
         </p:grpSpPr>
         <p:grpSp>
@@ -26317,10 +26365,10 @@
           </p:nvGrpSpPr>
           <p:grpSpPr>
             <a:xfrm>
-              <a:off x="2890044" y="16687800"/>
-              <a:ext cx="12230100" cy="3672689"/>
-              <a:chOff x="2890044" y="16687800"/>
-              <a:chExt cx="12230100" cy="3672689"/>
+              <a:off x="2890044" y="17030582"/>
+              <a:ext cx="12230100" cy="3329907"/>
+              <a:chOff x="2890044" y="17030582"/>
+              <a:chExt cx="12230100" cy="3329907"/>
             </a:xfrm>
           </p:grpSpPr>
           <p:sp>
@@ -26337,8 +26385,8 @@
             </p:nvSpPr>
             <p:spPr>
               <a:xfrm>
-                <a:off x="2890044" y="16687800"/>
-                <a:ext cx="12230100" cy="3672689"/>
+                <a:off x="2890044" y="17030582"/>
+                <a:ext cx="12230100" cy="3329906"/>
               </a:xfrm>
               <a:prstGeom prst="roundRect">
                 <a:avLst>
@@ -26521,8 +26569,8 @@
           </p:nvSpPr>
           <p:spPr>
             <a:xfrm>
-              <a:off x="4623594" y="16916400"/>
-              <a:ext cx="8763000" cy="907449"/>
+              <a:off x="4623594" y="17090339"/>
+              <a:ext cx="8763000" cy="834853"/>
             </a:xfrm>
             <a:prstGeom prst="rect">
               <a:avLst/>
@@ -26537,14 +26585,14 @@
             <a:p>
               <a:pPr algn="ctr"/>
               <a:r>
-                <a:rPr lang="it-IT" sz="4400" dirty="0">
+                <a:rPr lang="it-IT" sz="4000" dirty="0">
                   <a:solidFill>
                     <a:schemeClr val="bg1"/>
                   </a:solidFill>
                 </a:rPr>
                 <a:t>XML</a:t>
               </a:r>
-              <a:endParaRPr lang="it-IT" sz="5406" dirty="0">
+              <a:endParaRPr lang="it-IT" sz="5400" dirty="0">
                 <a:solidFill>
                   <a:schemeClr val="bg1"/>
                 </a:solidFill>
@@ -26567,7 +26615,7 @@
         </p:nvGrpSpPr>
         <p:grpSpPr>
           <a:xfrm>
-            <a:off x="2052402" y="17352877"/>
+            <a:off x="2052402" y="16438470"/>
             <a:ext cx="6874321" cy="4686301"/>
             <a:chOff x="201694" y="13262336"/>
             <a:chExt cx="6866391" cy="4680895"/>
@@ -26726,8 +26774,8 @@
             </p:nvSpPr>
             <p:spPr>
               <a:xfrm>
-                <a:off x="4042714" y="16912821"/>
-                <a:ext cx="9924756" cy="1090197"/>
+                <a:off x="4042714" y="16843246"/>
+                <a:ext cx="9924756" cy="1090196"/>
               </a:xfrm>
               <a:prstGeom prst="rect">
                 <a:avLst/>
@@ -26929,7 +26977,7 @@
         </p:nvGrpSpPr>
         <p:grpSpPr>
           <a:xfrm>
-            <a:off x="1062038" y="20780368"/>
+            <a:off x="1062038" y="19861960"/>
             <a:ext cx="4869085" cy="4195003"/>
             <a:chOff x="201694" y="13262336"/>
             <a:chExt cx="6866391" cy="4680895"/>
@@ -27088,8 +27136,8 @@
             </p:nvSpPr>
             <p:spPr>
               <a:xfrm>
-                <a:off x="4042714" y="16912821"/>
-                <a:ext cx="9924756" cy="1219058"/>
+                <a:off x="4042715" y="16757374"/>
+                <a:ext cx="9924755" cy="1219058"/>
               </a:xfrm>
               <a:prstGeom prst="rect">
                 <a:avLst/>
@@ -27262,7 +27310,7 @@
         </p:nvSpPr>
         <p:spPr bwMode="auto">
           <a:xfrm>
-            <a:off x="14984235" y="21248510"/>
+            <a:off x="14984235" y="20334103"/>
             <a:ext cx="305152" cy="305152"/>
           </a:xfrm>
           <a:prstGeom prst="rect">
@@ -27305,7 +27353,7 @@
         </p:nvGrpSpPr>
         <p:grpSpPr>
           <a:xfrm>
-            <a:off x="1137049" y="26291364"/>
+            <a:off x="1137049" y="25376957"/>
             <a:ext cx="9950769" cy="5504243"/>
             <a:chOff x="1193431" y="24537270"/>
             <a:chExt cx="9939290" cy="5497893"/>
@@ -27783,7 +27831,7 @@
         </p:nvGrpSpPr>
         <p:grpSpPr>
           <a:xfrm>
-            <a:off x="349922" y="32113030"/>
+            <a:off x="343155" y="31382886"/>
             <a:ext cx="8845727" cy="3092027"/>
             <a:chOff x="345250" y="30116712"/>
             <a:chExt cx="8835523" cy="3088460"/>
@@ -27808,8 +27856,8 @@
             </a:xfrm>
             <a:prstGeom prst="wedgeEllipseCallout">
               <a:avLst>
-                <a:gd name="adj1" fmla="val 36828"/>
-                <a:gd name="adj2" fmla="val -47710"/>
+                <a:gd name="adj1" fmla="val 28158"/>
+                <a:gd name="adj2" fmla="val -63927"/>
               </a:avLst>
             </a:prstGeom>
             <a:ln/>
@@ -28206,7 +28254,7 @@
         </p:nvGrpSpPr>
         <p:grpSpPr>
           <a:xfrm>
-            <a:off x="11672482" y="25355067"/>
+            <a:off x="11672482" y="24440660"/>
             <a:ext cx="7206126" cy="4381027"/>
             <a:chOff x="20859535" y="14478483"/>
             <a:chExt cx="9939290" cy="3687193"/>
@@ -28366,8 +28414,8 @@
             </p:nvSpPr>
             <p:spPr>
               <a:xfrm>
-                <a:off x="3960368" y="16700752"/>
-                <a:ext cx="11911450" cy="1105532"/>
+                <a:off x="3960368" y="16806480"/>
+                <a:ext cx="11911451" cy="1105533"/>
               </a:xfrm>
               <a:prstGeom prst="rect">
                 <a:avLst/>
@@ -28580,10 +28628,10 @@
         </p:nvGrpSpPr>
         <p:grpSpPr>
           <a:xfrm>
-            <a:off x="19672768" y="25347081"/>
-            <a:ext cx="5600997" cy="2428057"/>
+            <a:off x="19672768" y="24432676"/>
+            <a:ext cx="6184417" cy="2868007"/>
             <a:chOff x="20859535" y="14478488"/>
-            <a:chExt cx="9939290" cy="2425256"/>
+            <a:chExt cx="9939290" cy="2864698"/>
           </a:xfrm>
         </p:grpSpPr>
         <p:grpSp>
@@ -28795,7 +28843,7 @@
           <p:spPr>
             <a:xfrm>
               <a:off x="20953979" y="15280900"/>
-              <a:ext cx="9635227" cy="1569771"/>
+              <a:ext cx="9635227" cy="2062286"/>
             </a:xfrm>
             <a:prstGeom prst="rect">
               <a:avLst/>
@@ -28826,11 +28874,19 @@
               </a:r>
               <a:r>
                 <a:rPr lang="it-IT" sz="3204" dirty="0"/>
-                <a:t> of the VPA and </a:t>
+                <a:t> of the VPA and are </a:t>
               </a:r>
               <a:r>
                 <a:rPr lang="it-IT" sz="3204" dirty="0" err="1"/>
-                <a:t>throught</a:t>
+                <a:t>determinded</a:t>
+              </a:r>
+              <a:r>
+                <a:rPr lang="it-IT" sz="3204" dirty="0"/>
+                <a:t> </a:t>
+              </a:r>
+              <a:r>
+                <a:rPr lang="it-IT" sz="3204" dirty="0" err="1"/>
+                <a:t>through</a:t>
               </a:r>
               <a:r>
                 <a:rPr lang="it-IT" sz="3204" dirty="0"/>
@@ -28839,255 +28895,6 @@
             </a:p>
           </p:txBody>
         </p:sp>
-      </p:grpSp>
-      <p:grpSp>
-        <p:nvGrpSpPr>
-          <p:cNvPr id="57" name="Gruppo 56">
-            <a:extLst>
-              <a:ext uri="{FF2B5EF4-FFF2-40B4-BE49-F238E27FC236}">
-                <a16:creationId xmlns:a16="http://schemas.microsoft.com/office/drawing/2014/main" id="{8FCDEB92-C5EB-9D16-083C-0F0F3500B79F}"/>
-              </a:ext>
-            </a:extLst>
-          </p:cNvPr>
-          <p:cNvGrpSpPr/>
-          <p:nvPr/>
-        </p:nvGrpSpPr>
-        <p:grpSpPr>
-          <a:xfrm>
-            <a:off x="140627" y="39417763"/>
-            <a:ext cx="4625392" cy="3204865"/>
-            <a:chOff x="7423216" y="36399019"/>
-            <a:chExt cx="4620056" cy="3201169"/>
-          </a:xfrm>
-        </p:grpSpPr>
-        <p:grpSp>
-          <p:nvGrpSpPr>
-            <p:cNvPr id="241" name="Gruppo 240">
-              <a:extLst>
-                <a:ext uri="{FF2B5EF4-FFF2-40B4-BE49-F238E27FC236}">
-                  <a16:creationId xmlns:a16="http://schemas.microsoft.com/office/drawing/2014/main" id="{5E30E677-47CE-5A1E-B79F-E297675EE3FA}"/>
-                </a:ext>
-              </a:extLst>
-            </p:cNvPr>
-            <p:cNvGrpSpPr/>
-            <p:nvPr/>
-          </p:nvGrpSpPr>
-          <p:grpSpPr>
-            <a:xfrm>
-              <a:off x="7423216" y="36399019"/>
-              <a:ext cx="4620056" cy="3201169"/>
-              <a:chOff x="2890044" y="16687798"/>
-              <a:chExt cx="13686696" cy="4148909"/>
-            </a:xfrm>
-          </p:grpSpPr>
-          <p:grpSp>
-            <p:nvGrpSpPr>
-              <p:cNvPr id="243" name="Gruppo 242">
-                <a:extLst>
-                  <a:ext uri="{FF2B5EF4-FFF2-40B4-BE49-F238E27FC236}">
-                    <a16:creationId xmlns:a16="http://schemas.microsoft.com/office/drawing/2014/main" id="{45A4D9BE-926A-1A0F-238F-E188314EF378}"/>
-                  </a:ext>
-                </a:extLst>
-              </p:cNvPr>
-              <p:cNvGrpSpPr/>
-              <p:nvPr/>
-            </p:nvGrpSpPr>
-            <p:grpSpPr>
-              <a:xfrm>
-                <a:off x="2890044" y="16687798"/>
-                <a:ext cx="13686696" cy="4148909"/>
-                <a:chOff x="2890044" y="16687798"/>
-                <a:chExt cx="13686696" cy="4148909"/>
-              </a:xfrm>
-            </p:grpSpPr>
-            <p:sp>
-              <p:nvSpPr>
-                <p:cNvPr id="245" name="Rettangolo con angoli arrotondati 244">
-                  <a:extLst>
-                    <a:ext uri="{FF2B5EF4-FFF2-40B4-BE49-F238E27FC236}">
-                      <a16:creationId xmlns:a16="http://schemas.microsoft.com/office/drawing/2014/main" id="{7BAEEF62-A478-7CE3-73C9-3B3069EC3672}"/>
-                    </a:ext>
-                  </a:extLst>
-                </p:cNvPr>
-                <p:cNvSpPr/>
-                <p:nvPr/>
-              </p:nvSpPr>
-              <p:spPr>
-                <a:xfrm>
-                  <a:off x="2890044" y="16687798"/>
-                  <a:ext cx="13686696" cy="4148908"/>
-                </a:xfrm>
-                <a:prstGeom prst="roundRect">
-                  <a:avLst>
-                    <a:gd name="adj" fmla="val 5443"/>
-                  </a:avLst>
-                </a:prstGeom>
-              </p:spPr>
-              <p:style>
-                <a:lnRef idx="2">
-                  <a:schemeClr val="accent6">
-                    <a:shade val="50000"/>
-                  </a:schemeClr>
-                </a:lnRef>
-                <a:fillRef idx="1">
-                  <a:schemeClr val="accent6"/>
-                </a:fillRef>
-                <a:effectRef idx="0">
-                  <a:schemeClr val="accent6"/>
-                </a:effectRef>
-                <a:fontRef idx="minor">
-                  <a:schemeClr val="lt1"/>
-                </a:fontRef>
-              </p:style>
-              <p:txBody>
-                <a:bodyPr rtlCol="0" anchor="ctr"/>
-                <a:lstStyle/>
-                <a:p>
-                  <a:pPr algn="ctr"/>
-                  <a:endParaRPr lang="it-IT" sz="1885" dirty="0"/>
-                </a:p>
-              </p:txBody>
-            </p:sp>
-            <p:sp>
-              <p:nvSpPr>
-                <p:cNvPr id="246" name="Rettangolo con angoli arrotondati 245">
-                  <a:extLst>
-                    <a:ext uri="{FF2B5EF4-FFF2-40B4-BE49-F238E27FC236}">
-                      <a16:creationId xmlns:a16="http://schemas.microsoft.com/office/drawing/2014/main" id="{1709C190-0563-89AE-2C1E-2CB7113F0794}"/>
-                    </a:ext>
-                  </a:extLst>
-                </p:cNvPr>
-                <p:cNvSpPr/>
-                <p:nvPr/>
-              </p:nvSpPr>
-              <p:spPr>
-                <a:xfrm>
-                  <a:off x="2890044" y="17945101"/>
-                  <a:ext cx="13686696" cy="2891606"/>
-                </a:xfrm>
-                <a:prstGeom prst="roundRect">
-                  <a:avLst>
-                    <a:gd name="adj" fmla="val 5443"/>
-                  </a:avLst>
-                </a:prstGeom>
-                <a:ln>
-                  <a:solidFill>
-                    <a:schemeClr val="accent6"/>
-                  </a:solidFill>
-                </a:ln>
-              </p:spPr>
-              <p:style>
-                <a:lnRef idx="2">
-                  <a:schemeClr val="accent6"/>
-                </a:lnRef>
-                <a:fillRef idx="1">
-                  <a:schemeClr val="lt1"/>
-                </a:fillRef>
-                <a:effectRef idx="0">
-                  <a:schemeClr val="accent6"/>
-                </a:effectRef>
-                <a:fontRef idx="minor">
-                  <a:schemeClr val="dk1"/>
-                </a:fontRef>
-              </p:style>
-              <p:txBody>
-                <a:bodyPr rtlCol="0" anchor="ctr"/>
-                <a:lstStyle/>
-                <a:p>
-                  <a:pPr algn="ctr"/>
-                  <a:endParaRPr lang="it-IT" sz="3204" dirty="0"/>
-                </a:p>
-              </p:txBody>
-            </p:sp>
-          </p:grpSp>
-          <p:sp>
-            <p:nvSpPr>
-              <p:cNvPr id="244" name="CasellaDiTesto 243">
-                <a:extLst>
-                  <a:ext uri="{FF2B5EF4-FFF2-40B4-BE49-F238E27FC236}">
-                    <a16:creationId xmlns:a16="http://schemas.microsoft.com/office/drawing/2014/main" id="{2B4053CD-F57A-9FE3-AB64-013B642A353E}"/>
-                  </a:ext>
-                </a:extLst>
-              </p:cNvPr>
-              <p:cNvSpPr txBox="1"/>
-              <p:nvPr/>
-            </p:nvSpPr>
-            <p:spPr>
-              <a:xfrm>
-                <a:off x="3960369" y="16700753"/>
-                <a:ext cx="11911452" cy="1197854"/>
-              </a:xfrm>
-              <a:prstGeom prst="rect">
-                <a:avLst/>
-              </a:prstGeom>
-              <a:noFill/>
-            </p:spPr>
-            <p:txBody>
-              <a:bodyPr wrap="square" rtlCol="0">
-                <a:spAutoFit/>
-              </a:bodyPr>
-              <a:lstStyle/>
-              <a:p>
-                <a:pPr algn="ctr"/>
-                <a:r>
-                  <a:rPr lang="it-IT" sz="5406" dirty="0">
-                    <a:solidFill>
-                      <a:schemeClr val="bg1"/>
-                    </a:solidFill>
-                  </a:rPr>
-                  <a:t>Demo</a:t>
-                </a:r>
-              </a:p>
-            </p:txBody>
-          </p:sp>
-        </p:grpSp>
-        <p:pic>
-          <p:nvPicPr>
-            <p:cNvPr id="1034" name="Picture 10" descr="Démo - Icônes ordinateur gratuites">
-              <a:extLst>
-                <a:ext uri="{FF2B5EF4-FFF2-40B4-BE49-F238E27FC236}">
-                  <a16:creationId xmlns:a16="http://schemas.microsoft.com/office/drawing/2014/main" id="{6ED81563-3BA8-205C-A4BB-FE0ACF3BA249}"/>
-                </a:ext>
-              </a:extLst>
-            </p:cNvPr>
-            <p:cNvPicPr>
-              <a:picLocks noChangeAspect="1" noChangeArrowheads="1"/>
-            </p:cNvPicPr>
-            <p:nvPr/>
-          </p:nvPicPr>
-          <p:blipFill>
-            <a:blip r:embed="rId18">
-              <a:extLst>
-                <a:ext uri="{28A0092B-C50C-407E-A947-70E740481C1C}">
-                  <a14:useLocalDpi xmlns:a14="http://schemas.microsoft.com/office/drawing/2010/main" val="0"/>
-                </a:ext>
-              </a:extLst>
-            </a:blip>
-            <a:srcRect/>
-            <a:stretch>
-              <a:fillRect/>
-            </a:stretch>
-          </p:blipFill>
-          <p:spPr bwMode="auto">
-            <a:xfrm>
-              <a:off x="7709096" y="37645386"/>
-              <a:ext cx="1834954" cy="1834954"/>
-            </a:xfrm>
-            <a:prstGeom prst="rect">
-              <a:avLst/>
-            </a:prstGeom>
-            <a:noFill/>
-            <a:extLst>
-              <a:ext uri="{909E8E84-426E-40DD-AFC4-6F175D3DCCD1}">
-                <a14:hiddenFill xmlns:a14="http://schemas.microsoft.com/office/drawing/2010/main">
-                  <a:solidFill>
-                    <a:srgbClr val="FFFFFF"/>
-                  </a:solidFill>
-                </a14:hiddenFill>
-              </a:ext>
-            </a:extLst>
-          </p:spPr>
-        </p:pic>
       </p:grpSp>
       <p:grpSp>
         <p:nvGrpSpPr>
@@ -29103,7 +28910,7 @@
         </p:nvGrpSpPr>
         <p:grpSpPr>
           <a:xfrm>
-            <a:off x="9669229" y="18359320"/>
+            <a:off x="9669229" y="17444913"/>
             <a:ext cx="10936754" cy="6085125"/>
             <a:chOff x="8247001" y="16760917"/>
             <a:chExt cx="10924138" cy="6078105"/>
@@ -29266,13 +29073,13 @@
                 <p:nvPr/>
               </p:nvPicPr>
               <p:blipFill>
-                <a:blip r:embed="rId19">
+                <a:blip r:embed="rId18">
                   <a:extLst>
                     <a:ext uri="{28A0092B-C50C-407E-A947-70E740481C1C}">
                       <a14:useLocalDpi xmlns:a14="http://schemas.microsoft.com/office/drawing/2010/main" val="0"/>
                     </a:ext>
                     <a:ext uri="{96DAC541-7B7A-43D3-8B79-37D633B846F1}">
-                      <asvg:svgBlip xmlns:asvg="http://schemas.microsoft.com/office/drawing/2016/SVG/main" r:embed="rId20"/>
+                      <asvg:svgBlip xmlns:asvg="http://schemas.microsoft.com/office/drawing/2016/SVG/main" r:embed="rId19"/>
                     </a:ext>
                   </a:extLst>
                 </a:blip>
@@ -29467,7 +29274,7 @@
           <p:nvPr/>
         </p:nvPicPr>
         <p:blipFill>
-          <a:blip r:embed="rId21">
+          <a:blip r:embed="rId20">
             <a:extLst>
               <a:ext uri="{28A0092B-C50C-407E-A947-70E740481C1C}">
                 <a14:useLocalDpi xmlns:a14="http://schemas.microsoft.com/office/drawing/2010/main" val="0"/>
@@ -29480,7 +29287,7 @@
         </p:blipFill>
         <p:spPr>
           <a:xfrm>
-            <a:off x="15744235" y="20801616"/>
+            <a:off x="15744235" y="19887209"/>
             <a:ext cx="1290461" cy="1290461"/>
           </a:xfrm>
           <a:prstGeom prst="rect">
@@ -29502,7 +29309,7 @@
         </p:nvGrpSpPr>
         <p:grpSpPr>
           <a:xfrm>
-            <a:off x="20829990" y="28158053"/>
+            <a:off x="20829990" y="27243646"/>
             <a:ext cx="7442085" cy="3556330"/>
             <a:chOff x="20859535" y="14478486"/>
             <a:chExt cx="9939290" cy="2625084"/>
@@ -29837,45 +29644,6 @@
           </p:txBody>
         </p:sp>
       </p:grpSp>
-      <p:pic>
-        <p:nvPicPr>
-          <p:cNvPr id="64" name="Elemento grafico 63">
-            <a:extLst>
-              <a:ext uri="{FF2B5EF4-FFF2-40B4-BE49-F238E27FC236}">
-                <a16:creationId xmlns:a16="http://schemas.microsoft.com/office/drawing/2014/main" id="{D0DF5073-6D7C-814D-BEF3-68A28C9F9C02}"/>
-              </a:ext>
-            </a:extLst>
-          </p:cNvPr>
-          <p:cNvPicPr>
-            <a:picLocks noChangeAspect="1"/>
-          </p:cNvPicPr>
-          <p:nvPr/>
-        </p:nvPicPr>
-        <p:blipFill>
-          <a:blip r:embed="rId22">
-            <a:extLst>
-              <a:ext uri="{28A0092B-C50C-407E-A947-70E740481C1C}">
-                <a14:useLocalDpi xmlns:a14="http://schemas.microsoft.com/office/drawing/2010/main" val="0"/>
-              </a:ext>
-              <a:ext uri="{96DAC541-7B7A-43D3-8B79-37D633B846F1}">
-                <asvg:svgBlip xmlns:asvg="http://schemas.microsoft.com/office/drawing/2016/SVG/main" r:embed="rId23"/>
-              </a:ext>
-            </a:extLst>
-          </a:blip>
-          <a:stretch>
-            <a:fillRect/>
-          </a:stretch>
-        </p:blipFill>
-        <p:spPr>
-          <a:xfrm>
-            <a:off x="13920220" y="32485453"/>
-            <a:ext cx="12468277" cy="7091359"/>
-          </a:xfrm>
-          <a:prstGeom prst="rect">
-            <a:avLst/>
-          </a:prstGeom>
-        </p:spPr>
-      </p:pic>
       <p:grpSp>
         <p:nvGrpSpPr>
           <p:cNvPr id="143" name="Gruppo 142">
@@ -29890,7 +29658,7 @@
         </p:nvGrpSpPr>
         <p:grpSpPr>
           <a:xfrm>
-            <a:off x="24596867" y="10391733"/>
+            <a:off x="24596867" y="9477326"/>
             <a:ext cx="2298654" cy="1669281"/>
             <a:chOff x="14435510" y="10206611"/>
             <a:chExt cx="2298654" cy="1669281"/>
@@ -29911,7 +29679,7 @@
             <p:nvPr/>
           </p:nvPicPr>
           <p:blipFill>
-            <a:blip r:embed="rId24">
+            <a:blip r:embed="rId21">
               <a:extLst>
                 <a:ext uri="{28A0092B-C50C-407E-A947-70E740481C1C}">
                   <a14:useLocalDpi xmlns:a14="http://schemas.microsoft.com/office/drawing/2010/main" val="0"/>
@@ -29947,7 +29715,7 @@
             <p:nvPr/>
           </p:nvPicPr>
           <p:blipFill>
-            <a:blip r:embed="rId24">
+            <a:blip r:embed="rId21">
               <a:extLst>
                 <a:ext uri="{28A0092B-C50C-407E-A947-70E740481C1C}">
                   <a14:useLocalDpi xmlns:a14="http://schemas.microsoft.com/office/drawing/2010/main" val="0"/>
@@ -29983,7 +29751,7 @@
             <p:nvPr/>
           </p:nvPicPr>
           <p:blipFill>
-            <a:blip r:embed="rId24">
+            <a:blip r:embed="rId21">
               <a:extLst>
                 <a:ext uri="{28A0092B-C50C-407E-A947-70E740481C1C}">
                   <a14:useLocalDpi xmlns:a14="http://schemas.microsoft.com/office/drawing/2010/main" val="0"/>
@@ -30005,73 +29773,133 @@
           </p:spPr>
         </p:pic>
       </p:grpSp>
-      <p:sp>
-        <p:nvSpPr>
-          <p:cNvPr id="3" name="Fumetto: rettangolo con angoli arrotondati 2">
+      <p:grpSp>
+        <p:nvGrpSpPr>
+          <p:cNvPr id="17" name="Gruppo 16">
             <a:extLst>
               <a:ext uri="{FF2B5EF4-FFF2-40B4-BE49-F238E27FC236}">
-                <a16:creationId xmlns:a16="http://schemas.microsoft.com/office/drawing/2014/main" id="{46D83E9F-1C31-C26F-80AF-D769F672507C}"/>
+                <a16:creationId xmlns:a16="http://schemas.microsoft.com/office/drawing/2014/main" id="{33B3018C-97B6-D889-C6CC-040EEC4EB1D2}"/>
               </a:ext>
             </a:extLst>
           </p:cNvPr>
-          <p:cNvSpPr/>
+          <p:cNvGrpSpPr/>
           <p:nvPr/>
-        </p:nvSpPr>
-        <p:spPr>
+        </p:nvGrpSpPr>
+        <p:grpSpPr>
           <a:xfrm>
-            <a:off x="17852878" y="39711179"/>
-            <a:ext cx="3000635" cy="1053672"/>
+            <a:off x="13920220" y="31571046"/>
+            <a:ext cx="12468277" cy="8279398"/>
+            <a:chOff x="13920220" y="31571046"/>
+            <a:chExt cx="12468277" cy="8279398"/>
           </a:xfrm>
-          <a:prstGeom prst="wedgeRoundRectCallout">
-            <a:avLst>
-              <a:gd name="adj1" fmla="val 3577"/>
-              <a:gd name="adj2" fmla="val -90357"/>
-              <a:gd name="adj3" fmla="val 16667"/>
-            </a:avLst>
-          </a:prstGeom>
-        </p:spPr>
-        <p:style>
-          <a:lnRef idx="2">
-            <a:schemeClr val="accent6"/>
-          </a:lnRef>
-          <a:fillRef idx="1">
-            <a:schemeClr val="lt1"/>
-          </a:fillRef>
-          <a:effectRef idx="0">
-            <a:schemeClr val="accent6"/>
-          </a:effectRef>
-          <a:fontRef idx="minor">
-            <a:schemeClr val="dk1"/>
-          </a:fontRef>
-        </p:style>
-        <p:txBody>
-          <a:bodyPr rtlCol="0" anchor="ctr"/>
-          <a:lstStyle/>
-          <a:p>
-            <a:pPr algn="ctr"/>
-            <a:r>
-              <a:rPr lang="it-IT" sz="2800" dirty="0"/>
-              <a:t>ɛ </a:t>
-            </a:r>
-            <a:r>
-              <a:rPr lang="it-IT" sz="2800" dirty="0" err="1"/>
-              <a:t>is</a:t>
-            </a:r>
-            <a:r>
-              <a:rPr lang="it-IT" sz="2800" dirty="0"/>
-              <a:t> the </a:t>
-            </a:r>
-            <a:r>
-              <a:rPr lang="it-IT" sz="2800" dirty="0" err="1"/>
-              <a:t>initial</a:t>
-            </a:r>
-            <a:r>
-              <a:rPr lang="it-IT" sz="2800" dirty="0"/>
-              <a:t> state</a:t>
-            </a:r>
-          </a:p>
-        </p:txBody>
-      </p:sp>
+        </p:grpSpPr>
+        <p:pic>
+          <p:nvPicPr>
+            <p:cNvPr id="64" name="Elemento grafico 63">
+              <a:extLst>
+                <a:ext uri="{FF2B5EF4-FFF2-40B4-BE49-F238E27FC236}">
+                  <a16:creationId xmlns:a16="http://schemas.microsoft.com/office/drawing/2014/main" id="{D0DF5073-6D7C-814D-BEF3-68A28C9F9C02}"/>
+                </a:ext>
+              </a:extLst>
+            </p:cNvPr>
+            <p:cNvPicPr>
+              <a:picLocks noChangeAspect="1"/>
+            </p:cNvPicPr>
+            <p:nvPr/>
+          </p:nvPicPr>
+          <p:blipFill>
+            <a:blip r:embed="rId22">
+              <a:extLst>
+                <a:ext uri="{28A0092B-C50C-407E-A947-70E740481C1C}">
+                  <a14:useLocalDpi xmlns:a14="http://schemas.microsoft.com/office/drawing/2010/main" val="0"/>
+                </a:ext>
+                <a:ext uri="{96DAC541-7B7A-43D3-8B79-37D633B846F1}">
+                  <asvg:svgBlip xmlns:asvg="http://schemas.microsoft.com/office/drawing/2016/SVG/main" r:embed="rId23"/>
+                </a:ext>
+              </a:extLst>
+            </a:blip>
+            <a:stretch>
+              <a:fillRect/>
+            </a:stretch>
+          </p:blipFill>
+          <p:spPr>
+            <a:xfrm>
+              <a:off x="13920220" y="31571046"/>
+              <a:ext cx="12468277" cy="7091359"/>
+            </a:xfrm>
+            <a:prstGeom prst="rect">
+              <a:avLst/>
+            </a:prstGeom>
+          </p:spPr>
+        </p:pic>
+        <p:sp>
+          <p:nvSpPr>
+            <p:cNvPr id="3" name="Fumetto: rettangolo con angoli arrotondati 2">
+              <a:extLst>
+                <a:ext uri="{FF2B5EF4-FFF2-40B4-BE49-F238E27FC236}">
+                  <a16:creationId xmlns:a16="http://schemas.microsoft.com/office/drawing/2014/main" id="{46D83E9F-1C31-C26F-80AF-D769F672507C}"/>
+                </a:ext>
+              </a:extLst>
+            </p:cNvPr>
+            <p:cNvSpPr/>
+            <p:nvPr/>
+          </p:nvSpPr>
+          <p:spPr>
+            <a:xfrm>
+              <a:off x="17852878" y="38796772"/>
+              <a:ext cx="3000635" cy="1053672"/>
+            </a:xfrm>
+            <a:prstGeom prst="wedgeRoundRectCallout">
+              <a:avLst>
+                <a:gd name="adj1" fmla="val 3577"/>
+                <a:gd name="adj2" fmla="val -90357"/>
+                <a:gd name="adj3" fmla="val 16667"/>
+              </a:avLst>
+            </a:prstGeom>
+          </p:spPr>
+          <p:style>
+            <a:lnRef idx="2">
+              <a:schemeClr val="accent6"/>
+            </a:lnRef>
+            <a:fillRef idx="1">
+              <a:schemeClr val="lt1"/>
+            </a:fillRef>
+            <a:effectRef idx="0">
+              <a:schemeClr val="accent6"/>
+            </a:effectRef>
+            <a:fontRef idx="minor">
+              <a:schemeClr val="dk1"/>
+            </a:fontRef>
+          </p:style>
+          <p:txBody>
+            <a:bodyPr rtlCol="0" anchor="ctr"/>
+            <a:lstStyle/>
+            <a:p>
+              <a:pPr algn="ctr"/>
+              <a:r>
+                <a:rPr lang="it-IT" sz="2800" dirty="0"/>
+                <a:t>ɛ </a:t>
+              </a:r>
+              <a:r>
+                <a:rPr lang="it-IT" sz="2800" dirty="0" err="1"/>
+                <a:t>is</a:t>
+              </a:r>
+              <a:r>
+                <a:rPr lang="it-IT" sz="2800" dirty="0"/>
+                <a:t> the </a:t>
+              </a:r>
+              <a:r>
+                <a:rPr lang="it-IT" sz="2800" dirty="0" err="1"/>
+                <a:t>initial</a:t>
+              </a:r>
+              <a:r>
+                <a:rPr lang="it-IT" sz="2800" dirty="0"/>
+                <a:t> state</a:t>
+              </a:r>
+            </a:p>
+          </p:txBody>
+        </p:sp>
+      </p:grpSp>
       <p:sp>
         <p:nvSpPr>
           <p:cNvPr id="154" name="Fumetto: rettangolo con angoli arrotondati 153">
@@ -30086,7 +29914,7 @@
         </p:nvSpPr>
         <p:spPr>
           <a:xfrm>
-            <a:off x="21103521" y="37896155"/>
+            <a:off x="21103521" y="36981748"/>
             <a:ext cx="4685842" cy="1500864"/>
           </a:xfrm>
           <a:prstGeom prst="wedgeRoundRectCallout">
@@ -30203,7 +30031,7 @@
         </p:nvSpPr>
         <p:spPr>
           <a:xfrm>
-            <a:off x="23344104" y="31875502"/>
+            <a:off x="23344104" y="30961095"/>
             <a:ext cx="4520485" cy="1201697"/>
           </a:xfrm>
           <a:prstGeom prst="wedgeRoundRectCallout">
@@ -30278,7 +30106,7 @@
         </p:nvSpPr>
         <p:spPr>
           <a:xfrm rot="16200000">
-            <a:off x="18393891" y="13063759"/>
+            <a:off x="18393891" y="12149352"/>
             <a:ext cx="1026773" cy="1444522"/>
           </a:xfrm>
           <a:prstGeom prst="bentArrow">
@@ -30333,7 +30161,7 @@
         </p:nvSpPr>
         <p:spPr>
           <a:xfrm rot="10800000">
-            <a:off x="6106285" y="22170761"/>
+            <a:off x="6106285" y="21256354"/>
             <a:ext cx="1026773" cy="1444522"/>
           </a:xfrm>
           <a:prstGeom prst="bentArrow">
@@ -30388,7 +30216,7 @@
         </p:nvSpPr>
         <p:spPr>
           <a:xfrm flipH="1">
-            <a:off x="15160168" y="12681556"/>
+            <a:off x="15160168" y="11767149"/>
             <a:ext cx="1026773" cy="1444522"/>
           </a:xfrm>
           <a:prstGeom prst="bentArrow">
@@ -30443,7 +30271,7 @@
         </p:nvSpPr>
         <p:spPr>
           <a:xfrm rot="16200000">
-            <a:off x="6187869" y="12765849"/>
+            <a:off x="6187869" y="11851442"/>
             <a:ext cx="1026773" cy="1444522"/>
           </a:xfrm>
           <a:prstGeom prst="bentArrow">
@@ -30498,7 +30326,7 @@
         </p:nvSpPr>
         <p:spPr>
           <a:xfrm>
-            <a:off x="10473120" y="25331130"/>
+            <a:off x="10473120" y="24416723"/>
             <a:ext cx="1077506" cy="841190"/>
           </a:xfrm>
           <a:prstGeom prst="bentArrow">
@@ -30553,62 +30381,7 @@
         </p:nvSpPr>
         <p:spPr>
           <a:xfrm rot="16200000" flipV="1">
-            <a:off x="19315546" y="27833981"/>
-            <a:ext cx="1077506" cy="1305433"/>
-          </a:xfrm>
-          <a:prstGeom prst="bentArrow">
-            <a:avLst>
-              <a:gd name="adj1" fmla="val 25000"/>
-              <a:gd name="adj2" fmla="val 36145"/>
-              <a:gd name="adj3" fmla="val 50000"/>
-              <a:gd name="adj4" fmla="val 43750"/>
-            </a:avLst>
-          </a:prstGeom>
-        </p:spPr>
-        <p:style>
-          <a:lnRef idx="2">
-            <a:schemeClr val="accent1">
-              <a:shade val="50000"/>
-            </a:schemeClr>
-          </a:lnRef>
-          <a:fillRef idx="1">
-            <a:schemeClr val="accent1"/>
-          </a:fillRef>
-          <a:effectRef idx="0">
-            <a:schemeClr val="accent1"/>
-          </a:effectRef>
-          <a:fontRef idx="minor">
-            <a:schemeClr val="lt1"/>
-          </a:fontRef>
-        </p:style>
-        <p:txBody>
-          <a:bodyPr rtlCol="0" anchor="ctr"/>
-          <a:lstStyle/>
-          <a:p>
-            <a:pPr algn="ctr"/>
-            <a:endParaRPr lang="it-IT" sz="1885">
-              <a:solidFill>
-                <a:schemeClr val="tx1"/>
-              </a:solidFill>
-            </a:endParaRPr>
-          </a:p>
-        </p:txBody>
-      </p:sp>
-      <p:sp>
-        <p:nvSpPr>
-          <p:cNvPr id="164" name="Freccia curva 163">
-            <a:extLst>
-              <a:ext uri="{FF2B5EF4-FFF2-40B4-BE49-F238E27FC236}">
-                <a16:creationId xmlns:a16="http://schemas.microsoft.com/office/drawing/2014/main" id="{21B28F9D-CF15-9F40-A4E8-4C6F2CB84D11}"/>
-              </a:ext>
-            </a:extLst>
-          </p:cNvPr>
-          <p:cNvSpPr/>
-          <p:nvPr/>
-        </p:nvSpPr>
-        <p:spPr>
-          <a:xfrm rot="5400000">
-            <a:off x="25531120" y="26851567"/>
+            <a:off x="19315546" y="26919574"/>
             <a:ext cx="1077506" cy="1305433"/>
           </a:xfrm>
           <a:prstGeom prst="bentArrow">
@@ -30663,7 +30436,7 @@
         </p:nvSpPr>
         <p:spPr>
           <a:xfrm>
-            <a:off x="10473120" y="25331131"/>
+            <a:off x="10473120" y="24416724"/>
             <a:ext cx="1077506" cy="841190"/>
           </a:xfrm>
           <a:prstGeom prst="bentArrow">
@@ -30718,7 +30491,7 @@
         </p:nvSpPr>
         <p:spPr>
           <a:xfrm rot="16200000" flipV="1">
-            <a:off x="19315546" y="27833982"/>
+            <a:off x="19315546" y="26919575"/>
             <a:ext cx="1077506" cy="1305433"/>
           </a:xfrm>
           <a:prstGeom prst="bentArrow">
@@ -30773,7 +30546,7 @@
         </p:nvSpPr>
         <p:spPr>
           <a:xfrm rot="5400000">
-            <a:off x="25531120" y="26851568"/>
+            <a:off x="26189194" y="25849957"/>
             <a:ext cx="1077506" cy="1305433"/>
           </a:xfrm>
           <a:prstGeom prst="bentArrow">
@@ -30828,7 +30601,7 @@
         </p:nvSpPr>
         <p:spPr>
           <a:xfrm>
-            <a:off x="14892465" y="29958263"/>
+            <a:off x="14892465" y="29043856"/>
             <a:ext cx="644742" cy="1036931"/>
           </a:xfrm>
           <a:prstGeom prst="downArrow">
@@ -30874,7 +30647,7 @@
         </p:nvSpPr>
         <p:spPr>
           <a:xfrm rot="7837934">
-            <a:off x="18427430" y="33070518"/>
+            <a:off x="18427430" y="32156111"/>
             <a:ext cx="644742" cy="1036931"/>
           </a:xfrm>
           <a:prstGeom prst="downArrow">
@@ -30920,7 +30693,7 @@
         </p:nvSpPr>
         <p:spPr>
           <a:xfrm>
-            <a:off x="14624498" y="40099680"/>
+            <a:off x="14624498" y="39185273"/>
             <a:ext cx="3000635" cy="1053672"/>
           </a:xfrm>
           <a:prstGeom prst="wedgeRoundRectCallout">
@@ -30971,10 +30744,10 @@
       </p:sp>
       <p:grpSp>
         <p:nvGrpSpPr>
-          <p:cNvPr id="177" name="Gruppo 176">
+          <p:cNvPr id="14" name="Gruppo 13">
             <a:extLst>
               <a:ext uri="{FF2B5EF4-FFF2-40B4-BE49-F238E27FC236}">
-                <a16:creationId xmlns:a16="http://schemas.microsoft.com/office/drawing/2014/main" id="{FD3E93AF-7015-788B-C1BA-D2E858CF7B1F}"/>
+                <a16:creationId xmlns:a16="http://schemas.microsoft.com/office/drawing/2014/main" id="{7D459A26-2914-5999-92C1-12F86B12260C}"/>
               </a:ext>
             </a:extLst>
           </p:cNvPr>
@@ -30983,18 +30756,18 @@
         </p:nvGrpSpPr>
         <p:grpSpPr>
           <a:xfrm>
-            <a:off x="25495471" y="39447260"/>
-            <a:ext cx="4625392" cy="3204865"/>
-            <a:chOff x="2890044" y="16687798"/>
-            <a:chExt cx="13686696" cy="4148909"/>
+            <a:off x="25538745" y="39433475"/>
+            <a:ext cx="4655702" cy="3204865"/>
+            <a:chOff x="25465161" y="38532853"/>
+            <a:chExt cx="4655702" cy="3204865"/>
           </a:xfrm>
         </p:grpSpPr>
         <p:grpSp>
           <p:nvGrpSpPr>
-            <p:cNvPr id="180" name="Gruppo 179">
+            <p:cNvPr id="177" name="Gruppo 176">
               <a:extLst>
                 <a:ext uri="{FF2B5EF4-FFF2-40B4-BE49-F238E27FC236}">
-                  <a16:creationId xmlns:a16="http://schemas.microsoft.com/office/drawing/2014/main" id="{8DAFEDBF-C6E4-96C8-5190-33F22D713F15}"/>
+                  <a16:creationId xmlns:a16="http://schemas.microsoft.com/office/drawing/2014/main" id="{FD3E93AF-7015-788B-C1BA-D2E858CF7B1F}"/>
                 </a:ext>
               </a:extLst>
             </p:cNvPr>
@@ -31003,118 +30776,219 @@
           </p:nvGrpSpPr>
           <p:grpSpPr>
             <a:xfrm>
-              <a:off x="2890044" y="16687798"/>
-              <a:ext cx="13686696" cy="4148909"/>
+              <a:off x="25495471" y="38532853"/>
+              <a:ext cx="4625392" cy="3204865"/>
               <a:chOff x="2890044" y="16687798"/>
               <a:chExt cx="13686696" cy="4148909"/>
             </a:xfrm>
           </p:grpSpPr>
-          <p:sp>
-            <p:nvSpPr>
-              <p:cNvPr id="182" name="Rettangolo con angoli arrotondati 181">
+          <p:grpSp>
+            <p:nvGrpSpPr>
+              <p:cNvPr id="180" name="Gruppo 179">
                 <a:extLst>
                   <a:ext uri="{FF2B5EF4-FFF2-40B4-BE49-F238E27FC236}">
-                    <a16:creationId xmlns:a16="http://schemas.microsoft.com/office/drawing/2014/main" id="{97DF34B8-7162-1058-35B0-7E092A2A4AA0}"/>
+                    <a16:creationId xmlns:a16="http://schemas.microsoft.com/office/drawing/2014/main" id="{8DAFEDBF-C6E4-96C8-5190-33F22D713F15}"/>
                   </a:ext>
                 </a:extLst>
               </p:cNvPr>
-              <p:cNvSpPr/>
+              <p:cNvGrpSpPr/>
+              <p:nvPr/>
+            </p:nvGrpSpPr>
+            <p:grpSpPr>
+              <a:xfrm>
+                <a:off x="2890044" y="16687798"/>
+                <a:ext cx="13686696" cy="4148909"/>
+                <a:chOff x="2890044" y="16687798"/>
+                <a:chExt cx="13686696" cy="4148909"/>
+              </a:xfrm>
+            </p:grpSpPr>
+            <p:sp>
+              <p:nvSpPr>
+                <p:cNvPr id="182" name="Rettangolo con angoli arrotondati 181">
+                  <a:extLst>
+                    <a:ext uri="{FF2B5EF4-FFF2-40B4-BE49-F238E27FC236}">
+                      <a16:creationId xmlns:a16="http://schemas.microsoft.com/office/drawing/2014/main" id="{97DF34B8-7162-1058-35B0-7E092A2A4AA0}"/>
+                    </a:ext>
+                  </a:extLst>
+                </p:cNvPr>
+                <p:cNvSpPr/>
+                <p:nvPr/>
+              </p:nvSpPr>
+              <p:spPr>
+                <a:xfrm>
+                  <a:off x="2890044" y="16687798"/>
+                  <a:ext cx="13686696" cy="4148908"/>
+                </a:xfrm>
+                <a:prstGeom prst="roundRect">
+                  <a:avLst>
+                    <a:gd name="adj" fmla="val 5443"/>
+                  </a:avLst>
+                </a:prstGeom>
+              </p:spPr>
+              <p:style>
+                <a:lnRef idx="2">
+                  <a:schemeClr val="accent6">
+                    <a:shade val="50000"/>
+                  </a:schemeClr>
+                </a:lnRef>
+                <a:fillRef idx="1">
+                  <a:schemeClr val="accent6"/>
+                </a:fillRef>
+                <a:effectRef idx="0">
+                  <a:schemeClr val="accent6"/>
+                </a:effectRef>
+                <a:fontRef idx="minor">
+                  <a:schemeClr val="lt1"/>
+                </a:fontRef>
+              </p:style>
+              <p:txBody>
+                <a:bodyPr rtlCol="0" anchor="ctr"/>
+                <a:lstStyle/>
+                <a:p>
+                  <a:pPr algn="ctr"/>
+                  <a:endParaRPr lang="it-IT" sz="1885" dirty="0"/>
+                </a:p>
+              </p:txBody>
+            </p:sp>
+            <p:sp>
+              <p:nvSpPr>
+                <p:cNvPr id="183" name="Rettangolo con angoli arrotondati 182">
+                  <a:extLst>
+                    <a:ext uri="{FF2B5EF4-FFF2-40B4-BE49-F238E27FC236}">
+                      <a16:creationId xmlns:a16="http://schemas.microsoft.com/office/drawing/2014/main" id="{3C2ACF8B-3B2B-A927-B61E-EC07CB239A6E}"/>
+                    </a:ext>
+                  </a:extLst>
+                </p:cNvPr>
+                <p:cNvSpPr/>
+                <p:nvPr/>
+              </p:nvSpPr>
+              <p:spPr>
+                <a:xfrm>
+                  <a:off x="2890044" y="17945101"/>
+                  <a:ext cx="13686696" cy="2891606"/>
+                </a:xfrm>
+                <a:prstGeom prst="roundRect">
+                  <a:avLst>
+                    <a:gd name="adj" fmla="val 5443"/>
+                  </a:avLst>
+                </a:prstGeom>
+                <a:ln>
+                  <a:solidFill>
+                    <a:schemeClr val="accent6"/>
+                  </a:solidFill>
+                </a:ln>
+              </p:spPr>
+              <p:style>
+                <a:lnRef idx="2">
+                  <a:schemeClr val="accent6"/>
+                </a:lnRef>
+                <a:fillRef idx="1">
+                  <a:schemeClr val="lt1"/>
+                </a:fillRef>
+                <a:effectRef idx="0">
+                  <a:schemeClr val="accent6"/>
+                </a:effectRef>
+                <a:fontRef idx="minor">
+                  <a:schemeClr val="dk1"/>
+                </a:fontRef>
+              </p:style>
+              <p:txBody>
+                <a:bodyPr rtlCol="0" anchor="ctr"/>
+                <a:lstStyle/>
+                <a:p>
+                  <a:pPr algn="ctr"/>
+                  <a:endParaRPr lang="it-IT" sz="3204" dirty="0"/>
+                </a:p>
+              </p:txBody>
+            </p:sp>
+          </p:grpSp>
+          <p:sp>
+            <p:nvSpPr>
+              <p:cNvPr id="181" name="CasellaDiTesto 180">
+                <a:extLst>
+                  <a:ext uri="{FF2B5EF4-FFF2-40B4-BE49-F238E27FC236}">
+                    <a16:creationId xmlns:a16="http://schemas.microsoft.com/office/drawing/2014/main" id="{3079BE58-CDD3-DC51-59BF-31758D9D24E7}"/>
+                  </a:ext>
+                </a:extLst>
+              </p:cNvPr>
+              <p:cNvSpPr txBox="1"/>
               <p:nvPr/>
             </p:nvSpPr>
             <p:spPr>
               <a:xfrm>
-                <a:off x="2890044" y="16687798"/>
-                <a:ext cx="13686696" cy="4148908"/>
+                <a:off x="3960368" y="16853496"/>
+                <a:ext cx="11911453" cy="916405"/>
               </a:xfrm>
-              <a:prstGeom prst="roundRect">
-                <a:avLst>
-                  <a:gd name="adj" fmla="val 5443"/>
-                </a:avLst>
+              <a:prstGeom prst="rect">
+                <a:avLst/>
               </a:prstGeom>
+              <a:noFill/>
             </p:spPr>
-            <p:style>
-              <a:lnRef idx="2">
-                <a:schemeClr val="accent6">
-                  <a:shade val="50000"/>
-                </a:schemeClr>
-              </a:lnRef>
-              <a:fillRef idx="1">
-                <a:schemeClr val="accent6"/>
-              </a:fillRef>
-              <a:effectRef idx="0">
-                <a:schemeClr val="accent6"/>
-              </a:effectRef>
-              <a:fontRef idx="minor">
-                <a:schemeClr val="lt1"/>
-              </a:fontRef>
-            </p:style>
             <p:txBody>
-              <a:bodyPr rtlCol="0" anchor="ctr"/>
+              <a:bodyPr wrap="square" rtlCol="0">
+                <a:spAutoFit/>
+              </a:bodyPr>
               <a:lstStyle/>
               <a:p>
                 <a:pPr algn="ctr"/>
-                <a:endParaRPr lang="it-IT" sz="1885" dirty="0"/>
-              </a:p>
-            </p:txBody>
-          </p:sp>
-          <p:sp>
-            <p:nvSpPr>
-              <p:cNvPr id="183" name="Rettangolo con angoli arrotondati 182">
-                <a:extLst>
-                  <a:ext uri="{FF2B5EF4-FFF2-40B4-BE49-F238E27FC236}">
-                    <a16:creationId xmlns:a16="http://schemas.microsoft.com/office/drawing/2014/main" id="{3C2ACF8B-3B2B-A927-B61E-EC07CB239A6E}"/>
-                  </a:ext>
-                </a:extLst>
-              </p:cNvPr>
-              <p:cNvSpPr/>
-              <p:nvPr/>
-            </p:nvSpPr>
-            <p:spPr>
-              <a:xfrm>
-                <a:off x="2890044" y="17945101"/>
-                <a:ext cx="13686696" cy="2891606"/>
-              </a:xfrm>
-              <a:prstGeom prst="roundRect">
-                <a:avLst>
-                  <a:gd name="adj" fmla="val 5443"/>
-                </a:avLst>
-              </a:prstGeom>
-              <a:ln>
-                <a:solidFill>
-                  <a:schemeClr val="accent6"/>
-                </a:solidFill>
-              </a:ln>
-            </p:spPr>
-            <p:style>
-              <a:lnRef idx="2">
-                <a:schemeClr val="accent6"/>
-              </a:lnRef>
-              <a:fillRef idx="1">
-                <a:schemeClr val="lt1"/>
-              </a:fillRef>
-              <a:effectRef idx="0">
-                <a:schemeClr val="accent6"/>
-              </a:effectRef>
-              <a:fontRef idx="minor">
-                <a:schemeClr val="dk1"/>
-              </a:fontRef>
-            </p:style>
-            <p:txBody>
-              <a:bodyPr rtlCol="0" anchor="ctr"/>
-              <a:lstStyle/>
-              <a:p>
-                <a:pPr algn="ctr"/>
-                <a:endParaRPr lang="it-IT" sz="3204" dirty="0"/>
+                <a:r>
+                  <a:rPr lang="it-IT" sz="4000" dirty="0" err="1">
+                    <a:solidFill>
+                      <a:schemeClr val="bg1"/>
+                    </a:solidFill>
+                  </a:rPr>
+                  <a:t>References</a:t>
+                </a:r>
+                <a:endParaRPr lang="it-IT" sz="4000" dirty="0">
+                  <a:solidFill>
+                    <a:schemeClr val="bg1"/>
+                  </a:solidFill>
+                </a:endParaRPr>
               </a:p>
             </p:txBody>
           </p:sp>
         </p:grpSp>
+        <p:pic>
+          <p:nvPicPr>
+            <p:cNvPr id="7" name="Immagine 6">
+              <a:extLst>
+                <a:ext uri="{FF2B5EF4-FFF2-40B4-BE49-F238E27FC236}">
+                  <a16:creationId xmlns:a16="http://schemas.microsoft.com/office/drawing/2014/main" id="{80CC29F6-E293-25F8-D0EF-6C373DD6670D}"/>
+                </a:ext>
+              </a:extLst>
+            </p:cNvPr>
+            <p:cNvPicPr>
+              <a:picLocks noChangeAspect="1"/>
+            </p:cNvPicPr>
+            <p:nvPr/>
+          </p:nvPicPr>
+          <p:blipFill rotWithShape="1">
+            <a:blip r:embed="rId24">
+              <a:extLst>
+                <a:ext uri="{28A0092B-C50C-407E-A947-70E740481C1C}">
+                  <a14:useLocalDpi xmlns:a14="http://schemas.microsoft.com/office/drawing/2010/main" val="0"/>
+                </a:ext>
+              </a:extLst>
+            </a:blip>
+            <a:srcRect l="7983" t="7437" r="7794" b="7910"/>
+            <a:stretch/>
+          </p:blipFill>
+          <p:spPr>
+            <a:xfrm>
+              <a:off x="27920550" y="39625634"/>
+              <a:ext cx="1981930" cy="1992098"/>
+            </a:xfrm>
+            <a:prstGeom prst="rect">
+              <a:avLst/>
+            </a:prstGeom>
+          </p:spPr>
+        </p:pic>
         <p:sp>
           <p:nvSpPr>
-            <p:cNvPr id="181" name="CasellaDiTesto 180">
+            <p:cNvPr id="6" name="CasellaDiTesto 5">
               <a:extLst>
                 <a:ext uri="{FF2B5EF4-FFF2-40B4-BE49-F238E27FC236}">
-                  <a16:creationId xmlns:a16="http://schemas.microsoft.com/office/drawing/2014/main" id="{3079BE58-CDD3-DC51-59BF-31758D9D24E7}"/>
+                  <a16:creationId xmlns:a16="http://schemas.microsoft.com/office/drawing/2014/main" id="{33A40B87-81D2-8856-3386-65CC03EF140B}"/>
                 </a:ext>
               </a:extLst>
             </p:cNvPr>
@@ -31123,8 +30997,8 @@
           </p:nvSpPr>
           <p:spPr>
             <a:xfrm>
-              <a:off x="3960369" y="16700753"/>
-              <a:ext cx="11911452" cy="1197854"/>
+              <a:off x="25465161" y="40023006"/>
+              <a:ext cx="2485700" cy="1200329"/>
             </a:xfrm>
             <a:prstGeom prst="rect">
               <a:avLst/>
@@ -31139,63 +31013,335 @@
             <a:p>
               <a:pPr algn="ctr"/>
               <a:r>
-                <a:rPr lang="it-IT" sz="5406" dirty="0" err="1">
-                  <a:solidFill>
-                    <a:schemeClr val="bg1"/>
-                  </a:solidFill>
+                <a:rPr lang="it-IT" sz="7200" dirty="0">
+                  <a:latin typeface="Baguet Script" panose="020B0604020202020204" pitchFamily="2" charset="0"/>
                 </a:rPr>
-                <a:t>References</a:t>
-              </a:r>
-              <a:endParaRPr lang="it-IT" sz="5406" dirty="0">
-                <a:solidFill>
-                  <a:schemeClr val="bg1"/>
-                </a:solidFill>
+                <a:t>.</a:t>
+              </a:r>
+              <a:r>
+                <a:rPr lang="it-IT" sz="7200" dirty="0" err="1">
+                  <a:latin typeface="Baguet Script" panose="020B0604020202020204" pitchFamily="2" charset="0"/>
+                </a:rPr>
+                <a:t>bib</a:t>
+              </a:r>
+              <a:endParaRPr lang="it-IT" sz="7200" dirty="0">
+                <a:latin typeface="Baguet Script" panose="020B0604020202020204" pitchFamily="2" charset="0"/>
               </a:endParaRPr>
             </a:p>
           </p:txBody>
         </p:sp>
       </p:grpSp>
-      <p:pic>
-        <p:nvPicPr>
-          <p:cNvPr id="7" name="Immagine 6">
+      <p:grpSp>
+        <p:nvGrpSpPr>
+          <p:cNvPr id="13" name="Gruppo 12">
             <a:extLst>
               <a:ext uri="{FF2B5EF4-FFF2-40B4-BE49-F238E27FC236}">
-                <a16:creationId xmlns:a16="http://schemas.microsoft.com/office/drawing/2014/main" id="{80CC29F6-E293-25F8-D0EF-6C373DD6670D}"/>
+                <a16:creationId xmlns:a16="http://schemas.microsoft.com/office/drawing/2014/main" id="{1C3076D5-C90E-4944-77B4-AA0FD62A771E}"/>
               </a:ext>
             </a:extLst>
           </p:cNvPr>
-          <p:cNvPicPr>
-            <a:picLocks noChangeAspect="1"/>
-          </p:cNvPicPr>
+          <p:cNvGrpSpPr/>
           <p:nvPr/>
-        </p:nvPicPr>
-        <p:blipFill rotWithShape="1">
-          <a:blip r:embed="rId25">
-            <a:extLst>
-              <a:ext uri="{28A0092B-C50C-407E-A947-70E740481C1C}">
-                <a14:useLocalDpi xmlns:a14="http://schemas.microsoft.com/office/drawing/2010/main" val="0"/>
-              </a:ext>
-            </a:extLst>
-          </a:blip>
-          <a:srcRect l="7983" t="7437" r="7794" b="7910"/>
-          <a:stretch/>
-        </p:blipFill>
-        <p:spPr>
+        </p:nvGrpSpPr>
+        <p:grpSpPr>
           <a:xfrm>
-            <a:off x="27920550" y="40540041"/>
-            <a:ext cx="1981930" cy="1992098"/>
+            <a:off x="9157968" y="37251985"/>
+            <a:ext cx="4625392" cy="3204865"/>
+            <a:chOff x="140627" y="38503356"/>
+            <a:chExt cx="4625392" cy="3204865"/>
           </a:xfrm>
-          <a:prstGeom prst="rect">
-            <a:avLst/>
-          </a:prstGeom>
-        </p:spPr>
-      </p:pic>
+        </p:grpSpPr>
+        <p:grpSp>
+          <p:nvGrpSpPr>
+            <p:cNvPr id="57" name="Gruppo 56">
+              <a:extLst>
+                <a:ext uri="{FF2B5EF4-FFF2-40B4-BE49-F238E27FC236}">
+                  <a16:creationId xmlns:a16="http://schemas.microsoft.com/office/drawing/2014/main" id="{8FCDEB92-C5EB-9D16-083C-0F0F3500B79F}"/>
+                </a:ext>
+              </a:extLst>
+            </p:cNvPr>
+            <p:cNvGrpSpPr/>
+            <p:nvPr/>
+          </p:nvGrpSpPr>
+          <p:grpSpPr>
+            <a:xfrm>
+              <a:off x="140627" y="38503356"/>
+              <a:ext cx="4625392" cy="3204865"/>
+              <a:chOff x="7423216" y="36399019"/>
+              <a:chExt cx="4620056" cy="3201169"/>
+            </a:xfrm>
+          </p:grpSpPr>
+          <p:grpSp>
+            <p:nvGrpSpPr>
+              <p:cNvPr id="241" name="Gruppo 240">
+                <a:extLst>
+                  <a:ext uri="{FF2B5EF4-FFF2-40B4-BE49-F238E27FC236}">
+                    <a16:creationId xmlns:a16="http://schemas.microsoft.com/office/drawing/2014/main" id="{5E30E677-47CE-5A1E-B79F-E297675EE3FA}"/>
+                  </a:ext>
+                </a:extLst>
+              </p:cNvPr>
+              <p:cNvGrpSpPr/>
+              <p:nvPr/>
+            </p:nvGrpSpPr>
+            <p:grpSpPr>
+              <a:xfrm>
+                <a:off x="7423216" y="36399019"/>
+                <a:ext cx="4620056" cy="3201169"/>
+                <a:chOff x="2890044" y="16687798"/>
+                <a:chExt cx="13686696" cy="4148909"/>
+              </a:xfrm>
+            </p:grpSpPr>
+            <p:grpSp>
+              <p:nvGrpSpPr>
+                <p:cNvPr id="243" name="Gruppo 242">
+                  <a:extLst>
+                    <a:ext uri="{FF2B5EF4-FFF2-40B4-BE49-F238E27FC236}">
+                      <a16:creationId xmlns:a16="http://schemas.microsoft.com/office/drawing/2014/main" id="{45A4D9BE-926A-1A0F-238F-E188314EF378}"/>
+                    </a:ext>
+                  </a:extLst>
+                </p:cNvPr>
+                <p:cNvGrpSpPr/>
+                <p:nvPr/>
+              </p:nvGrpSpPr>
+              <p:grpSpPr>
+                <a:xfrm>
+                  <a:off x="2890044" y="16687798"/>
+                  <a:ext cx="13686696" cy="4148909"/>
+                  <a:chOff x="2890044" y="16687798"/>
+                  <a:chExt cx="13686696" cy="4148909"/>
+                </a:xfrm>
+              </p:grpSpPr>
+              <p:sp>
+                <p:nvSpPr>
+                  <p:cNvPr id="245" name="Rettangolo con angoli arrotondati 244">
+                    <a:extLst>
+                      <a:ext uri="{FF2B5EF4-FFF2-40B4-BE49-F238E27FC236}">
+                        <a16:creationId xmlns:a16="http://schemas.microsoft.com/office/drawing/2014/main" id="{7BAEEF62-A478-7CE3-73C9-3B3069EC3672}"/>
+                      </a:ext>
+                    </a:extLst>
+                  </p:cNvPr>
+                  <p:cNvSpPr/>
+                  <p:nvPr/>
+                </p:nvSpPr>
+                <p:spPr>
+                  <a:xfrm>
+                    <a:off x="2890044" y="16687798"/>
+                    <a:ext cx="13686696" cy="4148908"/>
+                  </a:xfrm>
+                  <a:prstGeom prst="roundRect">
+                    <a:avLst>
+                      <a:gd name="adj" fmla="val 5443"/>
+                    </a:avLst>
+                  </a:prstGeom>
+                </p:spPr>
+                <p:style>
+                  <a:lnRef idx="2">
+                    <a:schemeClr val="accent6">
+                      <a:shade val="50000"/>
+                    </a:schemeClr>
+                  </a:lnRef>
+                  <a:fillRef idx="1">
+                    <a:schemeClr val="accent6"/>
+                  </a:fillRef>
+                  <a:effectRef idx="0">
+                    <a:schemeClr val="accent6"/>
+                  </a:effectRef>
+                  <a:fontRef idx="minor">
+                    <a:schemeClr val="lt1"/>
+                  </a:fontRef>
+                </p:style>
+                <p:txBody>
+                  <a:bodyPr rtlCol="0" anchor="ctr"/>
+                  <a:lstStyle/>
+                  <a:p>
+                    <a:pPr algn="ctr"/>
+                    <a:endParaRPr lang="it-IT" sz="1885" dirty="0"/>
+                  </a:p>
+                </p:txBody>
+              </p:sp>
+              <p:sp>
+                <p:nvSpPr>
+                  <p:cNvPr id="246" name="Rettangolo con angoli arrotondati 245">
+                    <a:extLst>
+                      <a:ext uri="{FF2B5EF4-FFF2-40B4-BE49-F238E27FC236}">
+                        <a16:creationId xmlns:a16="http://schemas.microsoft.com/office/drawing/2014/main" id="{1709C190-0563-89AE-2C1E-2CB7113F0794}"/>
+                      </a:ext>
+                    </a:extLst>
+                  </p:cNvPr>
+                  <p:cNvSpPr/>
+                  <p:nvPr/>
+                </p:nvSpPr>
+                <p:spPr>
+                  <a:xfrm>
+                    <a:off x="2890044" y="17945101"/>
+                    <a:ext cx="13686696" cy="2891606"/>
+                  </a:xfrm>
+                  <a:prstGeom prst="roundRect">
+                    <a:avLst>
+                      <a:gd name="adj" fmla="val 5443"/>
+                    </a:avLst>
+                  </a:prstGeom>
+                  <a:ln>
+                    <a:solidFill>
+                      <a:schemeClr val="accent6"/>
+                    </a:solidFill>
+                  </a:ln>
+                </p:spPr>
+                <p:style>
+                  <a:lnRef idx="2">
+                    <a:schemeClr val="accent6"/>
+                  </a:lnRef>
+                  <a:fillRef idx="1">
+                    <a:schemeClr val="lt1"/>
+                  </a:fillRef>
+                  <a:effectRef idx="0">
+                    <a:schemeClr val="accent6"/>
+                  </a:effectRef>
+                  <a:fontRef idx="minor">
+                    <a:schemeClr val="dk1"/>
+                  </a:fontRef>
+                </p:style>
+                <p:txBody>
+                  <a:bodyPr rtlCol="0" anchor="ctr"/>
+                  <a:lstStyle/>
+                  <a:p>
+                    <a:pPr algn="ctr"/>
+                    <a:endParaRPr lang="it-IT" sz="3204" dirty="0"/>
+                  </a:p>
+                </p:txBody>
+              </p:sp>
+            </p:grpSp>
+            <p:sp>
+              <p:nvSpPr>
+                <p:cNvPr id="244" name="CasellaDiTesto 243">
+                  <a:extLst>
+                    <a:ext uri="{FF2B5EF4-FFF2-40B4-BE49-F238E27FC236}">
+                      <a16:creationId xmlns:a16="http://schemas.microsoft.com/office/drawing/2014/main" id="{2B4053CD-F57A-9FE3-AB64-013B642A353E}"/>
+                    </a:ext>
+                  </a:extLst>
+                </p:cNvPr>
+                <p:cNvSpPr txBox="1"/>
+                <p:nvPr/>
+              </p:nvSpPr>
+              <p:spPr>
+                <a:xfrm>
+                  <a:off x="3960368" y="16891682"/>
+                  <a:ext cx="11911453" cy="916405"/>
+                </a:xfrm>
+                <a:prstGeom prst="rect">
+                  <a:avLst/>
+                </a:prstGeom>
+                <a:noFill/>
+              </p:spPr>
+              <p:txBody>
+                <a:bodyPr wrap="square" rtlCol="0">
+                  <a:spAutoFit/>
+                </a:bodyPr>
+                <a:lstStyle/>
+                <a:p>
+                  <a:pPr algn="ctr"/>
+                  <a:r>
+                    <a:rPr lang="it-IT" sz="4000" dirty="0">
+                      <a:solidFill>
+                        <a:schemeClr val="bg1"/>
+                      </a:solidFill>
+                    </a:rPr>
+                    <a:t>Demo</a:t>
+                  </a:r>
+                </a:p>
+              </p:txBody>
+            </p:sp>
+          </p:grpSp>
+          <p:pic>
+            <p:nvPicPr>
+              <p:cNvPr id="1034" name="Picture 10" descr="Démo - Icônes ordinateur gratuites">
+                <a:extLst>
+                  <a:ext uri="{FF2B5EF4-FFF2-40B4-BE49-F238E27FC236}">
+                    <a16:creationId xmlns:a16="http://schemas.microsoft.com/office/drawing/2014/main" id="{6ED81563-3BA8-205C-A4BB-FE0ACF3BA249}"/>
+                  </a:ext>
+                </a:extLst>
+              </p:cNvPr>
+              <p:cNvPicPr>
+                <a:picLocks noChangeAspect="1" noChangeArrowheads="1"/>
+              </p:cNvPicPr>
+              <p:nvPr/>
+            </p:nvPicPr>
+            <p:blipFill>
+              <a:blip r:embed="rId25">
+                <a:extLst>
+                  <a:ext uri="{28A0092B-C50C-407E-A947-70E740481C1C}">
+                    <a14:useLocalDpi xmlns:a14="http://schemas.microsoft.com/office/drawing/2010/main" val="0"/>
+                  </a:ext>
+                </a:extLst>
+              </a:blip>
+              <a:srcRect/>
+              <a:stretch>
+                <a:fillRect/>
+              </a:stretch>
+            </p:blipFill>
+            <p:spPr bwMode="auto">
+              <a:xfrm>
+                <a:off x="7709096" y="37645386"/>
+                <a:ext cx="1834954" cy="1834954"/>
+              </a:xfrm>
+              <a:prstGeom prst="rect">
+                <a:avLst/>
+              </a:prstGeom>
+              <a:noFill/>
+              <a:extLst>
+                <a:ext uri="{909E8E84-426E-40DD-AFC4-6F175D3DCCD1}">
+                  <a14:hiddenFill xmlns:a14="http://schemas.microsoft.com/office/drawing/2010/main">
+                    <a:solidFill>
+                      <a:srgbClr val="FFFFFF"/>
+                    </a:solidFill>
+                  </a14:hiddenFill>
+                </a:ext>
+              </a:extLst>
+            </p:spPr>
+          </p:pic>
+        </p:grpSp>
+        <p:pic>
+          <p:nvPicPr>
+            <p:cNvPr id="12" name="Immagine 11">
+              <a:extLst>
+                <a:ext uri="{FF2B5EF4-FFF2-40B4-BE49-F238E27FC236}">
+                  <a16:creationId xmlns:a16="http://schemas.microsoft.com/office/drawing/2014/main" id="{3A732F28-9931-45E4-7797-9C7362463568}"/>
+                </a:ext>
+              </a:extLst>
+            </p:cNvPr>
+            <p:cNvPicPr>
+              <a:picLocks noChangeAspect="1"/>
+            </p:cNvPicPr>
+            <p:nvPr/>
+          </p:nvPicPr>
+          <p:blipFill rotWithShape="1">
+            <a:blip r:embed="rId26">
+              <a:extLst>
+                <a:ext uri="{28A0092B-C50C-407E-A947-70E740481C1C}">
+                  <a14:useLocalDpi xmlns:a14="http://schemas.microsoft.com/office/drawing/2010/main" val="0"/>
+                </a:ext>
+              </a:extLst>
+            </a:blip>
+            <a:srcRect l="7897" t="8362" r="6084" b="5815"/>
+            <a:stretch/>
+          </p:blipFill>
+          <p:spPr>
+            <a:xfrm>
+              <a:off x="2538436" y="39625634"/>
+              <a:ext cx="2011592" cy="2007007"/>
+            </a:xfrm>
+            <a:prstGeom prst="rect">
+              <a:avLst/>
+            </a:prstGeom>
+          </p:spPr>
+        </p:pic>
+      </p:grpSp>
       <p:sp>
         <p:nvSpPr>
-          <p:cNvPr id="6" name="CasellaDiTesto 5">
+          <p:cNvPr id="15" name="CasellaDiTesto 14">
             <a:extLst>
               <a:ext uri="{FF2B5EF4-FFF2-40B4-BE49-F238E27FC236}">
-                <a16:creationId xmlns:a16="http://schemas.microsoft.com/office/drawing/2014/main" id="{33A40B87-81D2-8856-3386-65CC03EF140B}"/>
+                <a16:creationId xmlns:a16="http://schemas.microsoft.com/office/drawing/2014/main" id="{5F04328E-D39D-9BF9-DD67-80AE2146A962}"/>
               </a:ext>
             </a:extLst>
           </p:cNvPr>
@@ -31204,8 +31350,8 @@
         </p:nvSpPr>
         <p:spPr>
           <a:xfrm>
-            <a:off x="25465161" y="40937413"/>
-            <a:ext cx="2485700" cy="1200329"/>
+            <a:off x="219249" y="40632091"/>
+            <a:ext cx="12198163" cy="2062103"/>
           </a:xfrm>
           <a:prstGeom prst="rect">
             <a:avLst/>
@@ -31213,65 +31359,35 @@
           <a:noFill/>
         </p:spPr>
         <p:txBody>
-          <a:bodyPr wrap="square" rtlCol="0">
+          <a:bodyPr wrap="square">
             <a:spAutoFit/>
           </a:bodyPr>
           <a:lstStyle/>
           <a:p>
-            <a:pPr algn="ctr"/>
             <a:r>
-              <a:rPr lang="it-IT" sz="7200" dirty="0">
-                <a:latin typeface="Baguet Script" panose="020B0604020202020204" pitchFamily="2" charset="0"/>
+              <a:rPr lang="en-US" sz="3200" b="0" i="1" dirty="0">
+                <a:solidFill>
+                  <a:srgbClr val="212121"/>
+                </a:solidFill>
+                <a:effectLst/>
+                <a:latin typeface="Segoe UI" panose="020B0502040204020203" pitchFamily="34" charset="0"/>
               </a:rPr>
-              <a:t>.</a:t>
+              <a:t>This work has been supported by the French government, through the UCA DS4H Investments in the Future project managed by the National Research Agency (ANR) with the reference number ANR-17-EURE-0004.</a:t>
             </a:r>
             <a:r>
-              <a:rPr lang="it-IT" sz="7200" dirty="0" err="1">
-                <a:latin typeface="Baguet Script" panose="020B0604020202020204" pitchFamily="2" charset="0"/>
+              <a:rPr lang="en-US" sz="3200" b="0" i="0" dirty="0">
+                <a:solidFill>
+                  <a:srgbClr val="212121"/>
+                </a:solidFill>
+                <a:effectLst/>
+                <a:latin typeface="Segoe UI" panose="020B0502040204020203" pitchFamily="34" charset="0"/>
               </a:rPr>
-              <a:t>bib</a:t>
+              <a:t>”</a:t>
             </a:r>
-            <a:endParaRPr lang="it-IT" sz="7200" dirty="0">
-              <a:latin typeface="Baguet Script" panose="020B0604020202020204" pitchFamily="2" charset="0"/>
-            </a:endParaRPr>
+            <a:endParaRPr lang="it-IT" sz="3200" dirty="0"/>
           </a:p>
         </p:txBody>
       </p:sp>
-      <p:pic>
-        <p:nvPicPr>
-          <p:cNvPr id="12" name="Immagine 11">
-            <a:extLst>
-              <a:ext uri="{FF2B5EF4-FFF2-40B4-BE49-F238E27FC236}">
-                <a16:creationId xmlns:a16="http://schemas.microsoft.com/office/drawing/2014/main" id="{3A732F28-9931-45E4-7797-9C7362463568}"/>
-              </a:ext>
-            </a:extLst>
-          </p:cNvPr>
-          <p:cNvPicPr>
-            <a:picLocks noChangeAspect="1"/>
-          </p:cNvPicPr>
-          <p:nvPr/>
-        </p:nvPicPr>
-        <p:blipFill rotWithShape="1">
-          <a:blip r:embed="rId26">
-            <a:extLst>
-              <a:ext uri="{28A0092B-C50C-407E-A947-70E740481C1C}">
-                <a14:useLocalDpi xmlns:a14="http://schemas.microsoft.com/office/drawing/2010/main" val="0"/>
-              </a:ext>
-            </a:extLst>
-          </a:blip>
-          <a:srcRect l="7897" t="8362" r="6084" b="5815"/>
-          <a:stretch/>
-        </p:blipFill>
-        <p:spPr>
-          <a:xfrm>
-            <a:off x="2538436" y="40540041"/>
-            <a:ext cx="2011592" cy="2007007"/>
-          </a:xfrm>
-          <a:prstGeom prst="rect">
-            <a:avLst/>
-          </a:prstGeom>
-        </p:spPr>
-      </p:pic>
     </p:spTree>
     <p:extLst>
       <p:ext uri="{BB962C8B-B14F-4D97-AF65-F5344CB8AC3E}">
